--- a/SUPBANK CRYPTO CURRENCY PLATFORM.pptx
+++ b/SUPBANK CRYPTO CURRENCY PLATFORM.pptx
@@ -9,10 +9,14 @@
     <p:sldId id="257" r:id="rId3"/>
     <p:sldId id="260" r:id="rId4"/>
     <p:sldId id="264" r:id="rId5"/>
-    <p:sldId id="265" r:id="rId6"/>
-    <p:sldId id="263" r:id="rId7"/>
-    <p:sldId id="261" r:id="rId8"/>
-    <p:sldId id="262" r:id="rId9"/>
+    <p:sldId id="266" r:id="rId6"/>
+    <p:sldId id="265" r:id="rId7"/>
+    <p:sldId id="269" r:id="rId8"/>
+    <p:sldId id="263" r:id="rId9"/>
+    <p:sldId id="267" r:id="rId10"/>
+    <p:sldId id="268" r:id="rId11"/>
+    <p:sldId id="261" r:id="rId12"/>
+    <p:sldId id="262" r:id="rId13"/>
   </p:sldIdLst>
   <p:sldSz cx="12192000" cy="6858000"/>
   <p:notesSz cx="6858000" cy="9144000"/>
@@ -111,6 +115,11 @@
       </a:defRPr>
     </a:lvl9pPr>
   </p:defaultTextStyle>
+  <p:extLst>
+    <p:ext uri="{EFAFB233-063F-42B5-8137-9DF3F51BA10A}">
+      <p15:sldGuideLst xmlns:p15="http://schemas.microsoft.com/office/powerpoint/2012/main"/>
+    </p:ext>
+  </p:extLst>
 </p:presentation>
 </file>
 
@@ -209,7 +218,7 @@
           <a:effectLst/>
           <a:extLst>
             <a:ext uri="{91240B29-F687-4f45-9708-019B960494DF}">
-              <a14:hiddenLine xmlns="" xmlns:a14="http://schemas.microsoft.com/office/drawing/2010/main" w="9525">
+              <a14:hiddenLine xmlns:a14="http://schemas.microsoft.com/office/drawing/2010/main" xmlns="" w="9525">
                 <a:solidFill>
                   <a:srgbClr val="000000"/>
                 </a:solidFill>
@@ -401,7 +410,7 @@
           <a:p>
             <a:fld id="{662AEEF8-35AF-4824-BEFE-2042F78B74D8}" type="datetimeFigureOut">
               <a:rPr lang="fr-FR" smtClean="0"/>
-              <a:t>09/12/2018</a:t>
+              <a:t>10/12/2018</a:t>
             </a:fld>
             <a:endParaRPr lang="fr-FR"/>
           </a:p>
@@ -719,7 +728,7 @@
           <a:p>
             <a:fld id="{662AEEF8-35AF-4824-BEFE-2042F78B74D8}" type="datetimeFigureOut">
               <a:rPr lang="fr-FR" smtClean="0"/>
-              <a:t>09/12/2018</a:t>
+              <a:t>10/12/2018</a:t>
             </a:fld>
             <a:endParaRPr lang="fr-FR"/>
           </a:p>
@@ -1207,7 +1216,7 @@
           <a:p>
             <a:fld id="{662AEEF8-35AF-4824-BEFE-2042F78B74D8}" type="datetimeFigureOut">
               <a:rPr lang="fr-FR" smtClean="0"/>
-              <a:t>09/12/2018</a:t>
+              <a:t>10/12/2018</a:t>
             </a:fld>
             <a:endParaRPr lang="fr-FR"/>
           </a:p>
@@ -1576,7 +1585,7 @@
           <a:p>
             <a:fld id="{662AEEF8-35AF-4824-BEFE-2042F78B74D8}" type="datetimeFigureOut">
               <a:rPr lang="fr-FR" smtClean="0"/>
-              <a:t>09/12/2018</a:t>
+              <a:t>10/12/2018</a:t>
             </a:fld>
             <a:endParaRPr lang="fr-FR"/>
           </a:p>
@@ -1731,7 +1740,7 @@
           <a:ln/>
           <a:extLst>
             <a:ext uri="{91240B29-F687-4f45-9708-019B960494DF}">
-              <a14:hiddenLine xmlns="" xmlns:a14="http://schemas.microsoft.com/office/drawing/2010/main" w="9525">
+              <a14:hiddenLine xmlns:a14="http://schemas.microsoft.com/office/drawing/2010/main" xmlns="" w="9525">
                 <a:solidFill>
                   <a:srgbClr val="000000"/>
                 </a:solidFill>
@@ -1849,7 +1858,7 @@
           <a:p>
             <a:fld id="{662AEEF8-35AF-4824-BEFE-2042F78B74D8}" type="datetimeFigureOut">
               <a:rPr lang="fr-FR" smtClean="0"/>
-              <a:t>09/12/2018</a:t>
+              <a:t>10/12/2018</a:t>
             </a:fld>
             <a:endParaRPr lang="fr-FR"/>
           </a:p>
@@ -2006,7 +2015,7 @@
           <a:ln/>
           <a:extLst>
             <a:ext uri="{91240B29-F687-4f45-9708-019B960494DF}">
-              <a14:hiddenLine xmlns="" xmlns:a14="http://schemas.microsoft.com/office/drawing/2010/main" w="9525">
+              <a14:hiddenLine xmlns:a14="http://schemas.microsoft.com/office/drawing/2010/main" xmlns="" w="9525">
                 <a:solidFill>
                   <a:srgbClr val="000000"/>
                 </a:solidFill>
@@ -2134,7 +2143,7 @@
           <a:p>
             <a:fld id="{662AEEF8-35AF-4824-BEFE-2042F78B74D8}" type="datetimeFigureOut">
               <a:rPr lang="fr-FR" smtClean="0"/>
-              <a:t>09/12/2018</a:t>
+              <a:t>10/12/2018</a:t>
             </a:fld>
             <a:endParaRPr lang="fr-FR"/>
           </a:p>
@@ -2289,7 +2298,7 @@
           <a:ln/>
           <a:extLst>
             <a:ext uri="{91240B29-F687-4f45-9708-019B960494DF}">
-              <a14:hiddenLine xmlns="" xmlns:a14="http://schemas.microsoft.com/office/drawing/2010/main" w="9525">
+              <a14:hiddenLine xmlns:a14="http://schemas.microsoft.com/office/drawing/2010/main" xmlns="" w="9525">
                 <a:solidFill>
                   <a:srgbClr val="000000"/>
                 </a:solidFill>
@@ -2417,7 +2426,7 @@
           <a:p>
             <a:fld id="{662AEEF8-35AF-4824-BEFE-2042F78B74D8}" type="datetimeFigureOut">
               <a:rPr lang="fr-FR" smtClean="0"/>
-              <a:t>09/12/2018</a:t>
+              <a:t>10/12/2018</a:t>
             </a:fld>
             <a:endParaRPr lang="fr-FR"/>
           </a:p>
@@ -2760,7 +2769,7 @@
           <a:p>
             <a:fld id="{662AEEF8-35AF-4824-BEFE-2042F78B74D8}" type="datetimeFigureOut">
               <a:rPr lang="fr-FR" smtClean="0"/>
-              <a:t>09/12/2018</a:t>
+              <a:t>10/12/2018</a:t>
             </a:fld>
             <a:endParaRPr lang="fr-FR"/>
           </a:p>
@@ -2915,7 +2924,7 @@
           <a:ln/>
           <a:extLst>
             <a:ext uri="{91240B29-F687-4f45-9708-019B960494DF}">
-              <a14:hiddenLine xmlns="" xmlns:a14="http://schemas.microsoft.com/office/drawing/2010/main" w="9525">
+              <a14:hiddenLine xmlns:a14="http://schemas.microsoft.com/office/drawing/2010/main" xmlns="" w="9525">
                 <a:solidFill>
                   <a:srgbClr val="000000"/>
                 </a:solidFill>
@@ -3099,7 +3108,7 @@
           <a:p>
             <a:fld id="{662AEEF8-35AF-4824-BEFE-2042F78B74D8}" type="datetimeFigureOut">
               <a:rPr lang="fr-FR" smtClean="0"/>
-              <a:t>09/12/2018</a:t>
+              <a:t>10/12/2018</a:t>
             </a:fld>
             <a:endParaRPr lang="fr-FR"/>
           </a:p>
@@ -3254,7 +3263,7 @@
           <a:ln/>
           <a:extLst>
             <a:ext uri="{91240B29-F687-4f45-9708-019B960494DF}">
-              <a14:hiddenLine xmlns="" xmlns:a14="http://schemas.microsoft.com/office/drawing/2010/main" w="9525">
+              <a14:hiddenLine xmlns:a14="http://schemas.microsoft.com/office/drawing/2010/main" xmlns="" w="9525">
                 <a:solidFill>
                   <a:srgbClr val="000000"/>
                 </a:solidFill>
@@ -3576,7 +3585,7 @@
           <a:p>
             <a:fld id="{662AEEF8-35AF-4824-BEFE-2042F78B74D8}" type="datetimeFigureOut">
               <a:rPr lang="fr-FR" smtClean="0"/>
-              <a:t>09/12/2018</a:t>
+              <a:t>10/12/2018</a:t>
             </a:fld>
             <a:endParaRPr lang="fr-FR"/>
           </a:p>
@@ -3731,7 +3740,7 @@
           <a:ln/>
           <a:extLst>
             <a:ext uri="{91240B29-F687-4f45-9708-019B960494DF}">
-              <a14:hiddenLine xmlns="" xmlns:a14="http://schemas.microsoft.com/office/drawing/2010/main" w="9525">
+              <a14:hiddenLine xmlns:a14="http://schemas.microsoft.com/office/drawing/2010/main" xmlns="" w="9525">
                 <a:solidFill>
                   <a:srgbClr val="000000"/>
                 </a:solidFill>
@@ -3797,7 +3806,7 @@
           <a:p>
             <a:fld id="{662AEEF8-35AF-4824-BEFE-2042F78B74D8}" type="datetimeFigureOut">
               <a:rPr lang="fr-FR" smtClean="0"/>
-              <a:t>09/12/2018</a:t>
+              <a:t>10/12/2018</a:t>
             </a:fld>
             <a:endParaRPr lang="fr-FR"/>
           </a:p>
@@ -3892,7 +3901,7 @@
           <a:p>
             <a:fld id="{662AEEF8-35AF-4824-BEFE-2042F78B74D8}" type="datetimeFigureOut">
               <a:rPr lang="fr-FR" smtClean="0"/>
-              <a:t>09/12/2018</a:t>
+              <a:t>10/12/2018</a:t>
             </a:fld>
             <a:endParaRPr lang="fr-FR"/>
           </a:p>
@@ -4160,7 +4169,7 @@
           <a:ln/>
           <a:extLst>
             <a:ext uri="{91240B29-F687-4f45-9708-019B960494DF}">
-              <a14:hiddenLine xmlns="" xmlns:a14="http://schemas.microsoft.com/office/drawing/2010/main" w="9525">
+              <a14:hiddenLine xmlns:a14="http://schemas.microsoft.com/office/drawing/2010/main" xmlns="" w="9525">
                 <a:solidFill>
                   <a:srgbClr val="000000"/>
                 </a:solidFill>
@@ -4359,7 +4368,7 @@
           <a:p>
             <a:fld id="{662AEEF8-35AF-4824-BEFE-2042F78B74D8}" type="datetimeFigureOut">
               <a:rPr lang="fr-FR" smtClean="0"/>
-              <a:t>09/12/2018</a:t>
+              <a:t>10/12/2018</a:t>
             </a:fld>
             <a:endParaRPr lang="fr-FR"/>
           </a:p>
@@ -4672,7 +4681,7 @@
           <a:p>
             <a:fld id="{662AEEF8-35AF-4824-BEFE-2042F78B74D8}" type="datetimeFigureOut">
               <a:rPr lang="fr-FR" smtClean="0"/>
-              <a:t>09/12/2018</a:t>
+              <a:t>10/12/2018</a:t>
             </a:fld>
             <a:endParaRPr lang="fr-FR"/>
           </a:p>
@@ -4942,7 +4951,7 @@
           <a:p>
             <a:fld id="{662AEEF8-35AF-4824-BEFE-2042F78B74D8}" type="datetimeFigureOut">
               <a:rPr lang="fr-FR" smtClean="0"/>
-              <a:t>09/12/2018</a:t>
+              <a:t>10/12/2018</a:t>
             </a:fld>
             <a:endParaRPr lang="fr-FR"/>
           </a:p>
@@ -5715,6 +5724,387 @@
 </p:sld>
 </file>
 
+<file path=ppt/slides/slide10.xml><?xml version="1.0" encoding="utf-8"?>
+<p:sld xmlns:a="http://schemas.openxmlformats.org/drawingml/2006/main" xmlns:r="http://schemas.openxmlformats.org/officeDocument/2006/relationships" xmlns:p="http://schemas.openxmlformats.org/presentationml/2006/main">
+  <p:cSld>
+    <p:bg>
+      <p:bgPr>
+        <a:solidFill>
+          <a:schemeClr val="bg2"/>
+        </a:solidFill>
+        <a:effectLst/>
+      </p:bgPr>
+    </p:bg>
+    <p:spTree>
+      <p:nvGrpSpPr>
+        <p:cNvPr id="1" name=""/>
+        <p:cNvGrpSpPr/>
+        <p:nvPr/>
+      </p:nvGrpSpPr>
+      <p:grpSpPr>
+        <a:xfrm>
+          <a:off x="0" y="0"/>
+          <a:ext cx="0" cy="0"/>
+          <a:chOff x="0" y="0"/>
+          <a:chExt cx="0" cy="0"/>
+        </a:xfrm>
+      </p:grpSpPr>
+      <p:sp>
+        <p:nvSpPr>
+          <p:cNvPr id="2" name="Titre 1">
+            <a:extLst>
+              <a:ext uri="{FF2B5EF4-FFF2-40B4-BE49-F238E27FC236}">
+                <a16:creationId xmlns:a16="http://schemas.microsoft.com/office/drawing/2014/main" id="{DAE3DA34-0FF0-40A9-BD6E-5F2C43B7FD8E}"/>
+              </a:ext>
+            </a:extLst>
+          </p:cNvPr>
+          <p:cNvSpPr>
+            <a:spLocks noGrp="1"/>
+          </p:cNvSpPr>
+          <p:nvPr>
+            <p:ph type="title"/>
+          </p:nvPr>
+        </p:nvSpPr>
+        <p:spPr>
+          <a:xfrm>
+            <a:off x="810000" y="447188"/>
+            <a:ext cx="10571998" cy="970450"/>
+          </a:xfrm>
+        </p:spPr>
+        <p:txBody>
+          <a:bodyPr>
+            <a:normAutofit/>
+          </a:bodyPr>
+          <a:lstStyle/>
+          <a:p>
+            <a:r>
+              <a:rPr lang="fr-FR" dirty="0"/>
+              <a:t>Sprint 2 </a:t>
+            </a:r>
+          </a:p>
+        </p:txBody>
+      </p:sp>
+      <p:pic>
+        <p:nvPicPr>
+          <p:cNvPr id="7" name="Espace réservé du contenu 3">
+            <a:extLst>
+              <a:ext uri="{FF2B5EF4-FFF2-40B4-BE49-F238E27FC236}">
+                <a16:creationId xmlns:a16="http://schemas.microsoft.com/office/drawing/2014/main" id="{2CE3B3D5-7469-40B8-9700-B7CFED9DACBF}"/>
+              </a:ext>
+            </a:extLst>
+          </p:cNvPr>
+          <p:cNvPicPr>
+            <a:picLocks noChangeAspect="1"/>
+          </p:cNvPicPr>
+          <p:nvPr/>
+        </p:nvPicPr>
+        <p:blipFill>
+          <a:blip r:embed="rId2"/>
+          <a:stretch>
+            <a:fillRect/>
+          </a:stretch>
+        </p:blipFill>
+        <p:spPr>
+          <a:xfrm>
+            <a:off x="960438" y="2657647"/>
+            <a:ext cx="2913062" cy="3227044"/>
+          </a:xfrm>
+          <a:prstGeom prst="roundRect">
+            <a:avLst>
+              <a:gd name="adj" fmla="val 3876"/>
+            </a:avLst>
+          </a:prstGeom>
+          <a:ln>
+            <a:solidFill>
+              <a:schemeClr val="accent1"/>
+            </a:solidFill>
+          </a:ln>
+          <a:effectLst/>
+        </p:spPr>
+      </p:pic>
+      <p:sp>
+        <p:nvSpPr>
+          <p:cNvPr id="9" name="Content Placeholder 8">
+            <a:extLst>
+              <a:ext uri="{FF2B5EF4-FFF2-40B4-BE49-F238E27FC236}">
+                <a16:creationId xmlns:a16="http://schemas.microsoft.com/office/drawing/2014/main" id="{C6DD79F1-9E9E-4DD4-970D-5A310128FCF3}"/>
+              </a:ext>
+            </a:extLst>
+          </p:cNvPr>
+          <p:cNvSpPr>
+            <a:spLocks noGrp="1"/>
+          </p:cNvSpPr>
+          <p:nvPr>
+            <p:ph idx="1"/>
+          </p:nvPr>
+        </p:nvSpPr>
+        <p:spPr>
+          <a:xfrm>
+            <a:off x="4330699" y="2413000"/>
+            <a:ext cx="7052733" cy="3632200"/>
+          </a:xfrm>
+        </p:spPr>
+        <p:txBody>
+          <a:bodyPr>
+            <a:normAutofit/>
+          </a:bodyPr>
+          <a:lstStyle/>
+          <a:p>
+            <a:endParaRPr lang="en-US"/>
+          </a:p>
+        </p:txBody>
+      </p:sp>
+    </p:spTree>
+    <p:extLst>
+      <p:ext uri="{BB962C8B-B14F-4D97-AF65-F5344CB8AC3E}">
+        <p14:creationId xmlns:p14="http://schemas.microsoft.com/office/powerpoint/2010/main" val="344729090"/>
+      </p:ext>
+    </p:extLst>
+  </p:cSld>
+  <p:clrMapOvr>
+    <a:masterClrMapping/>
+  </p:clrMapOvr>
+</p:sld>
+</file>
+
+<file path=ppt/slides/slide11.xml><?xml version="1.0" encoding="utf-8"?>
+<p:sld xmlns:a="http://schemas.openxmlformats.org/drawingml/2006/main" xmlns:r="http://schemas.openxmlformats.org/officeDocument/2006/relationships" xmlns:p="http://schemas.openxmlformats.org/presentationml/2006/main">
+  <p:cSld>
+    <p:spTree>
+      <p:nvGrpSpPr>
+        <p:cNvPr id="1" name=""/>
+        <p:cNvGrpSpPr/>
+        <p:nvPr/>
+      </p:nvGrpSpPr>
+      <p:grpSpPr>
+        <a:xfrm>
+          <a:off x="0" y="0"/>
+          <a:ext cx="0" cy="0"/>
+          <a:chOff x="0" y="0"/>
+          <a:chExt cx="0" cy="0"/>
+        </a:xfrm>
+      </p:grpSpPr>
+      <p:sp>
+        <p:nvSpPr>
+          <p:cNvPr id="2" name="Titre 1">
+            <a:extLst>
+              <a:ext uri="{FF2B5EF4-FFF2-40B4-BE49-F238E27FC236}">
+                <a16:creationId xmlns:a16="http://schemas.microsoft.com/office/drawing/2014/main" id="{3F434921-DC1E-41C9-99DC-77BD75761E11}"/>
+              </a:ext>
+            </a:extLst>
+          </p:cNvPr>
+          <p:cNvSpPr>
+            <a:spLocks noGrp="1"/>
+          </p:cNvSpPr>
+          <p:nvPr>
+            <p:ph type="title"/>
+          </p:nvPr>
+        </p:nvSpPr>
+        <p:spPr/>
+        <p:txBody>
+          <a:bodyPr/>
+          <a:lstStyle/>
+          <a:p>
+            <a:r>
+              <a:rPr lang="en-US" sz="4400" dirty="0"/>
+              <a:t>Daly Meeting Sprint 2 </a:t>
+            </a:r>
+            <a:endParaRPr lang="fr-FR" dirty="0"/>
+          </a:p>
+        </p:txBody>
+      </p:sp>
+      <p:sp>
+        <p:nvSpPr>
+          <p:cNvPr id="3" name="Espace réservé du texte 2">
+            <a:extLst>
+              <a:ext uri="{FF2B5EF4-FFF2-40B4-BE49-F238E27FC236}">
+                <a16:creationId xmlns:a16="http://schemas.microsoft.com/office/drawing/2014/main" id="{5BB29EA0-AB98-4128-8083-B4281F3746AB}"/>
+              </a:ext>
+            </a:extLst>
+          </p:cNvPr>
+          <p:cNvSpPr>
+            <a:spLocks noGrp="1"/>
+          </p:cNvSpPr>
+          <p:nvPr>
+            <p:ph type="body" idx="1"/>
+          </p:nvPr>
+        </p:nvSpPr>
+        <p:spPr/>
+        <p:txBody>
+          <a:bodyPr/>
+          <a:lstStyle/>
+          <a:p>
+            <a:endParaRPr lang="fr-FR" dirty="0"/>
+          </a:p>
+        </p:txBody>
+      </p:sp>
+      <p:sp>
+        <p:nvSpPr>
+          <p:cNvPr id="4" name="Espace réservé du texte 3">
+            <a:extLst>
+              <a:ext uri="{FF2B5EF4-FFF2-40B4-BE49-F238E27FC236}">
+                <a16:creationId xmlns:a16="http://schemas.microsoft.com/office/drawing/2014/main" id="{ADDCB682-145B-4BAB-95F6-5AE09ED3C7CF}"/>
+              </a:ext>
+            </a:extLst>
+          </p:cNvPr>
+          <p:cNvSpPr>
+            <a:spLocks noGrp="1"/>
+          </p:cNvSpPr>
+          <p:nvPr>
+            <p:ph type="body" sz="quarter" idx="16"/>
+          </p:nvPr>
+        </p:nvSpPr>
+        <p:spPr>
+          <a:xfrm>
+            <a:off x="7574643" y="1081456"/>
+            <a:ext cx="3764168" cy="5255549"/>
+          </a:xfrm>
+        </p:spPr>
+        <p:txBody>
+          <a:bodyPr>
+            <a:normAutofit/>
+          </a:bodyPr>
+          <a:lstStyle/>
+          <a:p>
+            <a:pPr marL="285750" indent="-285750">
+              <a:lnSpc>
+                <a:spcPct val="200000"/>
+              </a:lnSpc>
+              <a:buFont typeface="Wingdings" panose="05000000000000000000" pitchFamily="2" charset="2"/>
+              <a:buChar char="q"/>
+            </a:pPr>
+            <a:r>
+              <a:rPr lang="fr-FR" dirty="0"/>
+              <a:t>Sur quel fonctionnalité à t’on travaillé hier ? </a:t>
+            </a:r>
+          </a:p>
+          <a:p>
+            <a:pPr marL="285750" indent="-285750">
+              <a:lnSpc>
+                <a:spcPct val="200000"/>
+              </a:lnSpc>
+              <a:buFont typeface="Wingdings" panose="05000000000000000000" pitchFamily="2" charset="2"/>
+              <a:buChar char="q"/>
+            </a:pPr>
+            <a:r>
+              <a:rPr lang="fr-FR" dirty="0"/>
+              <a:t>Sur quoi travail t’on ? </a:t>
+            </a:r>
+          </a:p>
+          <a:p>
+            <a:pPr marL="285750" indent="-285750">
+              <a:lnSpc>
+                <a:spcPct val="200000"/>
+              </a:lnSpc>
+              <a:buFont typeface="Wingdings" panose="05000000000000000000" pitchFamily="2" charset="2"/>
+              <a:buChar char="q"/>
+            </a:pPr>
+            <a:r>
+              <a:rPr lang="fr-FR" dirty="0"/>
+              <a:t>Qu’elles sont les difficultés rencontrées ? </a:t>
+            </a:r>
+          </a:p>
+          <a:p>
+            <a:pPr marL="285750" indent="-285750">
+              <a:lnSpc>
+                <a:spcPct val="200000"/>
+              </a:lnSpc>
+              <a:buFont typeface="Wingdings" panose="05000000000000000000" pitchFamily="2" charset="2"/>
+              <a:buChar char="q"/>
+            </a:pPr>
+            <a:r>
+              <a:rPr lang="fr-FR" dirty="0"/>
+              <a:t>Que met t’on en œuvre pour pallié aux difficultés ? </a:t>
+            </a:r>
+          </a:p>
+        </p:txBody>
+      </p:sp>
+    </p:spTree>
+    <p:extLst>
+      <p:ext uri="{BB962C8B-B14F-4D97-AF65-F5344CB8AC3E}">
+        <p14:creationId xmlns:p14="http://schemas.microsoft.com/office/powerpoint/2010/main" val="3123490471"/>
+      </p:ext>
+    </p:extLst>
+  </p:cSld>
+  <p:clrMapOvr>
+    <a:masterClrMapping/>
+  </p:clrMapOvr>
+</p:sld>
+</file>
+
+<file path=ppt/slides/slide12.xml><?xml version="1.0" encoding="utf-8"?>
+<p:sld xmlns:a="http://schemas.openxmlformats.org/drawingml/2006/main" xmlns:r="http://schemas.openxmlformats.org/officeDocument/2006/relationships" xmlns:p="http://schemas.openxmlformats.org/presentationml/2006/main">
+  <p:cSld>
+    <p:spTree>
+      <p:nvGrpSpPr>
+        <p:cNvPr id="1" name=""/>
+        <p:cNvGrpSpPr/>
+        <p:nvPr/>
+      </p:nvGrpSpPr>
+      <p:grpSpPr>
+        <a:xfrm>
+          <a:off x="0" y="0"/>
+          <a:ext cx="0" cy="0"/>
+          <a:chOff x="0" y="0"/>
+          <a:chExt cx="0" cy="0"/>
+        </a:xfrm>
+      </p:grpSpPr>
+      <p:sp>
+        <p:nvSpPr>
+          <p:cNvPr id="2" name="Rectangle 1">
+            <a:extLst>
+              <a:ext uri="{FF2B5EF4-FFF2-40B4-BE49-F238E27FC236}">
+                <a16:creationId xmlns:a16="http://schemas.microsoft.com/office/drawing/2014/main" id="{4D00C7BA-7C57-458B-84B2-497B4EB9CDC8}"/>
+              </a:ext>
+            </a:extLst>
+          </p:cNvPr>
+          <p:cNvSpPr/>
+          <p:nvPr/>
+        </p:nvSpPr>
+        <p:spPr>
+          <a:xfrm>
+            <a:off x="3832399" y="3167390"/>
+            <a:ext cx="4527201" cy="523220"/>
+          </a:xfrm>
+          <a:prstGeom prst="rect">
+            <a:avLst/>
+          </a:prstGeom>
+        </p:spPr>
+        <p:txBody>
+          <a:bodyPr wrap="none">
+            <a:spAutoFit/>
+          </a:bodyPr>
+          <a:lstStyle/>
+          <a:p>
+            <a:r>
+              <a:rPr lang="en-US" sz="2800" dirty="0"/>
+              <a:t>Merci de </a:t>
+            </a:r>
+            <a:r>
+              <a:rPr lang="en-US" sz="2800" dirty="0" err="1"/>
+              <a:t>votre</a:t>
+            </a:r>
+            <a:r>
+              <a:rPr lang="en-US" sz="2800" dirty="0"/>
+              <a:t> attention </a:t>
+            </a:r>
+            <a:endParaRPr lang="fr-FR" sz="2800" dirty="0"/>
+          </a:p>
+        </p:txBody>
+      </p:sp>
+    </p:spTree>
+    <p:extLst>
+      <p:ext uri="{BB962C8B-B14F-4D97-AF65-F5344CB8AC3E}">
+        <p14:creationId xmlns:p14="http://schemas.microsoft.com/office/powerpoint/2010/main" val="3612484846"/>
+      </p:ext>
+    </p:extLst>
+  </p:cSld>
+  <p:clrMapOvr>
+    <a:masterClrMapping/>
+  </p:clrMapOvr>
+</p:sld>
+</file>
+
 <file path=ppt/slides/slide2.xml><?xml version="1.0" encoding="utf-8"?>
 <p:sld xmlns:a="http://schemas.openxmlformats.org/drawingml/2006/main" xmlns:r="http://schemas.openxmlformats.org/officeDocument/2006/relationships" xmlns:p="http://schemas.openxmlformats.org/presentationml/2006/main">
   <p:cSld>
@@ -5835,7 +6225,7 @@
           <a:effectLst/>
           <a:extLst>
             <a:ext uri="{91240B29-F687-4f45-9708-019B960494DF}">
-              <a14:hiddenLine xmlns="" xmlns:a16="http://schemas.microsoft.com/office/drawing/2014/main" xmlns:p14="http://schemas.microsoft.com/office/powerpoint/2010/main" xmlns:a14="http://schemas.microsoft.com/office/drawing/2010/main" w="9525">
+              <a14:hiddenLine xmlns:a14="http://schemas.microsoft.com/office/drawing/2010/main" xmlns:p14="http://schemas.microsoft.com/office/powerpoint/2010/main" xmlns:a16="http://schemas.microsoft.com/office/drawing/2014/main" xmlns="" w="9525">
                 <a:solidFill>
                   <a:srgbClr val="000000"/>
                 </a:solidFill>
@@ -6334,20 +6724,20 @@
         </p:nvSpPr>
         <p:spPr>
           <a:xfrm>
-            <a:off x="8816750" y="5617048"/>
+            <a:off x="8751777" y="5711379"/>
             <a:ext cx="3053339" cy="542060"/>
           </a:xfrm>
           <a:effectLst/>
         </p:spPr>
         <p:txBody>
           <a:bodyPr vert="horz" lIns="91440" tIns="45720" rIns="91440" bIns="45720" rtlCol="0" anchor="b">
-            <a:normAutofit/>
+            <a:normAutofit fontScale="90000"/>
           </a:bodyPr>
           <a:lstStyle/>
           <a:p>
             <a:pPr algn="ctr"/>
             <a:r>
-              <a:rPr lang="en-US" sz="2800" dirty="0">
+              <a:rPr lang="en-US" sz="3200" dirty="0">
                 <a:solidFill>
                   <a:srgbClr val="262626"/>
                 </a:solidFill>
@@ -6373,7 +6763,7 @@
         </p:nvSpPr>
         <p:spPr>
           <a:xfrm>
-            <a:off x="5063633" y="5617048"/>
+            <a:off x="4904753" y="5711379"/>
             <a:ext cx="3053339" cy="542060"/>
           </a:xfrm>
           <a:prstGeom prst="rect">
@@ -6383,7 +6773,7 @@
         </p:spPr>
         <p:txBody>
           <a:bodyPr vert="horz" lIns="91440" tIns="45720" rIns="91440" bIns="45720" rtlCol="0" anchor="b">
-            <a:normAutofit fontScale="85000" lnSpcReduction="20000"/>
+            <a:normAutofit fontScale="92500" lnSpcReduction="10000"/>
           </a:bodyPr>
           <a:lstStyle>
             <a:lvl1pPr algn="l" defTabSz="457200" rtl="0" eaLnBrk="1" latinLnBrk="0" hangingPunct="1">
@@ -6460,7 +6850,7 @@
           <a:p>
             <a:pPr algn="ctr"/>
             <a:r>
-              <a:rPr lang="en-US" dirty="0">
+              <a:rPr lang="en-US" sz="3200" dirty="0">
                 <a:solidFill>
                   <a:srgbClr val="262626"/>
                 </a:solidFill>
@@ -6486,13 +6876,240 @@
         </p:nvSpPr>
         <p:spPr>
           <a:xfrm>
-            <a:off x="1151631" y="5379579"/>
-            <a:ext cx="3053339" cy="779529"/>
+            <a:off x="1151631" y="5658109"/>
+            <a:ext cx="3082279" cy="593941"/>
           </a:xfrm>
           <a:prstGeom prst="rect">
             <a:avLst/>
           </a:prstGeom>
           <a:effectLst/>
+        </p:spPr>
+        <p:txBody>
+          <a:bodyPr vert="horz" lIns="91440" tIns="45720" rIns="91440" bIns="45720" rtlCol="0" anchor="b">
+            <a:normAutofit fontScale="92500"/>
+          </a:bodyPr>
+          <a:lstStyle>
+            <a:lvl1pPr algn="l" defTabSz="457200" rtl="0" eaLnBrk="1" latinLnBrk="0" hangingPunct="1">
+              <a:spcBef>
+                <a:spcPct val="0"/>
+              </a:spcBef>
+              <a:buNone/>
+              <a:defRPr sz="4000" b="1" kern="1200">
+                <a:solidFill>
+                  <a:srgbClr val="FEFEFE"/>
+                </a:solidFill>
+                <a:latin typeface="+mj-lt"/>
+                <a:ea typeface="+mj-ea"/>
+                <a:cs typeface="+mj-cs"/>
+              </a:defRPr>
+            </a:lvl1pPr>
+            <a:lvl2pPr eaLnBrk="1" hangingPunct="1">
+              <a:defRPr>
+                <a:solidFill>
+                  <a:schemeClr val="tx2"/>
+                </a:solidFill>
+              </a:defRPr>
+            </a:lvl2pPr>
+            <a:lvl3pPr eaLnBrk="1" hangingPunct="1">
+              <a:defRPr>
+                <a:solidFill>
+                  <a:schemeClr val="tx2"/>
+                </a:solidFill>
+              </a:defRPr>
+            </a:lvl3pPr>
+            <a:lvl4pPr eaLnBrk="1" hangingPunct="1">
+              <a:defRPr>
+                <a:solidFill>
+                  <a:schemeClr val="tx2"/>
+                </a:solidFill>
+              </a:defRPr>
+            </a:lvl4pPr>
+            <a:lvl5pPr eaLnBrk="1" hangingPunct="1">
+              <a:defRPr>
+                <a:solidFill>
+                  <a:schemeClr val="tx2"/>
+                </a:solidFill>
+              </a:defRPr>
+            </a:lvl5pPr>
+            <a:lvl6pPr eaLnBrk="1" hangingPunct="1">
+              <a:defRPr>
+                <a:solidFill>
+                  <a:schemeClr val="tx2"/>
+                </a:solidFill>
+              </a:defRPr>
+            </a:lvl6pPr>
+            <a:lvl7pPr eaLnBrk="1" hangingPunct="1">
+              <a:defRPr>
+                <a:solidFill>
+                  <a:schemeClr val="tx2"/>
+                </a:solidFill>
+              </a:defRPr>
+            </a:lvl7pPr>
+            <a:lvl8pPr eaLnBrk="1" hangingPunct="1">
+              <a:defRPr>
+                <a:solidFill>
+                  <a:schemeClr val="tx2"/>
+                </a:solidFill>
+              </a:defRPr>
+            </a:lvl8pPr>
+            <a:lvl9pPr eaLnBrk="1" hangingPunct="1">
+              <a:defRPr>
+                <a:solidFill>
+                  <a:schemeClr val="tx2"/>
+                </a:solidFill>
+              </a:defRPr>
+            </a:lvl9pPr>
+          </a:lstStyle>
+          <a:p>
+            <a:pPr algn="ctr"/>
+            <a:r>
+              <a:rPr lang="en-US" sz="3200" dirty="0">
+                <a:solidFill>
+                  <a:srgbClr val="262626"/>
+                </a:solidFill>
+              </a:rPr>
+              <a:t>Product Owner </a:t>
+            </a:r>
+          </a:p>
+        </p:txBody>
+      </p:sp>
+      <p:pic>
+        <p:nvPicPr>
+          <p:cNvPr id="13" name="Image 12">
+            <a:extLst>
+              <a:ext uri="{FF2B5EF4-FFF2-40B4-BE49-F238E27FC236}">
+                <a16:creationId xmlns:a16="http://schemas.microsoft.com/office/drawing/2014/main" id="{83FE0706-1A00-487D-B3D6-0791DB09D1C2}"/>
+              </a:ext>
+            </a:extLst>
+          </p:cNvPr>
+          <p:cNvPicPr>
+            <a:picLocks noChangeAspect="1"/>
+          </p:cNvPicPr>
+          <p:nvPr/>
+        </p:nvPicPr>
+        <p:blipFill>
+          <a:blip r:embed="rId2">
+            <a:extLst>
+              <a:ext uri="{28A0092B-C50C-407E-A947-70E740481C1C}">
+                <a14:useLocalDpi xmlns:a14="http://schemas.microsoft.com/office/drawing/2010/main" val="0"/>
+              </a:ext>
+            </a:extLst>
+          </a:blip>
+          <a:stretch>
+            <a:fillRect/>
+          </a:stretch>
+        </p:blipFill>
+        <p:spPr>
+          <a:xfrm>
+            <a:off x="1216604" y="2574920"/>
+            <a:ext cx="2923394" cy="2923394"/>
+          </a:xfrm>
+          <a:prstGeom prst="rect">
+            <a:avLst/>
+          </a:prstGeom>
+        </p:spPr>
+      </p:pic>
+      <p:pic>
+        <p:nvPicPr>
+          <p:cNvPr id="20" name="Image 19">
+            <a:extLst>
+              <a:ext uri="{FF2B5EF4-FFF2-40B4-BE49-F238E27FC236}">
+                <a16:creationId xmlns:a16="http://schemas.microsoft.com/office/drawing/2014/main" id="{EA4449B1-7D2D-4141-91BD-DD18630CDBAC}"/>
+              </a:ext>
+            </a:extLst>
+          </p:cNvPr>
+          <p:cNvPicPr>
+            <a:picLocks noChangeAspect="1"/>
+          </p:cNvPicPr>
+          <p:nvPr/>
+        </p:nvPicPr>
+        <p:blipFill>
+          <a:blip r:embed="rId2">
+            <a:extLst>
+              <a:ext uri="{28A0092B-C50C-407E-A947-70E740481C1C}">
+                <a14:useLocalDpi xmlns:a14="http://schemas.microsoft.com/office/drawing/2010/main" val="0"/>
+              </a:ext>
+            </a:extLst>
+          </a:blip>
+          <a:stretch>
+            <a:fillRect/>
+          </a:stretch>
+        </p:blipFill>
+        <p:spPr>
+          <a:xfrm>
+            <a:off x="5063633" y="2574920"/>
+            <a:ext cx="2923394" cy="2923394"/>
+          </a:xfrm>
+          <a:prstGeom prst="rect">
+            <a:avLst/>
+          </a:prstGeom>
+        </p:spPr>
+      </p:pic>
+      <p:pic>
+        <p:nvPicPr>
+          <p:cNvPr id="21" name="Image 20">
+            <a:extLst>
+              <a:ext uri="{FF2B5EF4-FFF2-40B4-BE49-F238E27FC236}">
+                <a16:creationId xmlns:a16="http://schemas.microsoft.com/office/drawing/2014/main" id="{55007245-A370-4158-974F-5FF8010572EB}"/>
+              </a:ext>
+            </a:extLst>
+          </p:cNvPr>
+          <p:cNvPicPr>
+            <a:picLocks noChangeAspect="1"/>
+          </p:cNvPicPr>
+          <p:nvPr/>
+        </p:nvPicPr>
+        <p:blipFill>
+          <a:blip r:embed="rId2">
+            <a:extLst>
+              <a:ext uri="{28A0092B-C50C-407E-A947-70E740481C1C}">
+                <a14:useLocalDpi xmlns:a14="http://schemas.microsoft.com/office/drawing/2010/main" val="0"/>
+              </a:ext>
+            </a:extLst>
+          </a:blip>
+          <a:stretch>
+            <a:fillRect/>
+          </a:stretch>
+        </p:blipFill>
+        <p:spPr>
+          <a:xfrm>
+            <a:off x="8816750" y="2574920"/>
+            <a:ext cx="2923394" cy="2923394"/>
+          </a:xfrm>
+          <a:prstGeom prst="rect">
+            <a:avLst/>
+          </a:prstGeom>
+        </p:spPr>
+      </p:pic>
+      <p:sp>
+        <p:nvSpPr>
+          <p:cNvPr id="22" name="Titre 1">
+            <a:extLst>
+              <a:ext uri="{FF2B5EF4-FFF2-40B4-BE49-F238E27FC236}">
+                <a16:creationId xmlns:a16="http://schemas.microsoft.com/office/drawing/2014/main" id="{27C90A38-5A5A-4498-B199-C1107903F766}"/>
+              </a:ext>
+            </a:extLst>
+          </p:cNvPr>
+          <p:cNvSpPr txBox="1">
+            <a:spLocks/>
+          </p:cNvSpPr>
+          <p:nvPr/>
+        </p:nvSpPr>
+        <p:spPr>
+          <a:xfrm>
+            <a:off x="505201" y="432442"/>
+            <a:ext cx="10572000" cy="1388741"/>
+          </a:xfrm>
+          <a:prstGeom prst="rect">
+            <a:avLst/>
+          </a:prstGeom>
+          <a:effectLst>
+            <a:outerShdw blurRad="50800" dir="14400000">
+              <a:srgbClr val="000000">
+                <a:alpha val="60000"/>
+              </a:srgbClr>
+            </a:outerShdw>
+          </a:effectLst>
         </p:spPr>
         <p:txBody>
           <a:bodyPr vert="horz" lIns="91440" tIns="45720" rIns="91440" bIns="45720" rtlCol="0" anchor="b">
@@ -6571,233 +7188,6 @@
             </a:lvl9pPr>
           </a:lstStyle>
           <a:p>
-            <a:pPr algn="ctr"/>
-            <a:r>
-              <a:rPr lang="en-US" sz="2800" dirty="0">
-                <a:solidFill>
-                  <a:srgbClr val="262626"/>
-                </a:solidFill>
-              </a:rPr>
-              <a:t>Product Owner </a:t>
-            </a:r>
-          </a:p>
-        </p:txBody>
-      </p:sp>
-      <p:pic>
-        <p:nvPicPr>
-          <p:cNvPr id="13" name="Image 12">
-            <a:extLst>
-              <a:ext uri="{FF2B5EF4-FFF2-40B4-BE49-F238E27FC236}">
-                <a16:creationId xmlns:a16="http://schemas.microsoft.com/office/drawing/2014/main" id="{83FE0706-1A00-487D-B3D6-0791DB09D1C2}"/>
-              </a:ext>
-            </a:extLst>
-          </p:cNvPr>
-          <p:cNvPicPr>
-            <a:picLocks noChangeAspect="1"/>
-          </p:cNvPicPr>
-          <p:nvPr/>
-        </p:nvPicPr>
-        <p:blipFill>
-          <a:blip r:embed="rId2">
-            <a:extLst>
-              <a:ext uri="{28A0092B-C50C-407E-A947-70E740481C1C}">
-                <a14:useLocalDpi xmlns:a14="http://schemas.microsoft.com/office/drawing/2010/main" val="0"/>
-              </a:ext>
-            </a:extLst>
-          </a:blip>
-          <a:stretch>
-            <a:fillRect/>
-          </a:stretch>
-        </p:blipFill>
-        <p:spPr>
-          <a:xfrm>
-            <a:off x="1216604" y="2574920"/>
-            <a:ext cx="2923394" cy="2923394"/>
-          </a:xfrm>
-          <a:prstGeom prst="rect">
-            <a:avLst/>
-          </a:prstGeom>
-        </p:spPr>
-      </p:pic>
-      <p:pic>
-        <p:nvPicPr>
-          <p:cNvPr id="20" name="Image 19">
-            <a:extLst>
-              <a:ext uri="{FF2B5EF4-FFF2-40B4-BE49-F238E27FC236}">
-                <a16:creationId xmlns:a16="http://schemas.microsoft.com/office/drawing/2014/main" id="{EA4449B1-7D2D-4141-91BD-DD18630CDBAC}"/>
-              </a:ext>
-            </a:extLst>
-          </p:cNvPr>
-          <p:cNvPicPr>
-            <a:picLocks noChangeAspect="1"/>
-          </p:cNvPicPr>
-          <p:nvPr/>
-        </p:nvPicPr>
-        <p:blipFill>
-          <a:blip r:embed="rId2">
-            <a:extLst>
-              <a:ext uri="{28A0092B-C50C-407E-A947-70E740481C1C}">
-                <a14:useLocalDpi xmlns:a14="http://schemas.microsoft.com/office/drawing/2010/main" val="0"/>
-              </a:ext>
-            </a:extLst>
-          </a:blip>
-          <a:stretch>
-            <a:fillRect/>
-          </a:stretch>
-        </p:blipFill>
-        <p:spPr>
-          <a:xfrm>
-            <a:off x="5063633" y="2574920"/>
-            <a:ext cx="2923394" cy="2923394"/>
-          </a:xfrm>
-          <a:prstGeom prst="rect">
-            <a:avLst/>
-          </a:prstGeom>
-        </p:spPr>
-      </p:pic>
-      <p:pic>
-        <p:nvPicPr>
-          <p:cNvPr id="21" name="Image 20">
-            <a:extLst>
-              <a:ext uri="{FF2B5EF4-FFF2-40B4-BE49-F238E27FC236}">
-                <a16:creationId xmlns:a16="http://schemas.microsoft.com/office/drawing/2014/main" id="{55007245-A370-4158-974F-5FF8010572EB}"/>
-              </a:ext>
-            </a:extLst>
-          </p:cNvPr>
-          <p:cNvPicPr>
-            <a:picLocks noChangeAspect="1"/>
-          </p:cNvPicPr>
-          <p:nvPr/>
-        </p:nvPicPr>
-        <p:blipFill>
-          <a:blip r:embed="rId2">
-            <a:extLst>
-              <a:ext uri="{28A0092B-C50C-407E-A947-70E740481C1C}">
-                <a14:useLocalDpi xmlns:a14="http://schemas.microsoft.com/office/drawing/2010/main" val="0"/>
-              </a:ext>
-            </a:extLst>
-          </a:blip>
-          <a:stretch>
-            <a:fillRect/>
-          </a:stretch>
-        </p:blipFill>
-        <p:spPr>
-          <a:xfrm>
-            <a:off x="8816750" y="2574920"/>
-            <a:ext cx="2923394" cy="2923394"/>
-          </a:xfrm>
-          <a:prstGeom prst="rect">
-            <a:avLst/>
-          </a:prstGeom>
-        </p:spPr>
-      </p:pic>
-      <p:sp>
-        <p:nvSpPr>
-          <p:cNvPr id="22" name="Titre 1">
-            <a:extLst>
-              <a:ext uri="{FF2B5EF4-FFF2-40B4-BE49-F238E27FC236}">
-                <a16:creationId xmlns:a16="http://schemas.microsoft.com/office/drawing/2014/main" id="{27C90A38-5A5A-4498-B199-C1107903F766}"/>
-              </a:ext>
-            </a:extLst>
-          </p:cNvPr>
-          <p:cNvSpPr txBox="1">
-            <a:spLocks/>
-          </p:cNvSpPr>
-          <p:nvPr/>
-        </p:nvSpPr>
-        <p:spPr>
-          <a:xfrm>
-            <a:off x="505201" y="432442"/>
-            <a:ext cx="10572000" cy="1388741"/>
-          </a:xfrm>
-          <a:prstGeom prst="rect">
-            <a:avLst/>
-          </a:prstGeom>
-          <a:effectLst>
-            <a:outerShdw blurRad="50800" dir="14400000">
-              <a:srgbClr val="000000">
-                <a:alpha val="60000"/>
-              </a:srgbClr>
-            </a:outerShdw>
-          </a:effectLst>
-        </p:spPr>
-        <p:txBody>
-          <a:bodyPr vert="horz" lIns="91440" tIns="45720" rIns="91440" bIns="45720" rtlCol="0" anchor="b">
-            <a:normAutofit/>
-          </a:bodyPr>
-          <a:lstStyle>
-            <a:lvl1pPr algn="l" defTabSz="457200" rtl="0" eaLnBrk="1" latinLnBrk="0" hangingPunct="1">
-              <a:spcBef>
-                <a:spcPct val="0"/>
-              </a:spcBef>
-              <a:buNone/>
-              <a:defRPr sz="4000" b="1" kern="1200">
-                <a:solidFill>
-                  <a:srgbClr val="FEFEFE"/>
-                </a:solidFill>
-                <a:latin typeface="+mj-lt"/>
-                <a:ea typeface="+mj-ea"/>
-                <a:cs typeface="+mj-cs"/>
-              </a:defRPr>
-            </a:lvl1pPr>
-            <a:lvl2pPr eaLnBrk="1" hangingPunct="1">
-              <a:defRPr>
-                <a:solidFill>
-                  <a:schemeClr val="tx2"/>
-                </a:solidFill>
-              </a:defRPr>
-            </a:lvl2pPr>
-            <a:lvl3pPr eaLnBrk="1" hangingPunct="1">
-              <a:defRPr>
-                <a:solidFill>
-                  <a:schemeClr val="tx2"/>
-                </a:solidFill>
-              </a:defRPr>
-            </a:lvl3pPr>
-            <a:lvl4pPr eaLnBrk="1" hangingPunct="1">
-              <a:defRPr>
-                <a:solidFill>
-                  <a:schemeClr val="tx2"/>
-                </a:solidFill>
-              </a:defRPr>
-            </a:lvl4pPr>
-            <a:lvl5pPr eaLnBrk="1" hangingPunct="1">
-              <a:defRPr>
-                <a:solidFill>
-                  <a:schemeClr val="tx2"/>
-                </a:solidFill>
-              </a:defRPr>
-            </a:lvl5pPr>
-            <a:lvl6pPr eaLnBrk="1" hangingPunct="1">
-              <a:defRPr>
-                <a:solidFill>
-                  <a:schemeClr val="tx2"/>
-                </a:solidFill>
-              </a:defRPr>
-            </a:lvl6pPr>
-            <a:lvl7pPr eaLnBrk="1" hangingPunct="1">
-              <a:defRPr>
-                <a:solidFill>
-                  <a:schemeClr val="tx2"/>
-                </a:solidFill>
-              </a:defRPr>
-            </a:lvl7pPr>
-            <a:lvl8pPr eaLnBrk="1" hangingPunct="1">
-              <a:defRPr>
-                <a:solidFill>
-                  <a:schemeClr val="tx2"/>
-                </a:solidFill>
-              </a:defRPr>
-            </a:lvl8pPr>
-            <a:lvl9pPr eaLnBrk="1" hangingPunct="1">
-              <a:defRPr>
-                <a:solidFill>
-                  <a:schemeClr val="tx2"/>
-                </a:solidFill>
-              </a:defRPr>
-            </a:lvl9pPr>
-          </a:lstStyle>
-          <a:p>
             <a:pPr algn="ctr">
               <a:lnSpc>
                 <a:spcPct val="90000"/>
@@ -6826,6 +7216,129 @@
                 </a:solidFill>
               </a:rPr>
               <a:t> de SUPBANK</a:t>
+            </a:r>
+          </a:p>
+        </p:txBody>
+      </p:sp>
+      <p:sp>
+        <p:nvSpPr>
+          <p:cNvPr id="3" name="ZoneTexte 2">
+            <a:extLst>
+              <a:ext uri="{FF2B5EF4-FFF2-40B4-BE49-F238E27FC236}">
+                <a16:creationId xmlns:a16="http://schemas.microsoft.com/office/drawing/2014/main" id="{3B41AD56-0016-4012-BC76-F1AC49557E17}"/>
+              </a:ext>
+            </a:extLst>
+          </p:cNvPr>
+          <p:cNvSpPr txBox="1"/>
+          <p:nvPr/>
+        </p:nvSpPr>
+        <p:spPr>
+          <a:xfrm>
+            <a:off x="1423659" y="6359374"/>
+            <a:ext cx="2509284" cy="369332"/>
+          </a:xfrm>
+          <a:prstGeom prst="rect">
+            <a:avLst/>
+          </a:prstGeom>
+          <a:noFill/>
+        </p:spPr>
+        <p:txBody>
+          <a:bodyPr wrap="square" rtlCol="0">
+            <a:spAutoFit/>
+          </a:bodyPr>
+          <a:lstStyle/>
+          <a:p>
+            <a:pPr algn="ctr"/>
+            <a:r>
+              <a:rPr lang="fr-FR" b="1" dirty="0">
+                <a:solidFill>
+                  <a:srgbClr val="ED395C"/>
+                </a:solidFill>
+                <a:latin typeface="+mj-lt"/>
+              </a:rPr>
+              <a:t>Frédéric ECANVIL </a:t>
+            </a:r>
+          </a:p>
+        </p:txBody>
+      </p:sp>
+      <p:sp>
+        <p:nvSpPr>
+          <p:cNvPr id="10" name="ZoneTexte 9">
+            <a:extLst>
+              <a:ext uri="{FF2B5EF4-FFF2-40B4-BE49-F238E27FC236}">
+                <a16:creationId xmlns:a16="http://schemas.microsoft.com/office/drawing/2014/main" id="{CBAFBBD6-D858-4224-AF4C-52DE95D0B8AE}"/>
+              </a:ext>
+            </a:extLst>
+          </p:cNvPr>
+          <p:cNvSpPr txBox="1"/>
+          <p:nvPr/>
+        </p:nvSpPr>
+        <p:spPr>
+          <a:xfrm>
+            <a:off x="5136116" y="6359374"/>
+            <a:ext cx="2509284" cy="369332"/>
+          </a:xfrm>
+          <a:prstGeom prst="rect">
+            <a:avLst/>
+          </a:prstGeom>
+          <a:noFill/>
+        </p:spPr>
+        <p:txBody>
+          <a:bodyPr wrap="square" rtlCol="0">
+            <a:spAutoFit/>
+          </a:bodyPr>
+          <a:lstStyle/>
+          <a:p>
+            <a:pPr algn="ctr"/>
+            <a:r>
+              <a:rPr lang="fr-FR" b="1" dirty="0">
+                <a:solidFill>
+                  <a:srgbClr val="ED395C"/>
+                </a:solidFill>
+                <a:latin typeface="+mj-lt"/>
+              </a:rPr>
+              <a:t>Brice MIRAM</a:t>
+            </a:r>
+          </a:p>
+        </p:txBody>
+      </p:sp>
+      <p:sp>
+        <p:nvSpPr>
+          <p:cNvPr id="11" name="ZoneTexte 10">
+            <a:extLst>
+              <a:ext uri="{FF2B5EF4-FFF2-40B4-BE49-F238E27FC236}">
+                <a16:creationId xmlns:a16="http://schemas.microsoft.com/office/drawing/2014/main" id="{4093206D-F636-43F8-8718-E1EB2319A96D}"/>
+              </a:ext>
+            </a:extLst>
+          </p:cNvPr>
+          <p:cNvSpPr txBox="1"/>
+          <p:nvPr/>
+        </p:nvSpPr>
+        <p:spPr>
+          <a:xfrm>
+            <a:off x="8816750" y="6359374"/>
+            <a:ext cx="3053338" cy="369332"/>
+          </a:xfrm>
+          <a:prstGeom prst="rect">
+            <a:avLst/>
+          </a:prstGeom>
+          <a:noFill/>
+        </p:spPr>
+        <p:txBody>
+          <a:bodyPr wrap="square" rtlCol="0">
+            <a:spAutoFit/>
+          </a:bodyPr>
+          <a:lstStyle/>
+          <a:p>
+            <a:pPr algn="ctr"/>
+            <a:r>
+              <a:rPr lang="fr-FR" b="1" dirty="0">
+                <a:solidFill>
+                  <a:srgbClr val="ED395C"/>
+                </a:solidFill>
+                <a:latin typeface="+mj-lt"/>
+              </a:rPr>
+              <a:t>Adry JOSEPH-AUGUSTE</a:t>
             </a:r>
           </a:p>
         </p:txBody>
@@ -6925,63 +7438,40 @@
           <a:chExt cx="0" cy="0"/>
         </a:xfrm>
       </p:grpSpPr>
-      <p:sp>
-        <p:nvSpPr>
-          <p:cNvPr id="2" name="Titre 1">
+      <p:pic>
+        <p:nvPicPr>
+          <p:cNvPr id="2" name="Image 1">
             <a:extLst>
               <a:ext uri="{FF2B5EF4-FFF2-40B4-BE49-F238E27FC236}">
-                <a16:creationId xmlns:a16="http://schemas.microsoft.com/office/drawing/2014/main" id="{DAE3DA34-0FF0-40A9-BD6E-5F2C43B7FD8E}"/>
+                <a16:creationId xmlns:a16="http://schemas.microsoft.com/office/drawing/2014/main" id="{D0620F1B-B6D2-4C49-816E-DB9EBA6D00AE}"/>
               </a:ext>
             </a:extLst>
           </p:cNvPr>
-          <p:cNvSpPr>
-            <a:spLocks noGrp="1"/>
-          </p:cNvSpPr>
-          <p:nvPr>
-            <p:ph type="title"/>
-          </p:nvPr>
-        </p:nvSpPr>
-        <p:spPr/>
-        <p:txBody>
-          <a:bodyPr/>
-          <a:lstStyle/>
-          <a:p>
-            <a:r>
-              <a:rPr lang="fr-FR" dirty="0"/>
-              <a:t>User Stories / User Point ( PDF ) </a:t>
-            </a:r>
-          </a:p>
-        </p:txBody>
-      </p:sp>
-      <p:sp>
-        <p:nvSpPr>
-          <p:cNvPr id="3" name="Espace réservé du contenu 2">
-            <a:extLst>
-              <a:ext uri="{FF2B5EF4-FFF2-40B4-BE49-F238E27FC236}">
-                <a16:creationId xmlns:a16="http://schemas.microsoft.com/office/drawing/2014/main" id="{395CE4BF-2668-40F7-93EE-D9432FF8E9F4}"/>
-              </a:ext>
-            </a:extLst>
-          </p:cNvPr>
-          <p:cNvSpPr>
-            <a:spLocks noGrp="1"/>
-          </p:cNvSpPr>
-          <p:nvPr>
-            <p:ph idx="1"/>
-          </p:nvPr>
-        </p:nvSpPr>
-        <p:spPr/>
-        <p:txBody>
-          <a:bodyPr/>
-          <a:lstStyle/>
-          <a:p>
-            <a:endParaRPr lang="fr-FR"/>
-          </a:p>
-        </p:txBody>
-      </p:sp>
+          <p:cNvPicPr>
+            <a:picLocks noChangeAspect="1"/>
+          </p:cNvPicPr>
+          <p:nvPr/>
+        </p:nvPicPr>
+        <p:blipFill>
+          <a:blip r:embed="rId2"/>
+          <a:stretch>
+            <a:fillRect/>
+          </a:stretch>
+        </p:blipFill>
+        <p:spPr>
+          <a:xfrm>
+            <a:off x="0" y="0"/>
+            <a:ext cx="12192000" cy="6858000"/>
+          </a:xfrm>
+          <a:prstGeom prst="rect">
+            <a:avLst/>
+          </a:prstGeom>
+        </p:spPr>
+      </p:pic>
     </p:spTree>
     <p:extLst>
       <p:ext uri="{BB962C8B-B14F-4D97-AF65-F5344CB8AC3E}">
-        <p14:creationId xmlns:p14="http://schemas.microsoft.com/office/powerpoint/2010/main" val="2293126713"/>
+        <p14:creationId xmlns:p14="http://schemas.microsoft.com/office/powerpoint/2010/main" val="2848689640"/>
       </p:ext>
     </p:extLst>
   </p:cSld>
@@ -6994,6 +7484,14 @@
 <file path=ppt/slides/slide6.xml><?xml version="1.0" encoding="utf-8"?>
 <p:sld xmlns:a="http://schemas.openxmlformats.org/drawingml/2006/main" xmlns:r="http://schemas.openxmlformats.org/officeDocument/2006/relationships" xmlns:p="http://schemas.openxmlformats.org/presentationml/2006/main">
   <p:cSld>
+    <p:bg>
+      <p:bgPr>
+        <a:solidFill>
+          <a:schemeClr val="bg2"/>
+        </a:solidFill>
+        <a:effectLst/>
+      </p:bgPr>
+    </p:bg>
     <p:spTree>
       <p:nvGrpSpPr>
         <p:cNvPr id="1" name=""/>
@@ -7024,24 +7522,39 @@
             <p:ph type="title"/>
           </p:nvPr>
         </p:nvSpPr>
-        <p:spPr/>
-        <p:txBody>
-          <a:bodyPr/>
+        <p:spPr>
+          <a:xfrm>
+            <a:off x="810000" y="447188"/>
+            <a:ext cx="10571998" cy="970450"/>
+          </a:xfrm>
+        </p:spPr>
+        <p:txBody>
+          <a:bodyPr>
+            <a:normAutofit/>
+          </a:bodyPr>
           <a:lstStyle/>
           <a:p>
             <a:r>
               <a:rPr lang="fr-FR" dirty="0"/>
-              <a:t>Burn-down chart</a:t>
-            </a:r>
-          </a:p>
-        </p:txBody>
-      </p:sp>
-      <p:sp>
-        <p:nvSpPr>
-          <p:cNvPr id="3" name="Espace réservé du contenu 2">
+              <a:t>Product </a:t>
+            </a:r>
+            <a:r>
+              <a:rPr lang="fr-FR" dirty="0" err="1"/>
+              <a:t>Backlog</a:t>
+            </a:r>
+            <a:r>
+              <a:rPr lang="fr-FR" dirty="0"/>
+              <a:t> </a:t>
+            </a:r>
+          </a:p>
+        </p:txBody>
+      </p:sp>
+      <p:sp>
+        <p:nvSpPr>
+          <p:cNvPr id="6" name="Espace réservé du contenu 5">
             <a:extLst>
               <a:ext uri="{FF2B5EF4-FFF2-40B4-BE49-F238E27FC236}">
-                <a16:creationId xmlns:a16="http://schemas.microsoft.com/office/drawing/2014/main" id="{395CE4BF-2668-40F7-93EE-D9432FF8E9F4}"/>
+                <a16:creationId xmlns:a16="http://schemas.microsoft.com/office/drawing/2014/main" id="{68A1E919-A22E-45D2-A317-EDB033E9740D}"/>
               </a:ext>
             </a:extLst>
           </p:cNvPr>
@@ -7052,19 +7565,64 @@
             <p:ph idx="1"/>
           </p:nvPr>
         </p:nvSpPr>
-        <p:spPr/>
-        <p:txBody>
-          <a:bodyPr/>
+        <p:spPr>
+          <a:xfrm>
+            <a:off x="818713" y="2413000"/>
+            <a:ext cx="7199220" cy="3632200"/>
+          </a:xfrm>
+        </p:spPr>
+        <p:txBody>
+          <a:bodyPr>
+            <a:normAutofit/>
+          </a:bodyPr>
           <a:lstStyle/>
           <a:p>
-            <a:endParaRPr lang="fr-FR"/>
-          </a:p>
-        </p:txBody>
-      </p:sp>
+            <a:endParaRPr lang="fr-FR" dirty="0"/>
+          </a:p>
+        </p:txBody>
+      </p:sp>
+      <p:pic>
+        <p:nvPicPr>
+          <p:cNvPr id="10" name="Espace réservé du contenu 3">
+            <a:extLst>
+              <a:ext uri="{FF2B5EF4-FFF2-40B4-BE49-F238E27FC236}">
+                <a16:creationId xmlns:a16="http://schemas.microsoft.com/office/drawing/2014/main" id="{5763E696-3E4C-4C05-BBED-89469C3DFC8C}"/>
+              </a:ext>
+            </a:extLst>
+          </p:cNvPr>
+          <p:cNvPicPr>
+            <a:picLocks noChangeAspect="1"/>
+          </p:cNvPicPr>
+          <p:nvPr/>
+        </p:nvPicPr>
+        <p:blipFill>
+          <a:blip r:embed="rId2"/>
+          <a:stretch>
+            <a:fillRect/>
+          </a:stretch>
+        </p:blipFill>
+        <p:spPr>
+          <a:xfrm>
+            <a:off x="8789186" y="2413000"/>
+            <a:ext cx="2266965" cy="3716338"/>
+          </a:xfrm>
+          <a:prstGeom prst="roundRect">
+            <a:avLst>
+              <a:gd name="adj" fmla="val 3876"/>
+            </a:avLst>
+          </a:prstGeom>
+          <a:ln>
+            <a:solidFill>
+              <a:schemeClr val="accent1"/>
+            </a:solidFill>
+          </a:ln>
+          <a:effectLst/>
+        </p:spPr>
+      </p:pic>
     </p:spTree>
     <p:extLst>
       <p:ext uri="{BB962C8B-B14F-4D97-AF65-F5344CB8AC3E}">
-        <p14:creationId xmlns:p14="http://schemas.microsoft.com/office/powerpoint/2010/main" val="468251948"/>
+        <p14:creationId xmlns:p14="http://schemas.microsoft.com/office/powerpoint/2010/main" val="2293126713"/>
       </p:ext>
     </p:extLst>
   </p:cSld>
@@ -7096,7 +7654,7 @@
           <p:cNvPr id="2" name="Titre 1">
             <a:extLst>
               <a:ext uri="{FF2B5EF4-FFF2-40B4-BE49-F238E27FC236}">
-                <a16:creationId xmlns:a16="http://schemas.microsoft.com/office/drawing/2014/main" id="{3F434921-DC1E-41C9-99DC-77BD75761E11}"/>
+                <a16:creationId xmlns:a16="http://schemas.microsoft.com/office/drawing/2014/main" id="{DAE3DA34-0FF0-40A9-BD6E-5F2C43B7FD8E}"/>
               </a:ext>
             </a:extLst>
           </p:cNvPr>
@@ -7113,19 +7671,18 @@
           <a:lstStyle/>
           <a:p>
             <a:r>
-              <a:rPr lang="en-US" sz="4400" dirty="0"/>
-              <a:t>Daly Meeting Sprint 2 </a:t>
-            </a:r>
-            <a:endParaRPr lang="fr-FR" dirty="0"/>
-          </a:p>
-        </p:txBody>
-      </p:sp>
-      <p:sp>
-        <p:nvSpPr>
-          <p:cNvPr id="3" name="Espace réservé du texte 2">
+              <a:rPr lang="fr-FR" dirty="0"/>
+              <a:t>User Stories / User Point ( PDF ) </a:t>
+            </a:r>
+          </a:p>
+        </p:txBody>
+      </p:sp>
+      <p:sp>
+        <p:nvSpPr>
+          <p:cNvPr id="3" name="Espace réservé du contenu 2">
             <a:extLst>
               <a:ext uri="{FF2B5EF4-FFF2-40B4-BE49-F238E27FC236}">
-                <a16:creationId xmlns:a16="http://schemas.microsoft.com/office/drawing/2014/main" id="{5BB29EA0-AB98-4128-8083-B4281F3746AB}"/>
+                <a16:creationId xmlns:a16="http://schemas.microsoft.com/office/drawing/2014/main" id="{395CE4BF-2668-40F7-93EE-D9432FF8E9F4}"/>
               </a:ext>
             </a:extLst>
           </p:cNvPr>
@@ -7133,7 +7690,7 @@
             <a:spLocks noGrp="1"/>
           </p:cNvSpPr>
           <p:nvPr>
-            <p:ph type="body" idx="1"/>
+            <p:ph idx="1"/>
           </p:nvPr>
         </p:nvSpPr>
         <p:spPr/>
@@ -7141,95 +7698,14 @@
           <a:bodyPr/>
           <a:lstStyle/>
           <a:p>
-            <a:endParaRPr lang="fr-FR" dirty="0"/>
-          </a:p>
-        </p:txBody>
-      </p:sp>
-      <p:sp>
-        <p:nvSpPr>
-          <p:cNvPr id="4" name="Espace réservé du texte 3">
-            <a:extLst>
-              <a:ext uri="{FF2B5EF4-FFF2-40B4-BE49-F238E27FC236}">
-                <a16:creationId xmlns:a16="http://schemas.microsoft.com/office/drawing/2014/main" id="{ADDCB682-145B-4BAB-95F6-5AE09ED3C7CF}"/>
-              </a:ext>
-            </a:extLst>
-          </p:cNvPr>
-          <p:cNvSpPr>
-            <a:spLocks noGrp="1"/>
-          </p:cNvSpPr>
-          <p:nvPr>
-            <p:ph type="body" sz="quarter" idx="16"/>
-          </p:nvPr>
-        </p:nvSpPr>
-        <p:spPr>
-          <a:xfrm>
-            <a:off x="7574643" y="1081456"/>
-            <a:ext cx="3764168" cy="5255549"/>
-          </a:xfrm>
-        </p:spPr>
-        <p:txBody>
-          <a:bodyPr>
-            <a:normAutofit/>
-          </a:bodyPr>
-          <a:lstStyle/>
-          <a:p>
-            <a:pPr marL="285750" indent="-285750">
-              <a:lnSpc>
-                <a:spcPct val="200000"/>
-              </a:lnSpc>
-              <a:buFont typeface="Wingdings" panose="05000000000000000000" pitchFamily="2" charset="2"/>
-              <a:buChar char="q"/>
-            </a:pPr>
-            <a:r>
-              <a:rPr lang="fr-FR" dirty="0"/>
-              <a:t>Sur quel fonctionnalité à t’on travaillé hier ? </a:t>
-            </a:r>
-          </a:p>
-          <a:p>
-            <a:pPr marL="285750" indent="-285750">
-              <a:lnSpc>
-                <a:spcPct val="200000"/>
-              </a:lnSpc>
-              <a:buFont typeface="Wingdings" panose="05000000000000000000" pitchFamily="2" charset="2"/>
-              <a:buChar char="q"/>
-            </a:pPr>
-            <a:r>
-              <a:rPr lang="fr-FR" dirty="0"/>
-              <a:t>Sur quoi travail t’on ? </a:t>
-            </a:r>
-          </a:p>
-          <a:p>
-            <a:pPr marL="285750" indent="-285750">
-              <a:lnSpc>
-                <a:spcPct val="200000"/>
-              </a:lnSpc>
-              <a:buFont typeface="Wingdings" panose="05000000000000000000" pitchFamily="2" charset="2"/>
-              <a:buChar char="q"/>
-            </a:pPr>
-            <a:r>
-              <a:rPr lang="fr-FR" dirty="0"/>
-              <a:t>Qu’elles sont les difficultés rencontrées ? </a:t>
-            </a:r>
-          </a:p>
-          <a:p>
-            <a:pPr marL="285750" indent="-285750">
-              <a:lnSpc>
-                <a:spcPct val="200000"/>
-              </a:lnSpc>
-              <a:buFont typeface="Wingdings" panose="05000000000000000000" pitchFamily="2" charset="2"/>
-              <a:buChar char="q"/>
-            </a:pPr>
-            <a:r>
-              <a:rPr lang="fr-FR" dirty="0"/>
-              <a:t>Que met t’on en œuvre pour pallié aux difficultés ? </a:t>
-            </a:r>
+            <a:endParaRPr lang="fr-FR"/>
           </a:p>
         </p:txBody>
       </p:sp>
     </p:spTree>
     <p:extLst>
       <p:ext uri="{BB962C8B-B14F-4D97-AF65-F5344CB8AC3E}">
-        <p14:creationId xmlns:p14="http://schemas.microsoft.com/office/powerpoint/2010/main" val="3123490471"/>
+        <p14:creationId xmlns:p14="http://schemas.microsoft.com/office/powerpoint/2010/main" val="926563838"/>
       </p:ext>
     </p:extLst>
   </p:cSld>
@@ -7242,6 +7718,14 @@
 <file path=ppt/slides/slide8.xml><?xml version="1.0" encoding="utf-8"?>
 <p:sld xmlns:a="http://schemas.openxmlformats.org/drawingml/2006/main" xmlns:r="http://schemas.openxmlformats.org/officeDocument/2006/relationships" xmlns:p="http://schemas.openxmlformats.org/presentationml/2006/main">
   <p:cSld>
+    <p:bg>
+      <p:bgPr>
+        <a:solidFill>
+          <a:schemeClr val="bg2"/>
+        </a:solidFill>
+        <a:effectLst/>
+      </p:bgPr>
+    </p:bg>
     <p:spTree>
       <p:nvGrpSpPr>
         <p:cNvPr id="1" name=""/>
@@ -7258,51 +7742,468 @@
       </p:grpSpPr>
       <p:sp>
         <p:nvSpPr>
-          <p:cNvPr id="2" name="Rectangle 1">
+          <p:cNvPr id="21" name="Freeform 6">
             <a:extLst>
               <a:ext uri="{FF2B5EF4-FFF2-40B4-BE49-F238E27FC236}">
-                <a16:creationId xmlns:a16="http://schemas.microsoft.com/office/drawing/2014/main" id="{4D00C7BA-7C57-458B-84B2-497B4EB9CDC8}"/>
+                <a16:creationId xmlns:a16="http://schemas.microsoft.com/office/drawing/2014/main" id="{85B3A411-39CB-4453-9F3D-FA48206632BC}"/>
+              </a:ext>
+              <a:ext uri="{C183D7F6-B498-43B3-948B-1728B52AA6E4}">
+                <adec:decorative xmlns:adec="http://schemas.microsoft.com/office/drawing/2017/decorative" val="1"/>
               </a:ext>
             </a:extLst>
           </p:cNvPr>
-          <p:cNvSpPr/>
-          <p:nvPr/>
+          <p:cNvSpPr>
+            <a:spLocks noGrp="1" noRot="1" noChangeAspect="1" noMove="1" noResize="1" noEditPoints="1" noAdjustHandles="1" noChangeArrowheads="1" noChangeShapeType="1" noTextEdit="1"/>
+          </p:cNvSpPr>
+          <p:nvPr>
+            <p:extLst>
+              <p:ext uri="{386F3935-93C4-4BCD-93E2-E3B085C9AB24}">
+                <p16:designElem xmlns:p16="http://schemas.microsoft.com/office/powerpoint/2015/main" val="1"/>
+              </p:ext>
+            </p:extLst>
+          </p:nvPr>
+        </p:nvSpPr>
+        <p:spPr bwMode="auto">
+          <a:xfrm>
+            <a:off x="0" y="-3175"/>
+            <a:ext cx="12192000" cy="5203825"/>
+          </a:xfrm>
+          <a:custGeom>
+            <a:avLst/>
+            <a:gdLst/>
+            <a:ahLst/>
+            <a:cxnLst/>
+            <a:rect l="0" t="0" r="r" b="b"/>
+            <a:pathLst>
+              <a:path w="5760" h="3278">
+                <a:moveTo>
+                  <a:pt x="5760" y="0"/>
+                </a:moveTo>
+                <a:lnTo>
+                  <a:pt x="0" y="0"/>
+                </a:lnTo>
+                <a:lnTo>
+                  <a:pt x="0" y="3090"/>
+                </a:lnTo>
+                <a:lnTo>
+                  <a:pt x="943" y="3090"/>
+                </a:lnTo>
+                <a:lnTo>
+                  <a:pt x="1123" y="3270"/>
+                </a:lnTo>
+                <a:lnTo>
+                  <a:pt x="1123" y="3270"/>
+                </a:lnTo>
+                <a:lnTo>
+                  <a:pt x="1127" y="3272"/>
+                </a:lnTo>
+                <a:lnTo>
+                  <a:pt x="1133" y="3275"/>
+                </a:lnTo>
+                <a:lnTo>
+                  <a:pt x="1139" y="3278"/>
+                </a:lnTo>
+                <a:lnTo>
+                  <a:pt x="1144" y="3278"/>
+                </a:lnTo>
+                <a:lnTo>
+                  <a:pt x="1150" y="3278"/>
+                </a:lnTo>
+                <a:lnTo>
+                  <a:pt x="1155" y="3275"/>
+                </a:lnTo>
+                <a:lnTo>
+                  <a:pt x="1161" y="3272"/>
+                </a:lnTo>
+                <a:lnTo>
+                  <a:pt x="1165" y="3270"/>
+                </a:lnTo>
+                <a:lnTo>
+                  <a:pt x="1345" y="3090"/>
+                </a:lnTo>
+                <a:lnTo>
+                  <a:pt x="5760" y="3090"/>
+                </a:lnTo>
+                <a:lnTo>
+                  <a:pt x="5760" y="0"/>
+                </a:lnTo>
+                <a:close/>
+              </a:path>
+            </a:pathLst>
+          </a:custGeom>
+          <a:ln/>
+          <a:effectLst/>
+          <a:extLst>
+            <a:ext uri="{91240B29-F687-4f45-9708-019B960494DF}">
+              <a14:hiddenLine xmlns="" xmlns:a16="http://schemas.microsoft.com/office/drawing/2014/main" xmlns:p14="http://schemas.microsoft.com/office/powerpoint/2010/main" xmlns:a14="http://schemas.microsoft.com/office/drawing/2010/main" w="9525">
+                <a:solidFill>
+                  <a:srgbClr val="000000"/>
+                </a:solidFill>
+                <a:round/>
+                <a:headEnd/>
+                <a:tailEnd/>
+              </a14:hiddenLine>
+            </a:ext>
+          </a:extLst>
+        </p:spPr>
+        <p:style>
+          <a:lnRef idx="1">
+            <a:schemeClr val="accent1"/>
+          </a:lnRef>
+          <a:fillRef idx="3">
+            <a:schemeClr val="accent1"/>
+          </a:fillRef>
+          <a:effectRef idx="2">
+            <a:schemeClr val="accent1"/>
+          </a:effectRef>
+          <a:fontRef idx="minor">
+            <a:schemeClr val="lt1"/>
+          </a:fontRef>
+        </p:style>
+      </p:sp>
+      <p:sp>
+        <p:nvSpPr>
+          <p:cNvPr id="2" name="Titre 1">
+            <a:extLst>
+              <a:ext uri="{FF2B5EF4-FFF2-40B4-BE49-F238E27FC236}">
+                <a16:creationId xmlns:a16="http://schemas.microsoft.com/office/drawing/2014/main" id="{DAE3DA34-0FF0-40A9-BD6E-5F2C43B7FD8E}"/>
+              </a:ext>
+            </a:extLst>
+          </p:cNvPr>
+          <p:cNvSpPr>
+            <a:spLocks noGrp="1"/>
+          </p:cNvSpPr>
+          <p:nvPr>
+            <p:ph type="title"/>
+          </p:nvPr>
         </p:nvSpPr>
         <p:spPr>
           <a:xfrm>
-            <a:off x="3832399" y="3167390"/>
-            <a:ext cx="4527201" cy="523220"/>
+            <a:off x="0" y="639097"/>
+            <a:ext cx="4646922" cy="3781101"/>
+          </a:xfrm>
+        </p:spPr>
+        <p:txBody>
+          <a:bodyPr vert="horz" lIns="91440" tIns="45720" rIns="91440" bIns="45720" rtlCol="0" anchor="b">
+            <a:normAutofit/>
+          </a:bodyPr>
+          <a:lstStyle/>
+          <a:p>
+            <a:pPr marL="457200" indent="-457200" algn="ctr"/>
+            <a:r>
+              <a:rPr lang="en-US" sz="5400" dirty="0"/>
+              <a:t>Burn-down chart</a:t>
+            </a:r>
+          </a:p>
+        </p:txBody>
+      </p:sp>
+      <p:sp>
+        <p:nvSpPr>
+          <p:cNvPr id="23" name="Rectangle 22">
+            <a:extLst>
+              <a:ext uri="{FF2B5EF4-FFF2-40B4-BE49-F238E27FC236}">
+                <a16:creationId xmlns:a16="http://schemas.microsoft.com/office/drawing/2014/main" id="{40D573D2-DD8C-4E19-8BB2-1DC0767FDB75}"/>
+              </a:ext>
+              <a:ext uri="{C183D7F6-B498-43B3-948B-1728B52AA6E4}">
+                <adec:decorative xmlns:adec="http://schemas.microsoft.com/office/drawing/2017/decorative" val="1"/>
+              </a:ext>
+            </a:extLst>
+          </p:cNvPr>
+          <p:cNvSpPr>
+            <a:spLocks noGrp="1" noRot="1" noChangeAspect="1" noMove="1" noResize="1" noEditPoints="1" noAdjustHandles="1" noChangeArrowheads="1" noChangeShapeType="1" noTextEdit="1"/>
+          </p:cNvSpPr>
+          <p:nvPr>
+            <p:extLst>
+              <p:ext uri="{386F3935-93C4-4BCD-93E2-E3B085C9AB24}">
+                <p16:designElem xmlns:p16="http://schemas.microsoft.com/office/powerpoint/2015/main" val="1"/>
+              </p:ext>
+            </p:extLst>
+          </p:nvPr>
+        </p:nvSpPr>
+        <p:spPr>
+          <a:xfrm>
+            <a:off x="4650658" y="0"/>
+            <a:ext cx="7552944" cy="6858000"/>
           </a:xfrm>
           <a:prstGeom prst="rect">
             <a:avLst/>
           </a:prstGeom>
-        </p:spPr>
-        <p:txBody>
-          <a:bodyPr wrap="none">
-            <a:spAutoFit/>
-          </a:bodyPr>
+          <a:solidFill>
+            <a:schemeClr val="tx1"/>
+          </a:solidFill>
+          <a:ln>
+            <a:noFill/>
+          </a:ln>
+        </p:spPr>
+        <p:style>
+          <a:lnRef idx="2">
+            <a:schemeClr val="accent1">
+              <a:shade val="50000"/>
+            </a:schemeClr>
+          </a:lnRef>
+          <a:fillRef idx="1">
+            <a:schemeClr val="accent1"/>
+          </a:fillRef>
+          <a:effectRef idx="0">
+            <a:schemeClr val="accent1"/>
+          </a:effectRef>
+          <a:fontRef idx="minor">
+            <a:schemeClr val="lt1"/>
+          </a:fontRef>
+        </p:style>
+        <p:txBody>
+          <a:bodyPr rtlCol="0" anchor="ctr"/>
           <a:lstStyle/>
           <a:p>
-            <a:r>
-              <a:rPr lang="en-US" sz="2800" dirty="0"/>
-              <a:t>Merci de </a:t>
-            </a:r>
-            <a:r>
-              <a:rPr lang="en-US" sz="2800" dirty="0" err="1"/>
-              <a:t>votre</a:t>
-            </a:r>
-            <a:r>
-              <a:rPr lang="en-US" sz="2800" dirty="0"/>
-              <a:t> attention </a:t>
-            </a:r>
-            <a:endParaRPr lang="fr-FR" sz="2800" dirty="0"/>
-          </a:p>
-        </p:txBody>
-      </p:sp>
+            <a:pPr algn="ctr"/>
+            <a:endParaRPr lang="en-US"/>
+          </a:p>
+        </p:txBody>
+      </p:sp>
+      <p:sp>
+        <p:nvSpPr>
+          <p:cNvPr id="25" name="Rounded Rectangle 14">
+            <a:extLst>
+              <a:ext uri="{FF2B5EF4-FFF2-40B4-BE49-F238E27FC236}">
+                <a16:creationId xmlns:a16="http://schemas.microsoft.com/office/drawing/2014/main" id="{9B6C5F92-472F-4CAB-90F8-B997C54EBFDD}"/>
+              </a:ext>
+              <a:ext uri="{C183D7F6-B498-43B3-948B-1728B52AA6E4}">
+                <adec:decorative xmlns:adec="http://schemas.microsoft.com/office/drawing/2017/decorative" val="1"/>
+              </a:ext>
+            </a:extLst>
+          </p:cNvPr>
+          <p:cNvSpPr>
+            <a:spLocks noGrp="1" noRot="1" noChangeAspect="1" noMove="1" noResize="1" noEditPoints="1" noAdjustHandles="1" noChangeArrowheads="1" noChangeShapeType="1" noTextEdit="1"/>
+          </p:cNvSpPr>
+          <p:nvPr>
+            <p:extLst>
+              <p:ext uri="{386F3935-93C4-4BCD-93E2-E3B085C9AB24}">
+                <p16:designElem xmlns:p16="http://schemas.microsoft.com/office/powerpoint/2015/main" val="1"/>
+              </p:ext>
+            </p:extLst>
+          </p:nvPr>
+        </p:nvSpPr>
+        <p:spPr>
+          <a:xfrm>
+            <a:off x="5290386" y="958640"/>
+            <a:ext cx="6258150" cy="4945244"/>
+          </a:xfrm>
+          <a:prstGeom prst="roundRect">
+            <a:avLst>
+              <a:gd name="adj" fmla="val 3513"/>
+            </a:avLst>
+          </a:prstGeom>
+          <a:solidFill>
+            <a:schemeClr val="tx1"/>
+          </a:solidFill>
+          <a:ln>
+            <a:solidFill>
+              <a:schemeClr val="accent1"/>
+            </a:solidFill>
+          </a:ln>
+          <a:effectLst/>
+        </p:spPr>
+        <p:style>
+          <a:lnRef idx="2">
+            <a:schemeClr val="accent1">
+              <a:shade val="50000"/>
+            </a:schemeClr>
+          </a:lnRef>
+          <a:fillRef idx="1">
+            <a:schemeClr val="accent1"/>
+          </a:fillRef>
+          <a:effectRef idx="0">
+            <a:schemeClr val="accent1"/>
+          </a:effectRef>
+          <a:fontRef idx="minor">
+            <a:schemeClr val="lt1"/>
+          </a:fontRef>
+        </p:style>
+        <p:txBody>
+          <a:bodyPr rtlCol="0" anchor="ctr"/>
+          <a:lstStyle/>
+          <a:p>
+            <a:pPr algn="ctr"/>
+            <a:endParaRPr lang="en-US"/>
+          </a:p>
+        </p:txBody>
+      </p:sp>
+      <p:pic>
+        <p:nvPicPr>
+          <p:cNvPr id="7" name="Espace réservé du contenu 3">
+            <a:extLst>
+              <a:ext uri="{FF2B5EF4-FFF2-40B4-BE49-F238E27FC236}">
+                <a16:creationId xmlns:a16="http://schemas.microsoft.com/office/drawing/2014/main" id="{DCAC7A62-3222-4BF1-B9E6-24300FF9C557}"/>
+              </a:ext>
+            </a:extLst>
+          </p:cNvPr>
+          <p:cNvPicPr>
+            <a:picLocks noChangeAspect="1"/>
+          </p:cNvPicPr>
+          <p:nvPr/>
+        </p:nvPicPr>
+        <p:blipFill rotWithShape="1">
+          <a:blip r:embed="rId2"/>
+          <a:srcRect r="12749" b="-3"/>
+          <a:stretch/>
+        </p:blipFill>
+        <p:spPr>
+          <a:xfrm>
+            <a:off x="5612118" y="1252275"/>
+            <a:ext cx="5630441" cy="4323741"/>
+          </a:xfrm>
+          <a:prstGeom prst="rect">
+            <a:avLst/>
+          </a:prstGeom>
+        </p:spPr>
+      </p:pic>
     </p:spTree>
     <p:extLst>
       <p:ext uri="{BB962C8B-B14F-4D97-AF65-F5344CB8AC3E}">
-        <p14:creationId xmlns:p14="http://schemas.microsoft.com/office/powerpoint/2010/main" val="3612484846"/>
+        <p14:creationId xmlns:p14="http://schemas.microsoft.com/office/powerpoint/2010/main" val="468251948"/>
+      </p:ext>
+    </p:extLst>
+  </p:cSld>
+  <p:clrMapOvr>
+    <a:masterClrMapping/>
+  </p:clrMapOvr>
+</p:sld>
+</file>
+
+<file path=ppt/slides/slide9.xml><?xml version="1.0" encoding="utf-8"?>
+<p:sld xmlns:a="http://schemas.openxmlformats.org/drawingml/2006/main" xmlns:r="http://schemas.openxmlformats.org/officeDocument/2006/relationships" xmlns:p="http://schemas.openxmlformats.org/presentationml/2006/main">
+  <p:cSld>
+    <p:bg>
+      <p:bgPr>
+        <a:solidFill>
+          <a:schemeClr val="bg2"/>
+        </a:solidFill>
+        <a:effectLst/>
+      </p:bgPr>
+    </p:bg>
+    <p:spTree>
+      <p:nvGrpSpPr>
+        <p:cNvPr id="1" name=""/>
+        <p:cNvGrpSpPr/>
+        <p:nvPr/>
+      </p:nvGrpSpPr>
+      <p:grpSpPr>
+        <a:xfrm>
+          <a:off x="0" y="0"/>
+          <a:ext cx="0" cy="0"/>
+          <a:chOff x="0" y="0"/>
+          <a:chExt cx="0" cy="0"/>
+        </a:xfrm>
+      </p:grpSpPr>
+      <p:sp>
+        <p:nvSpPr>
+          <p:cNvPr id="2" name="Titre 1">
+            <a:extLst>
+              <a:ext uri="{FF2B5EF4-FFF2-40B4-BE49-F238E27FC236}">
+                <a16:creationId xmlns:a16="http://schemas.microsoft.com/office/drawing/2014/main" id="{DAE3DA34-0FF0-40A9-BD6E-5F2C43B7FD8E}"/>
+              </a:ext>
+            </a:extLst>
+          </p:cNvPr>
+          <p:cNvSpPr>
+            <a:spLocks noGrp="1"/>
+          </p:cNvSpPr>
+          <p:nvPr>
+            <p:ph type="title"/>
+          </p:nvPr>
+        </p:nvSpPr>
+        <p:spPr>
+          <a:xfrm>
+            <a:off x="810000" y="447188"/>
+            <a:ext cx="10571998" cy="970450"/>
+          </a:xfrm>
+        </p:spPr>
+        <p:txBody>
+          <a:bodyPr>
+            <a:normAutofit/>
+          </a:bodyPr>
+          <a:lstStyle/>
+          <a:p>
+            <a:r>
+              <a:rPr lang="fr-FR" dirty="0"/>
+              <a:t>Sprint 1 </a:t>
+            </a:r>
+          </a:p>
+        </p:txBody>
+      </p:sp>
+      <p:pic>
+        <p:nvPicPr>
+          <p:cNvPr id="7" name="Espace réservé du contenu 3">
+            <a:extLst>
+              <a:ext uri="{FF2B5EF4-FFF2-40B4-BE49-F238E27FC236}">
+                <a16:creationId xmlns:a16="http://schemas.microsoft.com/office/drawing/2014/main" id="{A74621E1-FD1B-488E-933A-AD8D26F03315}"/>
+              </a:ext>
+            </a:extLst>
+          </p:cNvPr>
+          <p:cNvPicPr>
+            <a:picLocks noChangeAspect="1"/>
+          </p:cNvPicPr>
+          <p:nvPr/>
+        </p:nvPicPr>
+        <p:blipFill>
+          <a:blip r:embed="rId2"/>
+          <a:stretch>
+            <a:fillRect/>
+          </a:stretch>
+        </p:blipFill>
+        <p:spPr>
+          <a:xfrm>
+            <a:off x="960438" y="2857731"/>
+            <a:ext cx="2913062" cy="2826876"/>
+          </a:xfrm>
+          <a:prstGeom prst="roundRect">
+            <a:avLst>
+              <a:gd name="adj" fmla="val 3876"/>
+            </a:avLst>
+          </a:prstGeom>
+          <a:ln>
+            <a:solidFill>
+              <a:schemeClr val="accent1"/>
+            </a:solidFill>
+          </a:ln>
+          <a:effectLst/>
+        </p:spPr>
+      </p:pic>
+      <p:sp>
+        <p:nvSpPr>
+          <p:cNvPr id="9" name="Content Placeholder 8">
+            <a:extLst>
+              <a:ext uri="{FF2B5EF4-FFF2-40B4-BE49-F238E27FC236}">
+                <a16:creationId xmlns:a16="http://schemas.microsoft.com/office/drawing/2014/main" id="{4134939A-2D9B-4C08-B2AC-1BF00558FFCB}"/>
+              </a:ext>
+            </a:extLst>
+          </p:cNvPr>
+          <p:cNvSpPr>
+            <a:spLocks noGrp="1"/>
+          </p:cNvSpPr>
+          <p:nvPr>
+            <p:ph idx="1"/>
+          </p:nvPr>
+        </p:nvSpPr>
+        <p:spPr>
+          <a:xfrm>
+            <a:off x="4330699" y="2413000"/>
+            <a:ext cx="7052733" cy="3632200"/>
+          </a:xfrm>
+        </p:spPr>
+        <p:txBody>
+          <a:bodyPr>
+            <a:normAutofit/>
+          </a:bodyPr>
+          <a:lstStyle/>
+          <a:p>
+            <a:endParaRPr lang="en-US" dirty="0"/>
+          </a:p>
+        </p:txBody>
+      </p:sp>
+    </p:spTree>
+    <p:extLst>
+      <p:ext uri="{BB962C8B-B14F-4D97-AF65-F5344CB8AC3E}">
+        <p14:creationId xmlns:p14="http://schemas.microsoft.com/office/powerpoint/2010/main" val="2235909939"/>
       </p:ext>
     </p:extLst>
   </p:cSld>

--- a/SUPBANK CRYPTO CURRENCY PLATFORM.pptx
+++ b/SUPBANK CRYPTO CURRENCY PLATFORM.pptx
@@ -8,9 +8,9 @@
     <p:sldId id="256" r:id="rId2"/>
     <p:sldId id="257" r:id="rId3"/>
     <p:sldId id="260" r:id="rId4"/>
-    <p:sldId id="264" r:id="rId5"/>
-    <p:sldId id="266" r:id="rId6"/>
-    <p:sldId id="265" r:id="rId7"/>
+    <p:sldId id="270" r:id="rId5"/>
+    <p:sldId id="264" r:id="rId6"/>
+    <p:sldId id="266" r:id="rId7"/>
     <p:sldId id="269" r:id="rId8"/>
     <p:sldId id="263" r:id="rId9"/>
     <p:sldId id="267" r:id="rId10"/>
@@ -218,7 +218,7 @@
           <a:effectLst/>
           <a:extLst>
             <a:ext uri="{91240B29-F687-4f45-9708-019B960494DF}">
-              <a14:hiddenLine xmlns:a14="http://schemas.microsoft.com/office/drawing/2010/main" xmlns="" w="9525">
+              <a14:hiddenLine xmlns="" xmlns:a14="http://schemas.microsoft.com/office/drawing/2010/main" w="9525">
                 <a:solidFill>
                   <a:srgbClr val="000000"/>
                 </a:solidFill>
@@ -410,7 +410,7 @@
           <a:p>
             <a:fld id="{662AEEF8-35AF-4824-BEFE-2042F78B74D8}" type="datetimeFigureOut">
               <a:rPr lang="fr-FR" smtClean="0"/>
-              <a:t>10/12/2018</a:t>
+              <a:t>11/12/2018</a:t>
             </a:fld>
             <a:endParaRPr lang="fr-FR"/>
           </a:p>
@@ -728,7 +728,7 @@
           <a:p>
             <a:fld id="{662AEEF8-35AF-4824-BEFE-2042F78B74D8}" type="datetimeFigureOut">
               <a:rPr lang="fr-FR" smtClean="0"/>
-              <a:t>10/12/2018</a:t>
+              <a:t>11/12/2018</a:t>
             </a:fld>
             <a:endParaRPr lang="fr-FR"/>
           </a:p>
@@ -1216,7 +1216,7 @@
           <a:p>
             <a:fld id="{662AEEF8-35AF-4824-BEFE-2042F78B74D8}" type="datetimeFigureOut">
               <a:rPr lang="fr-FR" smtClean="0"/>
-              <a:t>10/12/2018</a:t>
+              <a:t>11/12/2018</a:t>
             </a:fld>
             <a:endParaRPr lang="fr-FR"/>
           </a:p>
@@ -1585,7 +1585,7 @@
           <a:p>
             <a:fld id="{662AEEF8-35AF-4824-BEFE-2042F78B74D8}" type="datetimeFigureOut">
               <a:rPr lang="fr-FR" smtClean="0"/>
-              <a:t>10/12/2018</a:t>
+              <a:t>11/12/2018</a:t>
             </a:fld>
             <a:endParaRPr lang="fr-FR"/>
           </a:p>
@@ -1740,7 +1740,7 @@
           <a:ln/>
           <a:extLst>
             <a:ext uri="{91240B29-F687-4f45-9708-019B960494DF}">
-              <a14:hiddenLine xmlns:a14="http://schemas.microsoft.com/office/drawing/2010/main" xmlns="" w="9525">
+              <a14:hiddenLine xmlns="" xmlns:a14="http://schemas.microsoft.com/office/drawing/2010/main" w="9525">
                 <a:solidFill>
                   <a:srgbClr val="000000"/>
                 </a:solidFill>
@@ -1858,7 +1858,7 @@
           <a:p>
             <a:fld id="{662AEEF8-35AF-4824-BEFE-2042F78B74D8}" type="datetimeFigureOut">
               <a:rPr lang="fr-FR" smtClean="0"/>
-              <a:t>10/12/2018</a:t>
+              <a:t>11/12/2018</a:t>
             </a:fld>
             <a:endParaRPr lang="fr-FR"/>
           </a:p>
@@ -2015,7 +2015,7 @@
           <a:ln/>
           <a:extLst>
             <a:ext uri="{91240B29-F687-4f45-9708-019B960494DF}">
-              <a14:hiddenLine xmlns:a14="http://schemas.microsoft.com/office/drawing/2010/main" xmlns="" w="9525">
+              <a14:hiddenLine xmlns="" xmlns:a14="http://schemas.microsoft.com/office/drawing/2010/main" w="9525">
                 <a:solidFill>
                   <a:srgbClr val="000000"/>
                 </a:solidFill>
@@ -2143,7 +2143,7 @@
           <a:p>
             <a:fld id="{662AEEF8-35AF-4824-BEFE-2042F78B74D8}" type="datetimeFigureOut">
               <a:rPr lang="fr-FR" smtClean="0"/>
-              <a:t>10/12/2018</a:t>
+              <a:t>11/12/2018</a:t>
             </a:fld>
             <a:endParaRPr lang="fr-FR"/>
           </a:p>
@@ -2298,7 +2298,7 @@
           <a:ln/>
           <a:extLst>
             <a:ext uri="{91240B29-F687-4f45-9708-019B960494DF}">
-              <a14:hiddenLine xmlns:a14="http://schemas.microsoft.com/office/drawing/2010/main" xmlns="" w="9525">
+              <a14:hiddenLine xmlns="" xmlns:a14="http://schemas.microsoft.com/office/drawing/2010/main" w="9525">
                 <a:solidFill>
                   <a:srgbClr val="000000"/>
                 </a:solidFill>
@@ -2426,7 +2426,7 @@
           <a:p>
             <a:fld id="{662AEEF8-35AF-4824-BEFE-2042F78B74D8}" type="datetimeFigureOut">
               <a:rPr lang="fr-FR" smtClean="0"/>
-              <a:t>10/12/2018</a:t>
+              <a:t>11/12/2018</a:t>
             </a:fld>
             <a:endParaRPr lang="fr-FR"/>
           </a:p>
@@ -2769,7 +2769,7 @@
           <a:p>
             <a:fld id="{662AEEF8-35AF-4824-BEFE-2042F78B74D8}" type="datetimeFigureOut">
               <a:rPr lang="fr-FR" smtClean="0"/>
-              <a:t>10/12/2018</a:t>
+              <a:t>11/12/2018</a:t>
             </a:fld>
             <a:endParaRPr lang="fr-FR"/>
           </a:p>
@@ -2924,7 +2924,7 @@
           <a:ln/>
           <a:extLst>
             <a:ext uri="{91240B29-F687-4f45-9708-019B960494DF}">
-              <a14:hiddenLine xmlns:a14="http://schemas.microsoft.com/office/drawing/2010/main" xmlns="" w="9525">
+              <a14:hiddenLine xmlns="" xmlns:a14="http://schemas.microsoft.com/office/drawing/2010/main" w="9525">
                 <a:solidFill>
                   <a:srgbClr val="000000"/>
                 </a:solidFill>
@@ -3108,7 +3108,7 @@
           <a:p>
             <a:fld id="{662AEEF8-35AF-4824-BEFE-2042F78B74D8}" type="datetimeFigureOut">
               <a:rPr lang="fr-FR" smtClean="0"/>
-              <a:t>10/12/2018</a:t>
+              <a:t>11/12/2018</a:t>
             </a:fld>
             <a:endParaRPr lang="fr-FR"/>
           </a:p>
@@ -3263,7 +3263,7 @@
           <a:ln/>
           <a:extLst>
             <a:ext uri="{91240B29-F687-4f45-9708-019B960494DF}">
-              <a14:hiddenLine xmlns:a14="http://schemas.microsoft.com/office/drawing/2010/main" xmlns="" w="9525">
+              <a14:hiddenLine xmlns="" xmlns:a14="http://schemas.microsoft.com/office/drawing/2010/main" w="9525">
                 <a:solidFill>
                   <a:srgbClr val="000000"/>
                 </a:solidFill>
@@ -3585,7 +3585,7 @@
           <a:p>
             <a:fld id="{662AEEF8-35AF-4824-BEFE-2042F78B74D8}" type="datetimeFigureOut">
               <a:rPr lang="fr-FR" smtClean="0"/>
-              <a:t>10/12/2018</a:t>
+              <a:t>11/12/2018</a:t>
             </a:fld>
             <a:endParaRPr lang="fr-FR"/>
           </a:p>
@@ -3740,7 +3740,7 @@
           <a:ln/>
           <a:extLst>
             <a:ext uri="{91240B29-F687-4f45-9708-019B960494DF}">
-              <a14:hiddenLine xmlns:a14="http://schemas.microsoft.com/office/drawing/2010/main" xmlns="" w="9525">
+              <a14:hiddenLine xmlns="" xmlns:a14="http://schemas.microsoft.com/office/drawing/2010/main" w="9525">
                 <a:solidFill>
                   <a:srgbClr val="000000"/>
                 </a:solidFill>
@@ -3806,7 +3806,7 @@
           <a:p>
             <a:fld id="{662AEEF8-35AF-4824-BEFE-2042F78B74D8}" type="datetimeFigureOut">
               <a:rPr lang="fr-FR" smtClean="0"/>
-              <a:t>10/12/2018</a:t>
+              <a:t>11/12/2018</a:t>
             </a:fld>
             <a:endParaRPr lang="fr-FR"/>
           </a:p>
@@ -3901,7 +3901,7 @@
           <a:p>
             <a:fld id="{662AEEF8-35AF-4824-BEFE-2042F78B74D8}" type="datetimeFigureOut">
               <a:rPr lang="fr-FR" smtClean="0"/>
-              <a:t>10/12/2018</a:t>
+              <a:t>11/12/2018</a:t>
             </a:fld>
             <a:endParaRPr lang="fr-FR"/>
           </a:p>
@@ -4169,7 +4169,7 @@
           <a:ln/>
           <a:extLst>
             <a:ext uri="{91240B29-F687-4f45-9708-019B960494DF}">
-              <a14:hiddenLine xmlns:a14="http://schemas.microsoft.com/office/drawing/2010/main" xmlns="" w="9525">
+              <a14:hiddenLine xmlns="" xmlns:a14="http://schemas.microsoft.com/office/drawing/2010/main" w="9525">
                 <a:solidFill>
                   <a:srgbClr val="000000"/>
                 </a:solidFill>
@@ -4368,7 +4368,7 @@
           <a:p>
             <a:fld id="{662AEEF8-35AF-4824-BEFE-2042F78B74D8}" type="datetimeFigureOut">
               <a:rPr lang="fr-FR" smtClean="0"/>
-              <a:t>10/12/2018</a:t>
+              <a:t>11/12/2018</a:t>
             </a:fld>
             <a:endParaRPr lang="fr-FR"/>
           </a:p>
@@ -4681,7 +4681,7 @@
           <a:p>
             <a:fld id="{662AEEF8-35AF-4824-BEFE-2042F78B74D8}" type="datetimeFigureOut">
               <a:rPr lang="fr-FR" smtClean="0"/>
-              <a:t>10/12/2018</a:t>
+              <a:t>11/12/2018</a:t>
             </a:fld>
             <a:endParaRPr lang="fr-FR"/>
           </a:p>
@@ -4951,7 +4951,7 @@
           <a:p>
             <a:fld id="{662AEEF8-35AF-4824-BEFE-2042F78B74D8}" type="datetimeFigureOut">
               <a:rPr lang="fr-FR" smtClean="0"/>
-              <a:t>10/12/2018</a:t>
+              <a:t>11/12/2018</a:t>
             </a:fld>
             <a:endParaRPr lang="fr-FR"/>
           </a:p>
@@ -5784,6 +5784,149 @@
           </a:p>
         </p:txBody>
       </p:sp>
+      <p:sp>
+        <p:nvSpPr>
+          <p:cNvPr id="9" name="Content Placeholder 8">
+            <a:extLst>
+              <a:ext uri="{FF2B5EF4-FFF2-40B4-BE49-F238E27FC236}">
+                <a16:creationId xmlns:a16="http://schemas.microsoft.com/office/drawing/2014/main" id="{C6DD79F1-9E9E-4DD4-970D-5A310128FCF3}"/>
+              </a:ext>
+            </a:extLst>
+          </p:cNvPr>
+          <p:cNvSpPr>
+            <a:spLocks noGrp="1"/>
+          </p:cNvSpPr>
+          <p:nvPr>
+            <p:ph idx="1"/>
+          </p:nvPr>
+        </p:nvSpPr>
+        <p:spPr>
+          <a:xfrm>
+            <a:off x="818713" y="2413000"/>
+            <a:ext cx="7199220" cy="3632200"/>
+          </a:xfrm>
+        </p:spPr>
+        <p:txBody>
+          <a:bodyPr>
+            <a:normAutofit/>
+          </a:bodyPr>
+          <a:lstStyle/>
+          <a:p>
+            <a:r>
+              <a:rPr lang="en-US" dirty="0"/>
+              <a:t>Des </a:t>
+            </a:r>
+            <a:r>
+              <a:rPr lang="en-US" dirty="0" err="1"/>
+              <a:t>problemes</a:t>
+            </a:r>
+            <a:r>
+              <a:rPr lang="en-US" dirty="0"/>
+              <a:t> on </a:t>
+            </a:r>
+            <a:r>
+              <a:rPr lang="en-US" dirty="0" err="1"/>
+              <a:t>été</a:t>
+            </a:r>
+            <a:r>
+              <a:rPr lang="en-US" dirty="0"/>
+              <a:t> </a:t>
+            </a:r>
+            <a:r>
+              <a:rPr lang="en-US" dirty="0" err="1"/>
+              <a:t>rencontrés</a:t>
+            </a:r>
+            <a:r>
+              <a:rPr lang="en-US" dirty="0"/>
+              <a:t> au </a:t>
+            </a:r>
+            <a:r>
+              <a:rPr lang="en-US" dirty="0" err="1"/>
+              <a:t>niveau</a:t>
+            </a:r>
+            <a:r>
+              <a:rPr lang="en-US" dirty="0"/>
+              <a:t> du </a:t>
+            </a:r>
+            <a:r>
+              <a:rPr lang="en-US" dirty="0" err="1"/>
+              <a:t>générateur</a:t>
+            </a:r>
+            <a:r>
+              <a:rPr lang="en-US" dirty="0"/>
+              <a:t> de </a:t>
+            </a:r>
+            <a:r>
+              <a:rPr lang="en-US" dirty="0" err="1"/>
+              <a:t>clé</a:t>
+            </a:r>
+            <a:r>
+              <a:rPr lang="en-US" dirty="0"/>
+              <a:t> </a:t>
+            </a:r>
+            <a:r>
+              <a:rPr lang="en-US" dirty="0" err="1"/>
+              <a:t>privé</a:t>
+            </a:r>
+            <a:r>
+              <a:rPr lang="en-US" dirty="0"/>
+              <a:t> </a:t>
+            </a:r>
+            <a:r>
+              <a:rPr lang="en-US" dirty="0" err="1"/>
+              <a:t>clé</a:t>
+            </a:r>
+            <a:r>
+              <a:rPr lang="en-US" dirty="0"/>
+              <a:t> public. </a:t>
+            </a:r>
+          </a:p>
+          <a:p>
+            <a:r>
+              <a:rPr lang="en-US" dirty="0"/>
+              <a:t>Nous </a:t>
+            </a:r>
+            <a:r>
+              <a:rPr lang="en-US" dirty="0" err="1"/>
+              <a:t>devrons</a:t>
+            </a:r>
+            <a:r>
+              <a:rPr lang="en-US" dirty="0"/>
+              <a:t> </a:t>
+            </a:r>
+            <a:r>
+              <a:rPr lang="en-US" dirty="0" err="1"/>
+              <a:t>planifier</a:t>
+            </a:r>
+            <a:r>
+              <a:rPr lang="en-US" dirty="0"/>
+              <a:t> </a:t>
+            </a:r>
+            <a:r>
+              <a:rPr lang="en-US" dirty="0" err="1"/>
+              <a:t>une</a:t>
+            </a:r>
+            <a:r>
+              <a:rPr lang="en-US" dirty="0"/>
+              <a:t> feature </a:t>
+            </a:r>
+            <a:r>
+              <a:rPr lang="en-US" dirty="0" err="1"/>
+              <a:t>supplémentaire</a:t>
+            </a:r>
+            <a:r>
+              <a:rPr lang="en-US" dirty="0"/>
+              <a:t> pour le Sprint 3 .</a:t>
+            </a:r>
+          </a:p>
+          <a:p>
+            <a:pPr marL="0" indent="0">
+              <a:buNone/>
+            </a:pPr>
+            <a:endParaRPr lang="en-US" dirty="0"/>
+          </a:p>
+        </p:txBody>
+      </p:sp>
       <p:pic>
         <p:nvPicPr>
           <p:cNvPr id="7" name="Espace réservé du contenu 3">
@@ -5806,7 +5949,7 @@
         </p:blipFill>
         <p:spPr>
           <a:xfrm>
-            <a:off x="960438" y="2657647"/>
+            <a:off x="8466138" y="2657647"/>
             <a:ext cx="2913062" cy="3227044"/>
           </a:xfrm>
           <a:prstGeom prst="roundRect">
@@ -5822,38 +5965,6 @@
           <a:effectLst/>
         </p:spPr>
       </p:pic>
-      <p:sp>
-        <p:nvSpPr>
-          <p:cNvPr id="9" name="Content Placeholder 8">
-            <a:extLst>
-              <a:ext uri="{FF2B5EF4-FFF2-40B4-BE49-F238E27FC236}">
-                <a16:creationId xmlns:a16="http://schemas.microsoft.com/office/drawing/2014/main" id="{C6DD79F1-9E9E-4DD4-970D-5A310128FCF3}"/>
-              </a:ext>
-            </a:extLst>
-          </p:cNvPr>
-          <p:cNvSpPr>
-            <a:spLocks noGrp="1"/>
-          </p:cNvSpPr>
-          <p:nvPr>
-            <p:ph idx="1"/>
-          </p:nvPr>
-        </p:nvSpPr>
-        <p:spPr>
-          <a:xfrm>
-            <a:off x="4330699" y="2413000"/>
-            <a:ext cx="7052733" cy="3632200"/>
-          </a:xfrm>
-        </p:spPr>
-        <p:txBody>
-          <a:bodyPr>
-            <a:normAutofit/>
-          </a:bodyPr>
-          <a:lstStyle/>
-          <a:p>
-            <a:endParaRPr lang="en-US"/>
-          </a:p>
-        </p:txBody>
-      </p:sp>
     </p:spTree>
     <p:extLst>
       <p:ext uri="{BB962C8B-B14F-4D97-AF65-F5344CB8AC3E}">
@@ -6225,7 +6336,7 @@
           <a:effectLst/>
           <a:extLst>
             <a:ext uri="{91240B29-F687-4f45-9708-019B960494DF}">
-              <a14:hiddenLine xmlns:a14="http://schemas.microsoft.com/office/drawing/2010/main" xmlns:p14="http://schemas.microsoft.com/office/powerpoint/2010/main" xmlns:a16="http://schemas.microsoft.com/office/drawing/2014/main" xmlns="" w="9525">
+              <a14:hiddenLine xmlns="" xmlns:a16="http://schemas.microsoft.com/office/drawing/2014/main" xmlns:p14="http://schemas.microsoft.com/office/powerpoint/2010/main" xmlns:a14="http://schemas.microsoft.com/office/drawing/2010/main" w="9525">
                 <a:solidFill>
                   <a:srgbClr val="000000"/>
                 </a:solidFill>
@@ -7359,6 +7470,14 @@
 <file path=ppt/slides/slide4.xml><?xml version="1.0" encoding="utf-8"?>
 <p:sld xmlns:a="http://schemas.openxmlformats.org/drawingml/2006/main" xmlns:r="http://schemas.openxmlformats.org/officeDocument/2006/relationships" xmlns:p="http://schemas.openxmlformats.org/presentationml/2006/main">
   <p:cSld>
+    <p:bg>
+      <p:bgPr>
+        <a:solidFill>
+          <a:schemeClr val="tx1"/>
+        </a:solidFill>
+        <a:effectLst/>
+      </p:bgPr>
+    </p:bg>
     <p:spTree>
       <p:nvGrpSpPr>
         <p:cNvPr id="1" name=""/>
@@ -7375,43 +7494,426 @@
       </p:grpSpPr>
       <p:sp>
         <p:nvSpPr>
-          <p:cNvPr id="2" name="Rectangle 1">
+          <p:cNvPr id="22" name="Titre 1">
             <a:extLst>
               <a:ext uri="{FF2B5EF4-FFF2-40B4-BE49-F238E27FC236}">
-                <a16:creationId xmlns:a16="http://schemas.microsoft.com/office/drawing/2014/main" id="{4D00C7BA-7C57-458B-84B2-497B4EB9CDC8}"/>
+                <a16:creationId xmlns:a16="http://schemas.microsoft.com/office/drawing/2014/main" id="{27C90A38-5A5A-4498-B199-C1107903F766}"/>
               </a:ext>
             </a:extLst>
           </p:cNvPr>
-          <p:cNvSpPr/>
+          <p:cNvSpPr txBox="1">
+            <a:spLocks/>
+          </p:cNvSpPr>
           <p:nvPr/>
         </p:nvSpPr>
         <p:spPr>
           <a:xfrm>
-            <a:off x="4342956" y="3167390"/>
-            <a:ext cx="3506088" cy="523220"/>
+            <a:off x="505201" y="432442"/>
+            <a:ext cx="10572000" cy="1388741"/>
           </a:xfrm>
           <a:prstGeom prst="rect">
             <a:avLst/>
           </a:prstGeom>
+          <a:effectLst>
+            <a:outerShdw blurRad="50800" dir="14400000">
+              <a:srgbClr val="000000">
+                <a:alpha val="60000"/>
+              </a:srgbClr>
+            </a:outerShdw>
+          </a:effectLst>
         </p:spPr>
         <p:txBody>
-          <a:bodyPr wrap="none">
-            <a:spAutoFit/>
+          <a:bodyPr vert="horz" lIns="91440" tIns="45720" rIns="91440" bIns="45720" rtlCol="0" anchor="b">
+            <a:normAutofit/>
           </a:bodyPr>
-          <a:lstStyle/>
-          <a:p>
-            <a:r>
-              <a:rPr lang="en-US" sz="2800" dirty="0"/>
-              <a:t>Dashboard  :  Trello</a:t>
-            </a:r>
-            <a:endParaRPr lang="fr-FR" sz="2800" dirty="0"/>
-          </a:p>
-        </p:txBody>
-      </p:sp>
+          <a:lstStyle>
+            <a:lvl1pPr algn="l" defTabSz="457200" rtl="0" eaLnBrk="1" latinLnBrk="0" hangingPunct="1">
+              <a:spcBef>
+                <a:spcPct val="0"/>
+              </a:spcBef>
+              <a:buNone/>
+              <a:defRPr sz="4000" b="1" kern="1200">
+                <a:solidFill>
+                  <a:srgbClr val="FEFEFE"/>
+                </a:solidFill>
+                <a:latin typeface="+mj-lt"/>
+                <a:ea typeface="+mj-ea"/>
+                <a:cs typeface="+mj-cs"/>
+              </a:defRPr>
+            </a:lvl1pPr>
+            <a:lvl2pPr eaLnBrk="1" hangingPunct="1">
+              <a:defRPr>
+                <a:solidFill>
+                  <a:schemeClr val="tx2"/>
+                </a:solidFill>
+              </a:defRPr>
+            </a:lvl2pPr>
+            <a:lvl3pPr eaLnBrk="1" hangingPunct="1">
+              <a:defRPr>
+                <a:solidFill>
+                  <a:schemeClr val="tx2"/>
+                </a:solidFill>
+              </a:defRPr>
+            </a:lvl3pPr>
+            <a:lvl4pPr eaLnBrk="1" hangingPunct="1">
+              <a:defRPr>
+                <a:solidFill>
+                  <a:schemeClr val="tx2"/>
+                </a:solidFill>
+              </a:defRPr>
+            </a:lvl4pPr>
+            <a:lvl5pPr eaLnBrk="1" hangingPunct="1">
+              <a:defRPr>
+                <a:solidFill>
+                  <a:schemeClr val="tx2"/>
+                </a:solidFill>
+              </a:defRPr>
+            </a:lvl5pPr>
+            <a:lvl6pPr eaLnBrk="1" hangingPunct="1">
+              <a:defRPr>
+                <a:solidFill>
+                  <a:schemeClr val="tx2"/>
+                </a:solidFill>
+              </a:defRPr>
+            </a:lvl6pPr>
+            <a:lvl7pPr eaLnBrk="1" hangingPunct="1">
+              <a:defRPr>
+                <a:solidFill>
+                  <a:schemeClr val="tx2"/>
+                </a:solidFill>
+              </a:defRPr>
+            </a:lvl7pPr>
+            <a:lvl8pPr eaLnBrk="1" hangingPunct="1">
+              <a:defRPr>
+                <a:solidFill>
+                  <a:schemeClr val="tx2"/>
+                </a:solidFill>
+              </a:defRPr>
+            </a:lvl8pPr>
+            <a:lvl9pPr eaLnBrk="1" hangingPunct="1">
+              <a:defRPr>
+                <a:solidFill>
+                  <a:schemeClr val="tx2"/>
+                </a:solidFill>
+              </a:defRPr>
+            </a:lvl9pPr>
+          </a:lstStyle>
+          <a:p>
+            <a:pPr algn="ctr">
+              <a:lnSpc>
+                <a:spcPct val="90000"/>
+              </a:lnSpc>
+            </a:pPr>
+            <a:r>
+              <a:rPr lang="fr-FR" sz="4600" dirty="0">
+                <a:solidFill>
+                  <a:srgbClr val="FFFFFF"/>
+                </a:solidFill>
+              </a:rPr>
+              <a:t>Les outils </a:t>
+            </a:r>
+            <a:r>
+              <a:rPr lang="fr-FR" sz="4600" dirty="0" err="1">
+                <a:solidFill>
+                  <a:srgbClr val="FFFFFF"/>
+                </a:solidFill>
+              </a:rPr>
+              <a:t>scrum</a:t>
+            </a:r>
+            <a:endParaRPr lang="fr-FR" sz="4600" dirty="0">
+              <a:solidFill>
+                <a:srgbClr val="FFFFFF"/>
+              </a:solidFill>
+            </a:endParaRPr>
+          </a:p>
+        </p:txBody>
+      </p:sp>
+      <p:pic>
+        <p:nvPicPr>
+          <p:cNvPr id="2050" name="Picture 2" descr="RÃ©sultat de recherche d'images pour &quot;git kraken logo png&quot;">
+            <a:extLst>
+              <a:ext uri="{FF2B5EF4-FFF2-40B4-BE49-F238E27FC236}">
+                <a16:creationId xmlns:a16="http://schemas.microsoft.com/office/drawing/2014/main" id="{4B0DA553-CB8C-4C0A-90A7-1E069CB5F2BC}"/>
+              </a:ext>
+            </a:extLst>
+          </p:cNvPr>
+          <p:cNvPicPr>
+            <a:picLocks noChangeAspect="1" noChangeArrowheads="1"/>
+          </p:cNvPicPr>
+          <p:nvPr/>
+        </p:nvPicPr>
+        <p:blipFill>
+          <a:blip r:embed="rId2">
+            <a:extLst>
+              <a:ext uri="{28A0092B-C50C-407E-A947-70E740481C1C}">
+                <a14:useLocalDpi xmlns:a14="http://schemas.microsoft.com/office/drawing/2010/main" val="0"/>
+              </a:ext>
+            </a:extLst>
+          </a:blip>
+          <a:srcRect/>
+          <a:stretch>
+            <a:fillRect/>
+          </a:stretch>
+        </p:blipFill>
+        <p:spPr bwMode="auto">
+          <a:xfrm>
+            <a:off x="617241" y="2179675"/>
+            <a:ext cx="2691255" cy="2691255"/>
+          </a:xfrm>
+          <a:prstGeom prst="rect">
+            <a:avLst/>
+          </a:prstGeom>
+          <a:noFill/>
+          <a:extLst>
+            <a:ext uri="{909E8E84-426E-40DD-AFC4-6F175D3DCCD1}">
+              <a14:hiddenFill xmlns:a14="http://schemas.microsoft.com/office/drawing/2010/main">
+                <a:solidFill>
+                  <a:srgbClr val="FFFFFF"/>
+                </a:solidFill>
+              </a14:hiddenFill>
+            </a:ext>
+          </a:extLst>
+        </p:spPr>
+      </p:pic>
+      <p:pic>
+        <p:nvPicPr>
+          <p:cNvPr id="2052" name="Picture 4" descr="RÃ©sultat de recherche d'images pour &quot;trello logo png&quot;">
+            <a:extLst>
+              <a:ext uri="{FF2B5EF4-FFF2-40B4-BE49-F238E27FC236}">
+                <a16:creationId xmlns:a16="http://schemas.microsoft.com/office/drawing/2014/main" id="{A57EAB7A-135A-45C8-BA74-7E528080B58D}"/>
+              </a:ext>
+            </a:extLst>
+          </p:cNvPr>
+          <p:cNvPicPr>
+            <a:picLocks noChangeAspect="1" noChangeArrowheads="1"/>
+          </p:cNvPicPr>
+          <p:nvPr/>
+        </p:nvPicPr>
+        <p:blipFill>
+          <a:blip r:embed="rId3">
+            <a:extLst>
+              <a:ext uri="{28A0092B-C50C-407E-A947-70E740481C1C}">
+                <a14:useLocalDpi xmlns:a14="http://schemas.microsoft.com/office/drawing/2010/main" val="0"/>
+              </a:ext>
+            </a:extLst>
+          </a:blip>
+          <a:srcRect/>
+          <a:stretch>
+            <a:fillRect/>
+          </a:stretch>
+        </p:blipFill>
+        <p:spPr bwMode="auto">
+          <a:xfrm>
+            <a:off x="3981893" y="2685446"/>
+            <a:ext cx="3554818" cy="1092366"/>
+          </a:xfrm>
+          <a:prstGeom prst="rect">
+            <a:avLst/>
+          </a:prstGeom>
+          <a:noFill/>
+          <a:extLst>
+            <a:ext uri="{909E8E84-426E-40DD-AFC4-6F175D3DCCD1}">
+              <a14:hiddenFill xmlns:a14="http://schemas.microsoft.com/office/drawing/2010/main">
+                <a:solidFill>
+                  <a:srgbClr val="FFFFFF"/>
+                </a:solidFill>
+              </a14:hiddenFill>
+            </a:ext>
+          </a:extLst>
+        </p:spPr>
+      </p:pic>
+      <p:pic>
+        <p:nvPicPr>
+          <p:cNvPr id="2054" name="Picture 6" descr="RÃ©sultat de recherche d'images pour &quot;git  logo png&quot;">
+            <a:extLst>
+              <a:ext uri="{FF2B5EF4-FFF2-40B4-BE49-F238E27FC236}">
+                <a16:creationId xmlns:a16="http://schemas.microsoft.com/office/drawing/2014/main" id="{69FD2158-FEC7-4B63-AC57-399396512948}"/>
+              </a:ext>
+            </a:extLst>
+          </p:cNvPr>
+          <p:cNvPicPr>
+            <a:picLocks noChangeAspect="1" noChangeArrowheads="1"/>
+          </p:cNvPicPr>
+          <p:nvPr/>
+        </p:nvPicPr>
+        <p:blipFill>
+          <a:blip r:embed="rId4">
+            <a:extLst>
+              <a:ext uri="{28A0092B-C50C-407E-A947-70E740481C1C}">
+                <a14:useLocalDpi xmlns:a14="http://schemas.microsoft.com/office/drawing/2010/main" val="0"/>
+              </a:ext>
+            </a:extLst>
+          </a:blip>
+          <a:srcRect/>
+          <a:stretch>
+            <a:fillRect/>
+          </a:stretch>
+        </p:blipFill>
+        <p:spPr bwMode="auto">
+          <a:xfrm>
+            <a:off x="8210108" y="2389071"/>
+            <a:ext cx="3322595" cy="1388741"/>
+          </a:xfrm>
+          <a:prstGeom prst="rect">
+            <a:avLst/>
+          </a:prstGeom>
+          <a:noFill/>
+          <a:extLst>
+            <a:ext uri="{909E8E84-426E-40DD-AFC4-6F175D3DCCD1}">
+              <a14:hiddenFill xmlns:a14="http://schemas.microsoft.com/office/drawing/2010/main">
+                <a:solidFill>
+                  <a:srgbClr val="FFFFFF"/>
+                </a:solidFill>
+              </a14:hiddenFill>
+            </a:ext>
+          </a:extLst>
+        </p:spPr>
+      </p:pic>
+      <p:pic>
+        <p:nvPicPr>
+          <p:cNvPr id="2056" name="Picture 8" descr="RÃ©sultat de recherche d'images pour &quot;sublime texte logo&quot;">
+            <a:extLst>
+              <a:ext uri="{FF2B5EF4-FFF2-40B4-BE49-F238E27FC236}">
+                <a16:creationId xmlns:a16="http://schemas.microsoft.com/office/drawing/2014/main" id="{3215AB5E-5E9F-4D7C-80E7-1949A3F96CF8}"/>
+              </a:ext>
+            </a:extLst>
+          </p:cNvPr>
+          <p:cNvPicPr>
+            <a:picLocks noChangeAspect="1" noChangeArrowheads="1"/>
+          </p:cNvPicPr>
+          <p:nvPr/>
+        </p:nvPicPr>
+        <p:blipFill>
+          <a:blip r:embed="rId5">
+            <a:extLst>
+              <a:ext uri="{28A0092B-C50C-407E-A947-70E740481C1C}">
+                <a14:useLocalDpi xmlns:a14="http://schemas.microsoft.com/office/drawing/2010/main" val="0"/>
+              </a:ext>
+            </a:extLst>
+          </a:blip>
+          <a:srcRect/>
+          <a:stretch>
+            <a:fillRect/>
+          </a:stretch>
+        </p:blipFill>
+        <p:spPr bwMode="auto">
+          <a:xfrm>
+            <a:off x="1341475" y="5036818"/>
+            <a:ext cx="1761785" cy="1513146"/>
+          </a:xfrm>
+          <a:prstGeom prst="rect">
+            <a:avLst/>
+          </a:prstGeom>
+          <a:noFill/>
+          <a:extLst>
+            <a:ext uri="{909E8E84-426E-40DD-AFC4-6F175D3DCCD1}">
+              <a14:hiddenFill xmlns:a14="http://schemas.microsoft.com/office/drawing/2010/main">
+                <a:solidFill>
+                  <a:srgbClr val="FFFFFF"/>
+                </a:solidFill>
+              </a14:hiddenFill>
+            </a:ext>
+          </a:extLst>
+        </p:spPr>
+      </p:pic>
+      <p:pic>
+        <p:nvPicPr>
+          <p:cNvPr id="2058" name="Picture 10" descr="RÃ©sultat de recherche d'images pour &quot;php storm  logo png&quot;">
+            <a:extLst>
+              <a:ext uri="{FF2B5EF4-FFF2-40B4-BE49-F238E27FC236}">
+                <a16:creationId xmlns:a16="http://schemas.microsoft.com/office/drawing/2014/main" id="{44AC09EB-01EB-4CEE-92B3-E0BFC3596B0E}"/>
+              </a:ext>
+            </a:extLst>
+          </p:cNvPr>
+          <p:cNvPicPr>
+            <a:picLocks noChangeAspect="1" noChangeArrowheads="1"/>
+          </p:cNvPicPr>
+          <p:nvPr/>
+        </p:nvPicPr>
+        <p:blipFill>
+          <a:blip r:embed="rId6">
+            <a:extLst>
+              <a:ext uri="{28A0092B-C50C-407E-A947-70E740481C1C}">
+                <a14:useLocalDpi xmlns:a14="http://schemas.microsoft.com/office/drawing/2010/main" val="0"/>
+              </a:ext>
+            </a:extLst>
+          </a:blip>
+          <a:srcRect/>
+          <a:stretch>
+            <a:fillRect/>
+          </a:stretch>
+        </p:blipFill>
+        <p:spPr bwMode="auto">
+          <a:xfrm>
+            <a:off x="5007049" y="4372062"/>
+            <a:ext cx="2177902" cy="2177902"/>
+          </a:xfrm>
+          <a:prstGeom prst="rect">
+            <a:avLst/>
+          </a:prstGeom>
+          <a:noFill/>
+          <a:extLst>
+            <a:ext uri="{909E8E84-426E-40DD-AFC4-6F175D3DCCD1}">
+              <a14:hiddenFill xmlns:a14="http://schemas.microsoft.com/office/drawing/2010/main">
+                <a:solidFill>
+                  <a:srgbClr val="FFFFFF"/>
+                </a:solidFill>
+              </a14:hiddenFill>
+            </a:ext>
+          </a:extLst>
+        </p:spPr>
+      </p:pic>
+      <p:pic>
+        <p:nvPicPr>
+          <p:cNvPr id="2062" name="Picture 14" descr="Image associÃ©e">
+            <a:extLst>
+              <a:ext uri="{FF2B5EF4-FFF2-40B4-BE49-F238E27FC236}">
+                <a16:creationId xmlns:a16="http://schemas.microsoft.com/office/drawing/2014/main" id="{AE04523B-471B-4636-9239-DF8946579049}"/>
+              </a:ext>
+            </a:extLst>
+          </p:cNvPr>
+          <p:cNvPicPr>
+            <a:picLocks noChangeAspect="1" noChangeArrowheads="1"/>
+          </p:cNvPicPr>
+          <p:nvPr/>
+        </p:nvPicPr>
+        <p:blipFill>
+          <a:blip r:embed="rId7">
+            <a:extLst>
+              <a:ext uri="{28A0092B-C50C-407E-A947-70E740481C1C}">
+                <a14:useLocalDpi xmlns:a14="http://schemas.microsoft.com/office/drawing/2010/main" val="0"/>
+              </a:ext>
+            </a:extLst>
+          </a:blip>
+          <a:srcRect/>
+          <a:stretch>
+            <a:fillRect/>
+          </a:stretch>
+        </p:blipFill>
+        <p:spPr bwMode="auto">
+          <a:xfrm>
+            <a:off x="8883504" y="3984049"/>
+            <a:ext cx="2953927" cy="2953927"/>
+          </a:xfrm>
+          <a:prstGeom prst="rect">
+            <a:avLst/>
+          </a:prstGeom>
+          <a:noFill/>
+          <a:extLst>
+            <a:ext uri="{909E8E84-426E-40DD-AFC4-6F175D3DCCD1}">
+              <a14:hiddenFill xmlns:a14="http://schemas.microsoft.com/office/drawing/2010/main">
+                <a:solidFill>
+                  <a:srgbClr val="FFFFFF"/>
+                </a:solidFill>
+              </a14:hiddenFill>
+            </a:ext>
+          </a:extLst>
+        </p:spPr>
+      </p:pic>
     </p:spTree>
     <p:extLst>
       <p:ext uri="{BB962C8B-B14F-4D97-AF65-F5344CB8AC3E}">
-        <p14:creationId xmlns:p14="http://schemas.microsoft.com/office/powerpoint/2010/main" val="450078991"/>
+        <p14:creationId xmlns:p14="http://schemas.microsoft.com/office/powerpoint/2010/main" val="843323447"/>
       </p:ext>
     </p:extLst>
   </p:cSld>
@@ -7438,40 +7940,45 @@
           <a:chExt cx="0" cy="0"/>
         </a:xfrm>
       </p:grpSpPr>
-      <p:pic>
-        <p:nvPicPr>
-          <p:cNvPr id="2" name="Image 1">
+      <p:sp>
+        <p:nvSpPr>
+          <p:cNvPr id="2" name="Rectangle 1">
             <a:extLst>
               <a:ext uri="{FF2B5EF4-FFF2-40B4-BE49-F238E27FC236}">
-                <a16:creationId xmlns:a16="http://schemas.microsoft.com/office/drawing/2014/main" id="{D0620F1B-B6D2-4C49-816E-DB9EBA6D00AE}"/>
+                <a16:creationId xmlns:a16="http://schemas.microsoft.com/office/drawing/2014/main" id="{4D00C7BA-7C57-458B-84B2-497B4EB9CDC8}"/>
               </a:ext>
             </a:extLst>
           </p:cNvPr>
-          <p:cNvPicPr>
-            <a:picLocks noChangeAspect="1"/>
-          </p:cNvPicPr>
+          <p:cNvSpPr/>
           <p:nvPr/>
-        </p:nvPicPr>
-        <p:blipFill>
-          <a:blip r:embed="rId2"/>
-          <a:stretch>
-            <a:fillRect/>
-          </a:stretch>
-        </p:blipFill>
+        </p:nvSpPr>
         <p:spPr>
           <a:xfrm>
-            <a:off x="0" y="0"/>
-            <a:ext cx="12192000" cy="6858000"/>
+            <a:off x="4342956" y="3167390"/>
+            <a:ext cx="3506088" cy="523220"/>
           </a:xfrm>
           <a:prstGeom prst="rect">
             <a:avLst/>
           </a:prstGeom>
         </p:spPr>
-      </p:pic>
+        <p:txBody>
+          <a:bodyPr wrap="none">
+            <a:spAutoFit/>
+          </a:bodyPr>
+          <a:lstStyle/>
+          <a:p>
+            <a:r>
+              <a:rPr lang="en-US" sz="2800" dirty="0"/>
+              <a:t>Dashboard  :  Trello</a:t>
+            </a:r>
+            <a:endParaRPr lang="fr-FR" sz="2800" dirty="0"/>
+          </a:p>
+        </p:txBody>
+      </p:sp>
     </p:spTree>
     <p:extLst>
       <p:ext uri="{BB962C8B-B14F-4D97-AF65-F5344CB8AC3E}">
-        <p14:creationId xmlns:p14="http://schemas.microsoft.com/office/powerpoint/2010/main" val="2848689640"/>
+        <p14:creationId xmlns:p14="http://schemas.microsoft.com/office/powerpoint/2010/main" val="450078991"/>
       </p:ext>
     </p:extLst>
   </p:cSld>
@@ -7506,87 +8013,12 @@
           <a:chExt cx="0" cy="0"/>
         </a:xfrm>
       </p:grpSpPr>
-      <p:sp>
-        <p:nvSpPr>
-          <p:cNvPr id="2" name="Titre 1">
+      <p:pic>
+        <p:nvPicPr>
+          <p:cNvPr id="3" name="Image 2">
             <a:extLst>
               <a:ext uri="{FF2B5EF4-FFF2-40B4-BE49-F238E27FC236}">
-                <a16:creationId xmlns:a16="http://schemas.microsoft.com/office/drawing/2014/main" id="{DAE3DA34-0FF0-40A9-BD6E-5F2C43B7FD8E}"/>
-              </a:ext>
-            </a:extLst>
-          </p:cNvPr>
-          <p:cNvSpPr>
-            <a:spLocks noGrp="1"/>
-          </p:cNvSpPr>
-          <p:nvPr>
-            <p:ph type="title"/>
-          </p:nvPr>
-        </p:nvSpPr>
-        <p:spPr>
-          <a:xfrm>
-            <a:off x="810000" y="447188"/>
-            <a:ext cx="10571998" cy="970450"/>
-          </a:xfrm>
-        </p:spPr>
-        <p:txBody>
-          <a:bodyPr>
-            <a:normAutofit/>
-          </a:bodyPr>
-          <a:lstStyle/>
-          <a:p>
-            <a:r>
-              <a:rPr lang="fr-FR" dirty="0"/>
-              <a:t>Product </a:t>
-            </a:r>
-            <a:r>
-              <a:rPr lang="fr-FR" dirty="0" err="1"/>
-              <a:t>Backlog</a:t>
-            </a:r>
-            <a:r>
-              <a:rPr lang="fr-FR" dirty="0"/>
-              <a:t> </a:t>
-            </a:r>
-          </a:p>
-        </p:txBody>
-      </p:sp>
-      <p:sp>
-        <p:nvSpPr>
-          <p:cNvPr id="6" name="Espace réservé du contenu 5">
-            <a:extLst>
-              <a:ext uri="{FF2B5EF4-FFF2-40B4-BE49-F238E27FC236}">
-                <a16:creationId xmlns:a16="http://schemas.microsoft.com/office/drawing/2014/main" id="{68A1E919-A22E-45D2-A317-EDB033E9740D}"/>
-              </a:ext>
-            </a:extLst>
-          </p:cNvPr>
-          <p:cNvSpPr>
-            <a:spLocks noGrp="1"/>
-          </p:cNvSpPr>
-          <p:nvPr>
-            <p:ph idx="1"/>
-          </p:nvPr>
-        </p:nvSpPr>
-        <p:spPr>
-          <a:xfrm>
-            <a:off x="818713" y="2413000"/>
-            <a:ext cx="7199220" cy="3632200"/>
-          </a:xfrm>
-        </p:spPr>
-        <p:txBody>
-          <a:bodyPr>
-            <a:normAutofit/>
-          </a:bodyPr>
-          <a:lstStyle/>
-          <a:p>
-            <a:endParaRPr lang="fr-FR" dirty="0"/>
-          </a:p>
-        </p:txBody>
-      </p:sp>
-      <p:pic>
-        <p:nvPicPr>
-          <p:cNvPr id="10" name="Espace réservé du contenu 3">
-            <a:extLst>
-              <a:ext uri="{FF2B5EF4-FFF2-40B4-BE49-F238E27FC236}">
-                <a16:creationId xmlns:a16="http://schemas.microsoft.com/office/drawing/2014/main" id="{5763E696-3E4C-4C05-BBED-89469C3DFC8C}"/>
+                <a16:creationId xmlns:a16="http://schemas.microsoft.com/office/drawing/2014/main" id="{AE3D3D55-5A42-4AE8-AE40-8819FB8CCEA0}"/>
               </a:ext>
             </a:extLst>
           </p:cNvPr>
@@ -7595,34 +8027,25 @@
           </p:cNvPicPr>
           <p:nvPr/>
         </p:nvPicPr>
-        <p:blipFill>
+        <p:blipFill rotWithShape="1">
           <a:blip r:embed="rId2"/>
-          <a:stretch>
-            <a:fillRect/>
-          </a:stretch>
+          <a:srcRect r="1334"/>
+          <a:stretch/>
         </p:blipFill>
         <p:spPr>
           <a:xfrm>
-            <a:off x="8789186" y="2413000"/>
-            <a:ext cx="2266965" cy="3716338"/>
+            <a:off x="20" y="10"/>
+            <a:ext cx="12191980" cy="6857990"/>
           </a:xfrm>
-          <a:prstGeom prst="roundRect">
-            <a:avLst>
-              <a:gd name="adj" fmla="val 3876"/>
-            </a:avLst>
+          <a:prstGeom prst="rect">
+            <a:avLst/>
           </a:prstGeom>
-          <a:ln>
-            <a:solidFill>
-              <a:schemeClr val="accent1"/>
-            </a:solidFill>
-          </a:ln>
-          <a:effectLst/>
         </p:spPr>
       </p:pic>
     </p:spTree>
     <p:extLst>
       <p:ext uri="{BB962C8B-B14F-4D97-AF65-F5344CB8AC3E}">
-        <p14:creationId xmlns:p14="http://schemas.microsoft.com/office/powerpoint/2010/main" val="2293126713"/>
+        <p14:creationId xmlns:p14="http://schemas.microsoft.com/office/powerpoint/2010/main" val="2848689640"/>
       </p:ext>
     </p:extLst>
   </p:cSld>
@@ -7635,6 +8058,14 @@
 <file path=ppt/slides/slide7.xml><?xml version="1.0" encoding="utf-8"?>
 <p:sld xmlns:a="http://schemas.openxmlformats.org/drawingml/2006/main" xmlns:r="http://schemas.openxmlformats.org/officeDocument/2006/relationships" xmlns:p="http://schemas.openxmlformats.org/presentationml/2006/main">
   <p:cSld>
+    <p:bg>
+      <p:bgPr>
+        <a:solidFill>
+          <a:schemeClr val="bg2"/>
+        </a:solidFill>
+        <a:effectLst/>
+      </p:bgPr>
+    </p:bg>
     <p:spTree>
       <p:nvGrpSpPr>
         <p:cNvPr id="1" name=""/>
@@ -7651,6 +8082,488 @@
       </p:grpSpPr>
       <p:sp>
         <p:nvSpPr>
+          <p:cNvPr id="16" name="Freeform 6">
+            <a:extLst>
+              <a:ext uri="{FF2B5EF4-FFF2-40B4-BE49-F238E27FC236}">
+                <a16:creationId xmlns:a16="http://schemas.microsoft.com/office/drawing/2014/main" id="{85B3A411-39CB-4453-9F3D-FA48206632BC}"/>
+              </a:ext>
+              <a:ext uri="{C183D7F6-B498-43B3-948B-1728B52AA6E4}">
+                <adec:decorative xmlns:adec="http://schemas.microsoft.com/office/drawing/2017/decorative" val="1"/>
+              </a:ext>
+            </a:extLst>
+          </p:cNvPr>
+          <p:cNvSpPr>
+            <a:spLocks noGrp="1" noRot="1" noChangeAspect="1" noMove="1" noResize="1" noEditPoints="1" noAdjustHandles="1" noChangeArrowheads="1" noChangeShapeType="1" noTextEdit="1"/>
+          </p:cNvSpPr>
+          <p:nvPr>
+            <p:extLst>
+              <p:ext uri="{386F3935-93C4-4BCD-93E2-E3B085C9AB24}">
+                <p16:designElem xmlns:p16="http://schemas.microsoft.com/office/powerpoint/2015/main" val="1"/>
+              </p:ext>
+            </p:extLst>
+          </p:nvPr>
+        </p:nvSpPr>
+        <p:spPr bwMode="auto">
+          <a:xfrm>
+            <a:off x="0" y="-3175"/>
+            <a:ext cx="12192000" cy="5203825"/>
+          </a:xfrm>
+          <a:custGeom>
+            <a:avLst/>
+            <a:gdLst/>
+            <a:ahLst/>
+            <a:cxnLst/>
+            <a:rect l="0" t="0" r="r" b="b"/>
+            <a:pathLst>
+              <a:path w="5760" h="3278">
+                <a:moveTo>
+                  <a:pt x="5760" y="0"/>
+                </a:moveTo>
+                <a:lnTo>
+                  <a:pt x="0" y="0"/>
+                </a:lnTo>
+                <a:lnTo>
+                  <a:pt x="0" y="3090"/>
+                </a:lnTo>
+                <a:lnTo>
+                  <a:pt x="943" y="3090"/>
+                </a:lnTo>
+                <a:lnTo>
+                  <a:pt x="1123" y="3270"/>
+                </a:lnTo>
+                <a:lnTo>
+                  <a:pt x="1123" y="3270"/>
+                </a:lnTo>
+                <a:lnTo>
+                  <a:pt x="1127" y="3272"/>
+                </a:lnTo>
+                <a:lnTo>
+                  <a:pt x="1133" y="3275"/>
+                </a:lnTo>
+                <a:lnTo>
+                  <a:pt x="1139" y="3278"/>
+                </a:lnTo>
+                <a:lnTo>
+                  <a:pt x="1144" y="3278"/>
+                </a:lnTo>
+                <a:lnTo>
+                  <a:pt x="1150" y="3278"/>
+                </a:lnTo>
+                <a:lnTo>
+                  <a:pt x="1155" y="3275"/>
+                </a:lnTo>
+                <a:lnTo>
+                  <a:pt x="1161" y="3272"/>
+                </a:lnTo>
+                <a:lnTo>
+                  <a:pt x="1165" y="3270"/>
+                </a:lnTo>
+                <a:lnTo>
+                  <a:pt x="1345" y="3090"/>
+                </a:lnTo>
+                <a:lnTo>
+                  <a:pt x="5760" y="3090"/>
+                </a:lnTo>
+                <a:lnTo>
+                  <a:pt x="5760" y="0"/>
+                </a:lnTo>
+                <a:close/>
+              </a:path>
+            </a:pathLst>
+          </a:custGeom>
+          <a:ln/>
+          <a:effectLst/>
+          <a:extLst>
+            <a:ext uri="{91240B29-F687-4f45-9708-019B960494DF}">
+              <a14:hiddenLine xmlns="" xmlns:a16="http://schemas.microsoft.com/office/drawing/2014/main" xmlns:p14="http://schemas.microsoft.com/office/powerpoint/2010/main" xmlns:a14="http://schemas.microsoft.com/office/drawing/2010/main" w="9525">
+                <a:solidFill>
+                  <a:srgbClr val="000000"/>
+                </a:solidFill>
+                <a:round/>
+                <a:headEnd/>
+                <a:tailEnd/>
+              </a14:hiddenLine>
+            </a:ext>
+          </a:extLst>
+        </p:spPr>
+        <p:style>
+          <a:lnRef idx="1">
+            <a:schemeClr val="accent1"/>
+          </a:lnRef>
+          <a:fillRef idx="3">
+            <a:schemeClr val="accent1"/>
+          </a:fillRef>
+          <a:effectRef idx="2">
+            <a:schemeClr val="accent1"/>
+          </a:effectRef>
+          <a:fontRef idx="minor">
+            <a:schemeClr val="lt1"/>
+          </a:fontRef>
+        </p:style>
+      </p:sp>
+      <p:grpSp>
+        <p:nvGrpSpPr>
+          <p:cNvPr id="18" name="Group 17">
+            <a:extLst>
+              <a:ext uri="{FF2B5EF4-FFF2-40B4-BE49-F238E27FC236}">
+                <a16:creationId xmlns:a16="http://schemas.microsoft.com/office/drawing/2014/main" id="{78D59EC2-0166-41A5-B253-88E6BF28E47C}"/>
+              </a:ext>
+              <a:ext uri="{C183D7F6-B498-43B3-948B-1728B52AA6E4}">
+                <adec:decorative xmlns:adec="http://schemas.microsoft.com/office/drawing/2017/decorative" val="1"/>
+              </a:ext>
+            </a:extLst>
+          </p:cNvPr>
+          <p:cNvGrpSpPr>
+            <a:grpSpLocks noGrp="1" noUngrp="1" noRot="1" noChangeAspect="1" noMove="1" noResize="1"/>
+          </p:cNvGrpSpPr>
+          <p:nvPr>
+            <p:extLst>
+              <p:ext uri="{386F3935-93C4-4BCD-93E2-E3B085C9AB24}">
+                <p16:designElem xmlns:p16="http://schemas.microsoft.com/office/powerpoint/2015/main" val="1"/>
+              </p:ext>
+            </p:extLst>
+          </p:nvPr>
+        </p:nvGrpSpPr>
+        <p:grpSpPr bwMode="white">
+          <a:xfrm>
+            <a:off x="0" y="4525094"/>
+            <a:ext cx="12203151" cy="2344057"/>
+            <a:chOff x="0" y="4525094"/>
+            <a:chExt cx="12203151" cy="2344057"/>
+          </a:xfrm>
+        </p:grpSpPr>
+        <p:sp>
+          <p:nvSpPr>
+            <p:cNvPr id="19" name="Freeform 9">
+              <a:extLst>
+                <a:ext uri="{FF2B5EF4-FFF2-40B4-BE49-F238E27FC236}">
+                  <a16:creationId xmlns:a16="http://schemas.microsoft.com/office/drawing/2014/main" id="{8C425FAF-4FCC-494A-B22F-84509E392327}"/>
+                </a:ext>
+                <a:ext uri="{C183D7F6-B498-43B3-948B-1728B52AA6E4}">
+                  <adec:decorative xmlns:adec="http://schemas.microsoft.com/office/drawing/2017/decorative" val="1"/>
+                </a:ext>
+              </a:extLst>
+            </p:cNvPr>
+            <p:cNvSpPr/>
+            <p:nvPr>
+              <p:extLst>
+                <p:ext uri="{386F3935-93C4-4BCD-93E2-E3B085C9AB24}">
+                  <p16:designElem xmlns:p16="http://schemas.microsoft.com/office/powerpoint/2015/main" val="1"/>
+                </p:ext>
+              </p:extLst>
+            </p:nvPr>
+          </p:nvSpPr>
+          <p:spPr bwMode="white">
+            <a:xfrm>
+              <a:off x="0" y="4525094"/>
+              <a:ext cx="12192000" cy="2332906"/>
+            </a:xfrm>
+            <a:custGeom>
+              <a:avLst/>
+              <a:gdLst>
+                <a:gd name="connsiteX0" fmla="*/ 0 w 12192000"/>
+                <a:gd name="connsiteY0" fmla="*/ 0 h 2332906"/>
+                <a:gd name="connsiteX1" fmla="*/ 1996017 w 12192000"/>
+                <a:gd name="connsiteY1" fmla="*/ 0 h 2332906"/>
+                <a:gd name="connsiteX2" fmla="*/ 2377017 w 12192000"/>
+                <a:gd name="connsiteY2" fmla="*/ 263783 h 2332906"/>
+                <a:gd name="connsiteX3" fmla="*/ 2385484 w 12192000"/>
+                <a:gd name="connsiteY3" fmla="*/ 266713 h 2332906"/>
+                <a:gd name="connsiteX4" fmla="*/ 2398184 w 12192000"/>
+                <a:gd name="connsiteY4" fmla="*/ 271110 h 2332906"/>
+                <a:gd name="connsiteX5" fmla="*/ 2410883 w 12192000"/>
+                <a:gd name="connsiteY5" fmla="*/ 275506 h 2332906"/>
+                <a:gd name="connsiteX6" fmla="*/ 2421467 w 12192000"/>
+                <a:gd name="connsiteY6" fmla="*/ 275506 h 2332906"/>
+                <a:gd name="connsiteX7" fmla="*/ 2434167 w 12192000"/>
+                <a:gd name="connsiteY7" fmla="*/ 275506 h 2332906"/>
+                <a:gd name="connsiteX8" fmla="*/ 2444750 w 12192000"/>
+                <a:gd name="connsiteY8" fmla="*/ 271110 h 2332906"/>
+                <a:gd name="connsiteX9" fmla="*/ 2457450 w 12192000"/>
+                <a:gd name="connsiteY9" fmla="*/ 266713 h 2332906"/>
+                <a:gd name="connsiteX10" fmla="*/ 2465917 w 12192000"/>
+                <a:gd name="connsiteY10" fmla="*/ 263783 h 2332906"/>
+                <a:gd name="connsiteX11" fmla="*/ 2846917 w 12192000"/>
+                <a:gd name="connsiteY11" fmla="*/ 0 h 2332906"/>
+                <a:gd name="connsiteX12" fmla="*/ 12192000 w 12192000"/>
+                <a:gd name="connsiteY12" fmla="*/ 0 h 2332906"/>
+                <a:gd name="connsiteX13" fmla="*/ 12192000 w 12192000"/>
+                <a:gd name="connsiteY13" fmla="*/ 2332906 h 2332906"/>
+                <a:gd name="connsiteX14" fmla="*/ 0 w 12192000"/>
+                <a:gd name="connsiteY14" fmla="*/ 2332906 h 2332906"/>
+              </a:gdLst>
+              <a:ahLst/>
+              <a:cxnLst>
+                <a:cxn ang="0">
+                  <a:pos x="connsiteX0" y="connsiteY0"/>
+                </a:cxn>
+                <a:cxn ang="0">
+                  <a:pos x="connsiteX1" y="connsiteY1"/>
+                </a:cxn>
+                <a:cxn ang="0">
+                  <a:pos x="connsiteX2" y="connsiteY2"/>
+                </a:cxn>
+                <a:cxn ang="0">
+                  <a:pos x="connsiteX3" y="connsiteY3"/>
+                </a:cxn>
+                <a:cxn ang="0">
+                  <a:pos x="connsiteX4" y="connsiteY4"/>
+                </a:cxn>
+                <a:cxn ang="0">
+                  <a:pos x="connsiteX5" y="connsiteY5"/>
+                </a:cxn>
+                <a:cxn ang="0">
+                  <a:pos x="connsiteX6" y="connsiteY6"/>
+                </a:cxn>
+                <a:cxn ang="0">
+                  <a:pos x="connsiteX7" y="connsiteY7"/>
+                </a:cxn>
+                <a:cxn ang="0">
+                  <a:pos x="connsiteX8" y="connsiteY8"/>
+                </a:cxn>
+                <a:cxn ang="0">
+                  <a:pos x="connsiteX9" y="connsiteY9"/>
+                </a:cxn>
+                <a:cxn ang="0">
+                  <a:pos x="connsiteX10" y="connsiteY10"/>
+                </a:cxn>
+                <a:cxn ang="0">
+                  <a:pos x="connsiteX11" y="connsiteY11"/>
+                </a:cxn>
+                <a:cxn ang="0">
+                  <a:pos x="connsiteX12" y="connsiteY12"/>
+                </a:cxn>
+                <a:cxn ang="0">
+                  <a:pos x="connsiteX13" y="connsiteY13"/>
+                </a:cxn>
+                <a:cxn ang="0">
+                  <a:pos x="connsiteX14" y="connsiteY14"/>
+                </a:cxn>
+              </a:cxnLst>
+              <a:rect l="l" t="t" r="r" b="b"/>
+              <a:pathLst>
+                <a:path w="12192000" h="2332906">
+                  <a:moveTo>
+                    <a:pt x="0" y="0"/>
+                  </a:moveTo>
+                  <a:lnTo>
+                    <a:pt x="1996017" y="0"/>
+                  </a:lnTo>
+                  <a:lnTo>
+                    <a:pt x="2377017" y="263783"/>
+                  </a:lnTo>
+                  <a:lnTo>
+                    <a:pt x="2385484" y="266713"/>
+                  </a:lnTo>
+                  <a:lnTo>
+                    <a:pt x="2398184" y="271110"/>
+                  </a:lnTo>
+                  <a:lnTo>
+                    <a:pt x="2410883" y="275506"/>
+                  </a:lnTo>
+                  <a:lnTo>
+                    <a:pt x="2421467" y="275506"/>
+                  </a:lnTo>
+                  <a:lnTo>
+                    <a:pt x="2434167" y="275506"/>
+                  </a:lnTo>
+                  <a:lnTo>
+                    <a:pt x="2444750" y="271110"/>
+                  </a:lnTo>
+                  <a:lnTo>
+                    <a:pt x="2457450" y="266713"/>
+                  </a:lnTo>
+                  <a:lnTo>
+                    <a:pt x="2465917" y="263783"/>
+                  </a:lnTo>
+                  <a:lnTo>
+                    <a:pt x="2846917" y="0"/>
+                  </a:lnTo>
+                  <a:lnTo>
+                    <a:pt x="12192000" y="0"/>
+                  </a:lnTo>
+                  <a:lnTo>
+                    <a:pt x="12192000" y="2332906"/>
+                  </a:lnTo>
+                  <a:lnTo>
+                    <a:pt x="0" y="2332906"/>
+                  </a:lnTo>
+                  <a:close/>
+                </a:path>
+              </a:pathLst>
+            </a:custGeom>
+            <a:solidFill>
+              <a:schemeClr val="bg1">
+                <a:lumMod val="85000"/>
+                <a:lumOff val="15000"/>
+              </a:schemeClr>
+            </a:solidFill>
+            <a:ln>
+              <a:solidFill>
+                <a:schemeClr val="accent1"/>
+              </a:solidFill>
+            </a:ln>
+          </p:spPr>
+          <p:style>
+            <a:lnRef idx="2">
+              <a:schemeClr val="accent1">
+                <a:shade val="50000"/>
+              </a:schemeClr>
+            </a:lnRef>
+            <a:fillRef idx="1">
+              <a:schemeClr val="accent1"/>
+            </a:fillRef>
+            <a:effectRef idx="0">
+              <a:schemeClr val="accent1"/>
+            </a:effectRef>
+            <a:fontRef idx="minor">
+              <a:schemeClr val="lt1"/>
+            </a:fontRef>
+          </p:style>
+          <p:txBody>
+            <a:bodyPr rtlCol="0" anchor="ctr"/>
+            <a:lstStyle/>
+            <a:p>
+              <a:pPr algn="ctr"/>
+              <a:endParaRPr lang="en-US"/>
+            </a:p>
+          </p:txBody>
+        </p:sp>
+        <p:sp>
+          <p:nvSpPr>
+            <p:cNvPr id="20" name="Isosceles Triangle 19">
+              <a:extLst>
+                <a:ext uri="{FF2B5EF4-FFF2-40B4-BE49-F238E27FC236}">
+                  <a16:creationId xmlns:a16="http://schemas.microsoft.com/office/drawing/2014/main" id="{2650E85A-A0C2-4F77-B982-28078367B1B5}"/>
+                </a:ext>
+                <a:ext uri="{C183D7F6-B498-43B3-948B-1728B52AA6E4}">
+                  <adec:decorative xmlns:adec="http://schemas.microsoft.com/office/drawing/2017/decorative" val="1"/>
+                </a:ext>
+              </a:extLst>
+            </p:cNvPr>
+            <p:cNvSpPr/>
+            <p:nvPr>
+              <p:extLst>
+                <p:ext uri="{386F3935-93C4-4BCD-93E2-E3B085C9AB24}">
+                  <p16:designElem xmlns:p16="http://schemas.microsoft.com/office/powerpoint/2015/main" val="1"/>
+                </p:ext>
+              </p:extLst>
+            </p:nvPr>
+          </p:nvSpPr>
+          <p:spPr bwMode="white">
+            <a:xfrm flipH="1">
+              <a:off x="3820" y="4536245"/>
+              <a:ext cx="5660999" cy="2332906"/>
+            </a:xfrm>
+            <a:prstGeom prst="triangle">
+              <a:avLst>
+                <a:gd name="adj" fmla="val 100000"/>
+              </a:avLst>
+            </a:prstGeom>
+            <a:solidFill>
+              <a:schemeClr val="bg1">
+                <a:lumMod val="85000"/>
+                <a:lumOff val="15000"/>
+              </a:schemeClr>
+            </a:solidFill>
+            <a:ln>
+              <a:noFill/>
+            </a:ln>
+          </p:spPr>
+          <p:style>
+            <a:lnRef idx="2">
+              <a:schemeClr val="accent1">
+                <a:shade val="50000"/>
+              </a:schemeClr>
+            </a:lnRef>
+            <a:fillRef idx="1">
+              <a:schemeClr val="accent1"/>
+            </a:fillRef>
+            <a:effectRef idx="0">
+              <a:schemeClr val="accent1"/>
+            </a:effectRef>
+            <a:fontRef idx="minor">
+              <a:schemeClr val="lt1"/>
+            </a:fontRef>
+          </p:style>
+          <p:txBody>
+            <a:bodyPr rtlCol="0" anchor="ctr"/>
+            <a:lstStyle/>
+            <a:p>
+              <a:pPr algn="ctr"/>
+              <a:endParaRPr lang="en-US"/>
+            </a:p>
+          </p:txBody>
+        </p:sp>
+        <p:sp>
+          <p:nvSpPr>
+            <p:cNvPr id="21" name="Isosceles Triangle 20">
+              <a:extLst>
+                <a:ext uri="{FF2B5EF4-FFF2-40B4-BE49-F238E27FC236}">
+                  <a16:creationId xmlns:a16="http://schemas.microsoft.com/office/drawing/2014/main" id="{682B893C-2914-472F-8F64-8A0E652342F1}"/>
+                </a:ext>
+                <a:ext uri="{C183D7F6-B498-43B3-948B-1728B52AA6E4}">
+                  <adec:decorative xmlns:adec="http://schemas.microsoft.com/office/drawing/2017/decorative" val="1"/>
+                </a:ext>
+              </a:extLst>
+            </p:cNvPr>
+            <p:cNvSpPr/>
+            <p:nvPr>
+              <p:extLst>
+                <p:ext uri="{386F3935-93C4-4BCD-93E2-E3B085C9AB24}">
+                  <p16:designElem xmlns:p16="http://schemas.microsoft.com/office/powerpoint/2015/main" val="1"/>
+                </p:ext>
+              </p:extLst>
+            </p:nvPr>
+          </p:nvSpPr>
+          <p:spPr bwMode="white">
+            <a:xfrm>
+              <a:off x="4813714" y="4536245"/>
+              <a:ext cx="7389437" cy="2332906"/>
+            </a:xfrm>
+            <a:prstGeom prst="triangle">
+              <a:avLst>
+                <a:gd name="adj" fmla="val 100000"/>
+              </a:avLst>
+            </a:prstGeom>
+            <a:solidFill>
+              <a:schemeClr val="bg1">
+                <a:lumMod val="85000"/>
+                <a:lumOff val="15000"/>
+              </a:schemeClr>
+            </a:solidFill>
+            <a:ln>
+              <a:noFill/>
+            </a:ln>
+          </p:spPr>
+          <p:style>
+            <a:lnRef idx="2">
+              <a:schemeClr val="accent1">
+                <a:shade val="50000"/>
+              </a:schemeClr>
+            </a:lnRef>
+            <a:fillRef idx="1">
+              <a:schemeClr val="accent1"/>
+            </a:fillRef>
+            <a:effectRef idx="0">
+              <a:schemeClr val="accent1"/>
+            </a:effectRef>
+            <a:fontRef idx="minor">
+              <a:schemeClr val="lt1"/>
+            </a:fontRef>
+          </p:style>
+          <p:txBody>
+            <a:bodyPr rtlCol="0" anchor="ctr"/>
+            <a:lstStyle/>
+            <a:p>
+              <a:pPr algn="ctr"/>
+              <a:endParaRPr lang="en-US"/>
+            </a:p>
+          </p:txBody>
+        </p:sp>
+      </p:grpSp>
+      <p:sp>
+        <p:nvSpPr>
           <p:cNvPr id="2" name="Titre 1">
             <a:extLst>
               <a:ext uri="{FF2B5EF4-FFF2-40B4-BE49-F238E27FC236}">
@@ -7665,43 +8578,1219 @@
             <p:ph type="title"/>
           </p:nvPr>
         </p:nvSpPr>
-        <p:spPr/>
-        <p:txBody>
-          <a:bodyPr/>
+        <p:spPr>
+          <a:xfrm>
+            <a:off x="810001" y="4817533"/>
+            <a:ext cx="10572000" cy="779529"/>
+          </a:xfrm>
+        </p:spPr>
+        <p:txBody>
+          <a:bodyPr vert="horz" lIns="91440" tIns="45720" rIns="91440" bIns="45720" rtlCol="0" anchor="b">
+            <a:normAutofit/>
+          </a:bodyPr>
           <a:lstStyle/>
           <a:p>
             <a:r>
-              <a:rPr lang="fr-FR" dirty="0"/>
+              <a:rPr lang="en-US"/>
               <a:t>User Stories / User Point ( PDF ) </a:t>
             </a:r>
           </a:p>
         </p:txBody>
       </p:sp>
-      <p:sp>
-        <p:nvSpPr>
-          <p:cNvPr id="3" name="Espace réservé du contenu 2">
+      <p:graphicFrame>
+        <p:nvGraphicFramePr>
+          <p:cNvPr id="4" name="Espace réservé du contenu 3">
             <a:extLst>
               <a:ext uri="{FF2B5EF4-FFF2-40B4-BE49-F238E27FC236}">
-                <a16:creationId xmlns:a16="http://schemas.microsoft.com/office/drawing/2014/main" id="{395CE4BF-2668-40F7-93EE-D9432FF8E9F4}"/>
+                <a16:creationId xmlns:a16="http://schemas.microsoft.com/office/drawing/2014/main" id="{9CB99245-93CE-4B56-A9E4-2A766E7917FC}"/>
               </a:ext>
             </a:extLst>
           </p:cNvPr>
-          <p:cNvSpPr>
-            <a:spLocks noGrp="1"/>
-          </p:cNvSpPr>
+          <p:cNvGraphicFramePr>
+            <a:graphicFrameLocks noGrp="1"/>
+          </p:cNvGraphicFramePr>
           <p:nvPr>
             <p:ph idx="1"/>
+            <p:extLst>
+              <p:ext uri="{D42A27DB-BD31-4B8C-83A1-F6EECF244321}">
+                <p14:modId xmlns:p14="http://schemas.microsoft.com/office/powerpoint/2010/main" val="1629390259"/>
+              </p:ext>
+            </p:extLst>
           </p:nvPr>
-        </p:nvSpPr>
-        <p:spPr/>
-        <p:txBody>
-          <a:bodyPr/>
-          <a:lstStyle/>
-          <a:p>
-            <a:endParaRPr lang="fr-FR"/>
-          </a:p>
-        </p:txBody>
-      </p:sp>
+        </p:nvGraphicFramePr>
+        <p:xfrm>
+          <a:off x="937415" y="640080"/>
+          <a:ext cx="10312548" cy="3733376"/>
+        </p:xfrm>
+        <a:graphic>
+          <a:graphicData uri="http://schemas.openxmlformats.org/drawingml/2006/table">
+            <a:tbl>
+              <a:tblPr firstRow="1" firstCol="1" bandRow="1">
+                <a:tableStyleId>{9D7B26C5-4107-4FEC-AEDC-1716B250A1EF}</a:tableStyleId>
+              </a:tblPr>
+              <a:tblGrid>
+                <a:gridCol w="5465644">
+                  <a:extLst>
+                    <a:ext uri="{9D8B030D-6E8A-4147-A177-3AD203B41FA5}">
+                      <a16:colId xmlns:a16="http://schemas.microsoft.com/office/drawing/2014/main" val="3041334790"/>
+                    </a:ext>
+                  </a:extLst>
+                </a:gridCol>
+                <a:gridCol w="1982613">
+                  <a:extLst>
+                    <a:ext uri="{9D8B030D-6E8A-4147-A177-3AD203B41FA5}">
+                      <a16:colId xmlns:a16="http://schemas.microsoft.com/office/drawing/2014/main" val="228583292"/>
+                    </a:ext>
+                  </a:extLst>
+                </a:gridCol>
+                <a:gridCol w="2864291">
+                  <a:extLst>
+                    <a:ext uri="{9D8B030D-6E8A-4147-A177-3AD203B41FA5}">
+                      <a16:colId xmlns:a16="http://schemas.microsoft.com/office/drawing/2014/main" val="2565449626"/>
+                    </a:ext>
+                  </a:extLst>
+                </a:gridCol>
+              </a:tblGrid>
+              <a:tr h="552404">
+                <a:tc>
+                  <a:txBody>
+                    <a:bodyPr/>
+                    <a:lstStyle/>
+                    <a:p>
+                      <a:pPr algn="ctr">
+                        <a:lnSpc>
+                          <a:spcPct val="106000"/>
+                        </a:lnSpc>
+                        <a:spcAft>
+                          <a:spcPts val="0"/>
+                        </a:spcAft>
+                      </a:pPr>
+                      <a:r>
+                        <a:rPr lang="fr-FR" sz="1300">
+                          <a:effectLst/>
+                        </a:rPr>
+                        <a:t>User Story</a:t>
+                      </a:r>
+                      <a:endParaRPr lang="fr-FR" sz="1300" b="1">
+                        <a:solidFill>
+                          <a:schemeClr val="tx1">
+                            <a:lumMod val="75000"/>
+                            <a:lumOff val="25000"/>
+                          </a:schemeClr>
+                        </a:solidFill>
+                        <a:effectLst/>
+                        <a:latin typeface="Calibri" panose="020F0502020204030204" pitchFamily="34" charset="0"/>
+                        <a:ea typeface="Calibri" panose="020F0502020204030204" pitchFamily="34" charset="0"/>
+                        <a:cs typeface="Times New Roman" panose="02020603050405020304" pitchFamily="18" charset="0"/>
+                      </a:endParaRPr>
+                    </a:p>
+                  </a:txBody>
+                  <a:tcPr marL="119746" marR="89809" marT="59873" marB="59873" anchor="ctr"/>
+                </a:tc>
+                <a:tc>
+                  <a:txBody>
+                    <a:bodyPr/>
+                    <a:lstStyle/>
+                    <a:p>
+                      <a:pPr algn="ctr">
+                        <a:lnSpc>
+                          <a:spcPct val="106000"/>
+                        </a:lnSpc>
+                        <a:spcAft>
+                          <a:spcPts val="0"/>
+                        </a:spcAft>
+                      </a:pPr>
+                      <a:r>
+                        <a:rPr lang="fr-FR" sz="1300">
+                          <a:effectLst/>
+                        </a:rPr>
+                        <a:t>Complexité</a:t>
+                      </a:r>
+                    </a:p>
+                    <a:p>
+                      <a:pPr algn="ctr">
+                        <a:lnSpc>
+                          <a:spcPct val="106000"/>
+                        </a:lnSpc>
+                        <a:spcAft>
+                          <a:spcPts val="0"/>
+                        </a:spcAft>
+                      </a:pPr>
+                      <a:r>
+                        <a:rPr lang="fr-FR" sz="1300">
+                          <a:effectLst/>
+                        </a:rPr>
+                        <a:t>User Points</a:t>
+                      </a:r>
+                      <a:endParaRPr lang="fr-FR" sz="1300" b="1">
+                        <a:solidFill>
+                          <a:schemeClr val="tx1">
+                            <a:lumMod val="75000"/>
+                            <a:lumOff val="25000"/>
+                          </a:schemeClr>
+                        </a:solidFill>
+                        <a:effectLst/>
+                        <a:latin typeface="Calibri" panose="020F0502020204030204" pitchFamily="34" charset="0"/>
+                        <a:ea typeface="Calibri" panose="020F0502020204030204" pitchFamily="34" charset="0"/>
+                        <a:cs typeface="Times New Roman" panose="02020603050405020304" pitchFamily="18" charset="0"/>
+                      </a:endParaRPr>
+                    </a:p>
+                  </a:txBody>
+                  <a:tcPr marL="119746" marR="89809" marT="59873" marB="59873" anchor="ctr"/>
+                </a:tc>
+                <a:tc>
+                  <a:txBody>
+                    <a:bodyPr/>
+                    <a:lstStyle/>
+                    <a:p>
+                      <a:pPr algn="ctr">
+                        <a:lnSpc>
+                          <a:spcPct val="106000"/>
+                        </a:lnSpc>
+                        <a:spcAft>
+                          <a:spcPts val="0"/>
+                        </a:spcAft>
+                      </a:pPr>
+                      <a:r>
+                        <a:rPr lang="fr-FR" sz="1300">
+                          <a:effectLst/>
+                        </a:rPr>
+                        <a:t>Durée</a:t>
+                      </a:r>
+                      <a:endParaRPr lang="fr-FR" sz="1300" b="1">
+                        <a:solidFill>
+                          <a:schemeClr val="tx1">
+                            <a:lumMod val="75000"/>
+                            <a:lumOff val="25000"/>
+                          </a:schemeClr>
+                        </a:solidFill>
+                        <a:effectLst/>
+                        <a:latin typeface="Calibri" panose="020F0502020204030204" pitchFamily="34" charset="0"/>
+                        <a:ea typeface="Calibri" panose="020F0502020204030204" pitchFamily="34" charset="0"/>
+                        <a:cs typeface="Times New Roman" panose="02020603050405020304" pitchFamily="18" charset="0"/>
+                      </a:endParaRPr>
+                    </a:p>
+                  </a:txBody>
+                  <a:tcPr marL="119746" marR="89809" marT="59873" marB="59873" anchor="ctr"/>
+                </a:tc>
+                <a:extLst>
+                  <a:ext uri="{0D108BD9-81ED-4DB2-BD59-A6C34878D82A}">
+                    <a16:rowId xmlns:a16="http://schemas.microsoft.com/office/drawing/2014/main" val="798791026"/>
+                  </a:ext>
+                </a:extLst>
+              </a:tr>
+              <a:tr h="304133">
+                <a:tc>
+                  <a:txBody>
+                    <a:bodyPr/>
+                    <a:lstStyle/>
+                    <a:p>
+                      <a:pPr algn="ctr">
+                        <a:lnSpc>
+                          <a:spcPct val="106000"/>
+                        </a:lnSpc>
+                        <a:spcAft>
+                          <a:spcPts val="0"/>
+                        </a:spcAft>
+                      </a:pPr>
+                      <a:r>
+                        <a:rPr lang="fr-FR" sz="1000">
+                          <a:effectLst/>
+                        </a:rPr>
+                        <a:t>Un utilisateur peut pouvoir s'inscrire sur la plateforme et accéder à son espace membre</a:t>
+                      </a:r>
+                      <a:endParaRPr lang="fr-FR" sz="1000" b="1">
+                        <a:solidFill>
+                          <a:schemeClr val="tx1">
+                            <a:lumMod val="75000"/>
+                            <a:lumOff val="25000"/>
+                          </a:schemeClr>
+                        </a:solidFill>
+                        <a:effectLst/>
+                        <a:latin typeface="Calibri" panose="020F0502020204030204" pitchFamily="34" charset="0"/>
+                        <a:ea typeface="Calibri" panose="020F0502020204030204" pitchFamily="34" charset="0"/>
+                        <a:cs typeface="Times New Roman" panose="02020603050405020304" pitchFamily="18" charset="0"/>
+                      </a:endParaRPr>
+                    </a:p>
+                  </a:txBody>
+                  <a:tcPr marL="119746" marR="89809" marT="59873" marB="59873" anchor="ctr"/>
+                </a:tc>
+                <a:tc>
+                  <a:txBody>
+                    <a:bodyPr/>
+                    <a:lstStyle/>
+                    <a:p>
+                      <a:pPr algn="ctr">
+                        <a:lnSpc>
+                          <a:spcPct val="106000"/>
+                        </a:lnSpc>
+                        <a:spcAft>
+                          <a:spcPts val="0"/>
+                        </a:spcAft>
+                      </a:pPr>
+                      <a:r>
+                        <a:rPr lang="fr-FR" sz="1000">
+                          <a:effectLst/>
+                        </a:rPr>
+                        <a:t>3</a:t>
+                      </a:r>
+                      <a:endParaRPr lang="fr-FR" sz="1000">
+                        <a:solidFill>
+                          <a:schemeClr val="tx1">
+                            <a:lumMod val="75000"/>
+                            <a:lumOff val="25000"/>
+                          </a:schemeClr>
+                        </a:solidFill>
+                        <a:effectLst/>
+                        <a:latin typeface="Calibri" panose="020F0502020204030204" pitchFamily="34" charset="0"/>
+                        <a:ea typeface="Calibri" panose="020F0502020204030204" pitchFamily="34" charset="0"/>
+                        <a:cs typeface="Times New Roman" panose="02020603050405020304" pitchFamily="18" charset="0"/>
+                      </a:endParaRPr>
+                    </a:p>
+                  </a:txBody>
+                  <a:tcPr marL="119746" marR="89809" marT="59873" marB="59873" anchor="ctr"/>
+                </a:tc>
+                <a:tc>
+                  <a:txBody>
+                    <a:bodyPr/>
+                    <a:lstStyle/>
+                    <a:p>
+                      <a:pPr algn="ctr">
+                        <a:lnSpc>
+                          <a:spcPct val="106000"/>
+                        </a:lnSpc>
+                        <a:spcAft>
+                          <a:spcPts val="0"/>
+                        </a:spcAft>
+                      </a:pPr>
+                      <a:r>
+                        <a:rPr lang="fr-FR" sz="1000">
+                          <a:effectLst/>
+                        </a:rPr>
+                        <a:t>7 jours</a:t>
+                      </a:r>
+                      <a:endParaRPr lang="fr-FR" sz="1000">
+                        <a:solidFill>
+                          <a:schemeClr val="tx1">
+                            <a:lumMod val="75000"/>
+                            <a:lumOff val="25000"/>
+                          </a:schemeClr>
+                        </a:solidFill>
+                        <a:effectLst/>
+                        <a:latin typeface="Calibri" panose="020F0502020204030204" pitchFamily="34" charset="0"/>
+                        <a:ea typeface="Calibri" panose="020F0502020204030204" pitchFamily="34" charset="0"/>
+                        <a:cs typeface="Times New Roman" panose="02020603050405020304" pitchFamily="18" charset="0"/>
+                      </a:endParaRPr>
+                    </a:p>
+                  </a:txBody>
+                  <a:tcPr marL="119746" marR="89809" marT="59873" marB="59873" anchor="ctr"/>
+                </a:tc>
+                <a:extLst>
+                  <a:ext uri="{0D108BD9-81ED-4DB2-BD59-A6C34878D82A}">
+                    <a16:rowId xmlns:a16="http://schemas.microsoft.com/office/drawing/2014/main" val="2807887256"/>
+                  </a:ext>
+                </a:extLst>
+              </a:tr>
+              <a:tr h="304133">
+                <a:tc>
+                  <a:txBody>
+                    <a:bodyPr/>
+                    <a:lstStyle/>
+                    <a:p>
+                      <a:pPr algn="ctr">
+                        <a:lnSpc>
+                          <a:spcPct val="106000"/>
+                        </a:lnSpc>
+                        <a:spcAft>
+                          <a:spcPts val="0"/>
+                        </a:spcAft>
+                      </a:pPr>
+                      <a:r>
+                        <a:rPr lang="fr-FR" sz="1000">
+                          <a:effectLst/>
+                        </a:rPr>
+                        <a:t>Un utilisateur peut pouvoir se connecter et se déconnecter</a:t>
+                      </a:r>
+                      <a:endParaRPr lang="fr-FR" sz="1000" b="1">
+                        <a:solidFill>
+                          <a:schemeClr val="tx1">
+                            <a:lumMod val="75000"/>
+                            <a:lumOff val="25000"/>
+                          </a:schemeClr>
+                        </a:solidFill>
+                        <a:effectLst/>
+                        <a:latin typeface="Calibri" panose="020F0502020204030204" pitchFamily="34" charset="0"/>
+                        <a:ea typeface="Calibri" panose="020F0502020204030204" pitchFamily="34" charset="0"/>
+                        <a:cs typeface="Times New Roman" panose="02020603050405020304" pitchFamily="18" charset="0"/>
+                      </a:endParaRPr>
+                    </a:p>
+                  </a:txBody>
+                  <a:tcPr marL="119746" marR="89809" marT="59873" marB="59873" anchor="ctr"/>
+                </a:tc>
+                <a:tc>
+                  <a:txBody>
+                    <a:bodyPr/>
+                    <a:lstStyle/>
+                    <a:p>
+                      <a:pPr algn="ctr">
+                        <a:lnSpc>
+                          <a:spcPct val="106000"/>
+                        </a:lnSpc>
+                        <a:spcAft>
+                          <a:spcPts val="0"/>
+                        </a:spcAft>
+                      </a:pPr>
+                      <a:r>
+                        <a:rPr lang="fr-FR" sz="1000">
+                          <a:effectLst/>
+                        </a:rPr>
+                        <a:t>1</a:t>
+                      </a:r>
+                      <a:endParaRPr lang="fr-FR" sz="1000">
+                        <a:solidFill>
+                          <a:schemeClr val="tx1">
+                            <a:lumMod val="75000"/>
+                            <a:lumOff val="25000"/>
+                          </a:schemeClr>
+                        </a:solidFill>
+                        <a:effectLst/>
+                        <a:latin typeface="Calibri" panose="020F0502020204030204" pitchFamily="34" charset="0"/>
+                        <a:ea typeface="Calibri" panose="020F0502020204030204" pitchFamily="34" charset="0"/>
+                        <a:cs typeface="Times New Roman" panose="02020603050405020304" pitchFamily="18" charset="0"/>
+                      </a:endParaRPr>
+                    </a:p>
+                  </a:txBody>
+                  <a:tcPr marL="119746" marR="89809" marT="59873" marB="59873" anchor="ctr"/>
+                </a:tc>
+                <a:tc>
+                  <a:txBody>
+                    <a:bodyPr/>
+                    <a:lstStyle/>
+                    <a:p>
+                      <a:pPr algn="ctr">
+                        <a:lnSpc>
+                          <a:spcPct val="106000"/>
+                        </a:lnSpc>
+                        <a:spcAft>
+                          <a:spcPts val="0"/>
+                        </a:spcAft>
+                      </a:pPr>
+                      <a:r>
+                        <a:rPr lang="fr-FR" sz="1000">
+                          <a:effectLst/>
+                        </a:rPr>
+                        <a:t>2 jours</a:t>
+                      </a:r>
+                      <a:endParaRPr lang="fr-FR" sz="1000">
+                        <a:solidFill>
+                          <a:schemeClr val="tx1">
+                            <a:lumMod val="75000"/>
+                            <a:lumOff val="25000"/>
+                          </a:schemeClr>
+                        </a:solidFill>
+                        <a:effectLst/>
+                        <a:latin typeface="Calibri" panose="020F0502020204030204" pitchFamily="34" charset="0"/>
+                        <a:ea typeface="Calibri" panose="020F0502020204030204" pitchFamily="34" charset="0"/>
+                        <a:cs typeface="Times New Roman" panose="02020603050405020304" pitchFamily="18" charset="0"/>
+                      </a:endParaRPr>
+                    </a:p>
+                  </a:txBody>
+                  <a:tcPr marL="119746" marR="89809" marT="59873" marB="59873" anchor="ctr"/>
+                </a:tc>
+                <a:extLst>
+                  <a:ext uri="{0D108BD9-81ED-4DB2-BD59-A6C34878D82A}">
+                    <a16:rowId xmlns:a16="http://schemas.microsoft.com/office/drawing/2014/main" val="4230813682"/>
+                  </a:ext>
+                </a:extLst>
+              </a:tr>
+              <a:tr h="304133">
+                <a:tc>
+                  <a:txBody>
+                    <a:bodyPr/>
+                    <a:lstStyle/>
+                    <a:p>
+                      <a:pPr algn="ctr">
+                        <a:lnSpc>
+                          <a:spcPct val="106000"/>
+                        </a:lnSpc>
+                        <a:spcAft>
+                          <a:spcPts val="0"/>
+                        </a:spcAft>
+                      </a:pPr>
+                      <a:r>
+                        <a:rPr lang="fr-FR" sz="1000">
+                          <a:effectLst/>
+                        </a:rPr>
+                        <a:t>Un utilisateur droit pouvoir créer un nouveau portefeuille et gérer son lien crypté</a:t>
+                      </a:r>
+                      <a:endParaRPr lang="fr-FR" sz="1000" b="1">
+                        <a:solidFill>
+                          <a:schemeClr val="tx1">
+                            <a:lumMod val="75000"/>
+                            <a:lumOff val="25000"/>
+                          </a:schemeClr>
+                        </a:solidFill>
+                        <a:effectLst/>
+                        <a:latin typeface="Calibri" panose="020F0502020204030204" pitchFamily="34" charset="0"/>
+                        <a:ea typeface="Calibri" panose="020F0502020204030204" pitchFamily="34" charset="0"/>
+                        <a:cs typeface="Times New Roman" panose="02020603050405020304" pitchFamily="18" charset="0"/>
+                      </a:endParaRPr>
+                    </a:p>
+                  </a:txBody>
+                  <a:tcPr marL="119746" marR="89809" marT="59873" marB="59873" anchor="ctr"/>
+                </a:tc>
+                <a:tc>
+                  <a:txBody>
+                    <a:bodyPr/>
+                    <a:lstStyle/>
+                    <a:p>
+                      <a:pPr algn="ctr">
+                        <a:lnSpc>
+                          <a:spcPct val="106000"/>
+                        </a:lnSpc>
+                        <a:spcAft>
+                          <a:spcPts val="0"/>
+                        </a:spcAft>
+                      </a:pPr>
+                      <a:r>
+                        <a:rPr lang="fr-FR" sz="1000">
+                          <a:effectLst/>
+                        </a:rPr>
+                        <a:t>7</a:t>
+                      </a:r>
+                      <a:endParaRPr lang="fr-FR" sz="1000">
+                        <a:solidFill>
+                          <a:schemeClr val="tx1">
+                            <a:lumMod val="75000"/>
+                            <a:lumOff val="25000"/>
+                          </a:schemeClr>
+                        </a:solidFill>
+                        <a:effectLst/>
+                        <a:latin typeface="Calibri" panose="020F0502020204030204" pitchFamily="34" charset="0"/>
+                        <a:ea typeface="Calibri" panose="020F0502020204030204" pitchFamily="34" charset="0"/>
+                        <a:cs typeface="Times New Roman" panose="02020603050405020304" pitchFamily="18" charset="0"/>
+                      </a:endParaRPr>
+                    </a:p>
+                  </a:txBody>
+                  <a:tcPr marL="119746" marR="89809" marT="59873" marB="59873" anchor="ctr"/>
+                </a:tc>
+                <a:tc>
+                  <a:txBody>
+                    <a:bodyPr/>
+                    <a:lstStyle/>
+                    <a:p>
+                      <a:pPr algn="ctr">
+                        <a:lnSpc>
+                          <a:spcPct val="106000"/>
+                        </a:lnSpc>
+                        <a:spcAft>
+                          <a:spcPts val="0"/>
+                        </a:spcAft>
+                      </a:pPr>
+                      <a:r>
+                        <a:rPr lang="fr-FR" sz="1000">
+                          <a:effectLst/>
+                        </a:rPr>
+                        <a:t>14 jours</a:t>
+                      </a:r>
+                      <a:endParaRPr lang="fr-FR" sz="1000">
+                        <a:solidFill>
+                          <a:schemeClr val="tx1">
+                            <a:lumMod val="75000"/>
+                            <a:lumOff val="25000"/>
+                          </a:schemeClr>
+                        </a:solidFill>
+                        <a:effectLst/>
+                        <a:latin typeface="Calibri" panose="020F0502020204030204" pitchFamily="34" charset="0"/>
+                        <a:ea typeface="Calibri" panose="020F0502020204030204" pitchFamily="34" charset="0"/>
+                        <a:cs typeface="Times New Roman" panose="02020603050405020304" pitchFamily="18" charset="0"/>
+                      </a:endParaRPr>
+                    </a:p>
+                  </a:txBody>
+                  <a:tcPr marL="119746" marR="89809" marT="59873" marB="59873" anchor="ctr"/>
+                </a:tc>
+                <a:extLst>
+                  <a:ext uri="{0D108BD9-81ED-4DB2-BD59-A6C34878D82A}">
+                    <a16:rowId xmlns:a16="http://schemas.microsoft.com/office/drawing/2014/main" val="2056652486"/>
+                  </a:ext>
+                </a:extLst>
+              </a:tr>
+              <a:tr h="460702">
+                <a:tc>
+                  <a:txBody>
+                    <a:bodyPr/>
+                    <a:lstStyle/>
+                    <a:p>
+                      <a:pPr algn="ctr">
+                        <a:lnSpc>
+                          <a:spcPct val="106000"/>
+                        </a:lnSpc>
+                        <a:spcAft>
+                          <a:spcPts val="0"/>
+                        </a:spcAft>
+                      </a:pPr>
+                      <a:r>
+                        <a:rPr lang="fr-FR" sz="1000">
+                          <a:effectLst/>
+                        </a:rPr>
+                        <a:t>Un utilisateur droit pouvoir se connecter puis envoyer des cryptos a un autre utilisateur via la plateforme</a:t>
+                      </a:r>
+                      <a:endParaRPr lang="fr-FR" sz="1000" b="1">
+                        <a:solidFill>
+                          <a:schemeClr val="tx1">
+                            <a:lumMod val="75000"/>
+                            <a:lumOff val="25000"/>
+                          </a:schemeClr>
+                        </a:solidFill>
+                        <a:effectLst/>
+                        <a:latin typeface="Calibri" panose="020F0502020204030204" pitchFamily="34" charset="0"/>
+                        <a:ea typeface="Calibri" panose="020F0502020204030204" pitchFamily="34" charset="0"/>
+                        <a:cs typeface="Times New Roman" panose="02020603050405020304" pitchFamily="18" charset="0"/>
+                      </a:endParaRPr>
+                    </a:p>
+                  </a:txBody>
+                  <a:tcPr marL="119746" marR="89809" marT="59873" marB="59873" anchor="ctr"/>
+                </a:tc>
+                <a:tc>
+                  <a:txBody>
+                    <a:bodyPr/>
+                    <a:lstStyle/>
+                    <a:p>
+                      <a:pPr algn="ctr">
+                        <a:lnSpc>
+                          <a:spcPct val="106000"/>
+                        </a:lnSpc>
+                        <a:spcAft>
+                          <a:spcPts val="0"/>
+                        </a:spcAft>
+                      </a:pPr>
+                      <a:r>
+                        <a:rPr lang="fr-FR" sz="1000">
+                          <a:effectLst/>
+                        </a:rPr>
+                        <a:t>10</a:t>
+                      </a:r>
+                      <a:endParaRPr lang="fr-FR" sz="1000">
+                        <a:solidFill>
+                          <a:schemeClr val="tx1">
+                            <a:lumMod val="75000"/>
+                            <a:lumOff val="25000"/>
+                          </a:schemeClr>
+                        </a:solidFill>
+                        <a:effectLst/>
+                        <a:latin typeface="Calibri" panose="020F0502020204030204" pitchFamily="34" charset="0"/>
+                        <a:ea typeface="Calibri" panose="020F0502020204030204" pitchFamily="34" charset="0"/>
+                        <a:cs typeface="Times New Roman" panose="02020603050405020304" pitchFamily="18" charset="0"/>
+                      </a:endParaRPr>
+                    </a:p>
+                  </a:txBody>
+                  <a:tcPr marL="119746" marR="89809" marT="59873" marB="59873" anchor="ctr"/>
+                </a:tc>
+                <a:tc>
+                  <a:txBody>
+                    <a:bodyPr/>
+                    <a:lstStyle/>
+                    <a:p>
+                      <a:pPr algn="ctr">
+                        <a:lnSpc>
+                          <a:spcPct val="106000"/>
+                        </a:lnSpc>
+                        <a:spcAft>
+                          <a:spcPts val="0"/>
+                        </a:spcAft>
+                      </a:pPr>
+                      <a:r>
+                        <a:rPr lang="fr-FR" sz="1000">
+                          <a:effectLst/>
+                        </a:rPr>
+                        <a:t>31 jours</a:t>
+                      </a:r>
+                      <a:endParaRPr lang="fr-FR" sz="1000">
+                        <a:solidFill>
+                          <a:schemeClr val="tx1">
+                            <a:lumMod val="75000"/>
+                            <a:lumOff val="25000"/>
+                          </a:schemeClr>
+                        </a:solidFill>
+                        <a:effectLst/>
+                        <a:latin typeface="Calibri" panose="020F0502020204030204" pitchFamily="34" charset="0"/>
+                        <a:ea typeface="Calibri" panose="020F0502020204030204" pitchFamily="34" charset="0"/>
+                        <a:cs typeface="Times New Roman" panose="02020603050405020304" pitchFamily="18" charset="0"/>
+                      </a:endParaRPr>
+                    </a:p>
+                  </a:txBody>
+                  <a:tcPr marL="119746" marR="89809" marT="59873" marB="59873" anchor="ctr"/>
+                </a:tc>
+                <a:extLst>
+                  <a:ext uri="{0D108BD9-81ED-4DB2-BD59-A6C34878D82A}">
+                    <a16:rowId xmlns:a16="http://schemas.microsoft.com/office/drawing/2014/main" val="2409234325"/>
+                  </a:ext>
+                </a:extLst>
+              </a:tr>
+              <a:tr h="304133">
+                <a:tc>
+                  <a:txBody>
+                    <a:bodyPr/>
+                    <a:lstStyle/>
+                    <a:p>
+                      <a:pPr algn="ctr">
+                        <a:lnSpc>
+                          <a:spcPct val="106000"/>
+                        </a:lnSpc>
+                        <a:spcAft>
+                          <a:spcPts val="0"/>
+                        </a:spcAft>
+                      </a:pPr>
+                      <a:r>
+                        <a:rPr lang="fr-FR" sz="1000">
+                          <a:effectLst/>
+                        </a:rPr>
+                        <a:t>Un utilisateur droit pouvoir recevoir des cryptomonnaie via sont liens unique</a:t>
+                      </a:r>
+                      <a:endParaRPr lang="fr-FR" sz="1000" b="1">
+                        <a:solidFill>
+                          <a:schemeClr val="tx1">
+                            <a:lumMod val="75000"/>
+                            <a:lumOff val="25000"/>
+                          </a:schemeClr>
+                        </a:solidFill>
+                        <a:effectLst/>
+                        <a:latin typeface="Calibri" panose="020F0502020204030204" pitchFamily="34" charset="0"/>
+                        <a:ea typeface="Calibri" panose="020F0502020204030204" pitchFamily="34" charset="0"/>
+                        <a:cs typeface="Times New Roman" panose="02020603050405020304" pitchFamily="18" charset="0"/>
+                      </a:endParaRPr>
+                    </a:p>
+                  </a:txBody>
+                  <a:tcPr marL="119746" marR="89809" marT="59873" marB="59873" anchor="ctr"/>
+                </a:tc>
+                <a:tc>
+                  <a:txBody>
+                    <a:bodyPr/>
+                    <a:lstStyle/>
+                    <a:p>
+                      <a:pPr algn="ctr">
+                        <a:lnSpc>
+                          <a:spcPct val="106000"/>
+                        </a:lnSpc>
+                        <a:spcAft>
+                          <a:spcPts val="0"/>
+                        </a:spcAft>
+                      </a:pPr>
+                      <a:r>
+                        <a:rPr lang="fr-FR" sz="1000">
+                          <a:effectLst/>
+                        </a:rPr>
+                        <a:t>10</a:t>
+                      </a:r>
+                      <a:endParaRPr lang="fr-FR" sz="1000">
+                        <a:solidFill>
+                          <a:schemeClr val="tx1">
+                            <a:lumMod val="75000"/>
+                            <a:lumOff val="25000"/>
+                          </a:schemeClr>
+                        </a:solidFill>
+                        <a:effectLst/>
+                        <a:latin typeface="Calibri" panose="020F0502020204030204" pitchFamily="34" charset="0"/>
+                        <a:ea typeface="Calibri" panose="020F0502020204030204" pitchFamily="34" charset="0"/>
+                        <a:cs typeface="Times New Roman" panose="02020603050405020304" pitchFamily="18" charset="0"/>
+                      </a:endParaRPr>
+                    </a:p>
+                  </a:txBody>
+                  <a:tcPr marL="119746" marR="89809" marT="59873" marB="59873" anchor="ctr"/>
+                </a:tc>
+                <a:tc>
+                  <a:txBody>
+                    <a:bodyPr/>
+                    <a:lstStyle/>
+                    <a:p>
+                      <a:pPr algn="ctr">
+                        <a:lnSpc>
+                          <a:spcPct val="106000"/>
+                        </a:lnSpc>
+                        <a:spcAft>
+                          <a:spcPts val="0"/>
+                        </a:spcAft>
+                      </a:pPr>
+                      <a:r>
+                        <a:rPr lang="fr-FR" sz="1000">
+                          <a:effectLst/>
+                        </a:rPr>
+                        <a:t>31 jours</a:t>
+                      </a:r>
+                      <a:endParaRPr lang="fr-FR" sz="1000">
+                        <a:solidFill>
+                          <a:schemeClr val="tx1">
+                            <a:lumMod val="75000"/>
+                            <a:lumOff val="25000"/>
+                          </a:schemeClr>
+                        </a:solidFill>
+                        <a:effectLst/>
+                        <a:latin typeface="Calibri" panose="020F0502020204030204" pitchFamily="34" charset="0"/>
+                        <a:ea typeface="Calibri" panose="020F0502020204030204" pitchFamily="34" charset="0"/>
+                        <a:cs typeface="Times New Roman" panose="02020603050405020304" pitchFamily="18" charset="0"/>
+                      </a:endParaRPr>
+                    </a:p>
+                  </a:txBody>
+                  <a:tcPr marL="119746" marR="89809" marT="59873" marB="59873" anchor="ctr"/>
+                </a:tc>
+                <a:extLst>
+                  <a:ext uri="{0D108BD9-81ED-4DB2-BD59-A6C34878D82A}">
+                    <a16:rowId xmlns:a16="http://schemas.microsoft.com/office/drawing/2014/main" val="3554294868"/>
+                  </a:ext>
+                </a:extLst>
+              </a:tr>
+              <a:tr h="460702">
+                <a:tc>
+                  <a:txBody>
+                    <a:bodyPr/>
+                    <a:lstStyle/>
+                    <a:p>
+                      <a:pPr algn="ctr">
+                        <a:lnSpc>
+                          <a:spcPct val="106000"/>
+                        </a:lnSpc>
+                        <a:spcAft>
+                          <a:spcPts val="0"/>
+                        </a:spcAft>
+                      </a:pPr>
+                      <a:r>
+                        <a:rPr lang="fr-FR" sz="1000">
+                          <a:effectLst/>
+                        </a:rPr>
+                        <a:t>Un utilisateur doit pouvoir via l'espace membre consulter son solde et modifier ses informations personnelles</a:t>
+                      </a:r>
+                      <a:endParaRPr lang="fr-FR" sz="1000" b="1">
+                        <a:solidFill>
+                          <a:schemeClr val="tx1">
+                            <a:lumMod val="75000"/>
+                            <a:lumOff val="25000"/>
+                          </a:schemeClr>
+                        </a:solidFill>
+                        <a:effectLst/>
+                        <a:latin typeface="Calibri" panose="020F0502020204030204" pitchFamily="34" charset="0"/>
+                        <a:ea typeface="Calibri" panose="020F0502020204030204" pitchFamily="34" charset="0"/>
+                        <a:cs typeface="Times New Roman" panose="02020603050405020304" pitchFamily="18" charset="0"/>
+                      </a:endParaRPr>
+                    </a:p>
+                  </a:txBody>
+                  <a:tcPr marL="119746" marR="89809" marT="59873" marB="59873" anchor="ctr"/>
+                </a:tc>
+                <a:tc>
+                  <a:txBody>
+                    <a:bodyPr/>
+                    <a:lstStyle/>
+                    <a:p>
+                      <a:pPr algn="ctr">
+                        <a:lnSpc>
+                          <a:spcPct val="106000"/>
+                        </a:lnSpc>
+                        <a:spcAft>
+                          <a:spcPts val="0"/>
+                        </a:spcAft>
+                      </a:pPr>
+                      <a:r>
+                        <a:rPr lang="fr-FR" sz="1000">
+                          <a:effectLst/>
+                        </a:rPr>
+                        <a:t>5</a:t>
+                      </a:r>
+                      <a:endParaRPr lang="fr-FR" sz="1000">
+                        <a:solidFill>
+                          <a:schemeClr val="tx1">
+                            <a:lumMod val="75000"/>
+                            <a:lumOff val="25000"/>
+                          </a:schemeClr>
+                        </a:solidFill>
+                        <a:effectLst/>
+                        <a:latin typeface="Calibri" panose="020F0502020204030204" pitchFamily="34" charset="0"/>
+                        <a:ea typeface="Calibri" panose="020F0502020204030204" pitchFamily="34" charset="0"/>
+                        <a:cs typeface="Times New Roman" panose="02020603050405020304" pitchFamily="18" charset="0"/>
+                      </a:endParaRPr>
+                    </a:p>
+                  </a:txBody>
+                  <a:tcPr marL="119746" marR="89809" marT="59873" marB="59873" anchor="ctr"/>
+                </a:tc>
+                <a:tc>
+                  <a:txBody>
+                    <a:bodyPr/>
+                    <a:lstStyle/>
+                    <a:p>
+                      <a:pPr algn="ctr">
+                        <a:lnSpc>
+                          <a:spcPct val="106000"/>
+                        </a:lnSpc>
+                        <a:spcAft>
+                          <a:spcPts val="0"/>
+                        </a:spcAft>
+                      </a:pPr>
+                      <a:r>
+                        <a:rPr lang="fr-FR" sz="1000">
+                          <a:effectLst/>
+                        </a:rPr>
+                        <a:t>7 jours</a:t>
+                      </a:r>
+                      <a:endParaRPr lang="fr-FR" sz="1000">
+                        <a:solidFill>
+                          <a:schemeClr val="tx1">
+                            <a:lumMod val="75000"/>
+                            <a:lumOff val="25000"/>
+                          </a:schemeClr>
+                        </a:solidFill>
+                        <a:effectLst/>
+                        <a:latin typeface="Calibri" panose="020F0502020204030204" pitchFamily="34" charset="0"/>
+                        <a:ea typeface="Calibri" panose="020F0502020204030204" pitchFamily="34" charset="0"/>
+                        <a:cs typeface="Times New Roman" panose="02020603050405020304" pitchFamily="18" charset="0"/>
+                      </a:endParaRPr>
+                    </a:p>
+                  </a:txBody>
+                  <a:tcPr marL="119746" marR="89809" marT="59873" marB="59873" anchor="ctr"/>
+                </a:tc>
+                <a:extLst>
+                  <a:ext uri="{0D108BD9-81ED-4DB2-BD59-A6C34878D82A}">
+                    <a16:rowId xmlns:a16="http://schemas.microsoft.com/office/drawing/2014/main" val="112845827"/>
+                  </a:ext>
+                </a:extLst>
+              </a:tr>
+              <a:tr h="304133">
+                <a:tc>
+                  <a:txBody>
+                    <a:bodyPr/>
+                    <a:lstStyle/>
+                    <a:p>
+                      <a:pPr algn="ctr">
+                        <a:lnSpc>
+                          <a:spcPct val="106000"/>
+                        </a:lnSpc>
+                        <a:spcAft>
+                          <a:spcPts val="0"/>
+                        </a:spcAft>
+                      </a:pPr>
+                      <a:r>
+                        <a:rPr lang="fr-FR" sz="1000">
+                          <a:effectLst/>
+                        </a:rPr>
+                        <a:t>Les serveurs et le service devront être sécurisés</a:t>
+                      </a:r>
+                      <a:endParaRPr lang="fr-FR" sz="1000" b="1">
+                        <a:solidFill>
+                          <a:schemeClr val="tx1">
+                            <a:lumMod val="75000"/>
+                            <a:lumOff val="25000"/>
+                          </a:schemeClr>
+                        </a:solidFill>
+                        <a:effectLst/>
+                        <a:latin typeface="Calibri" panose="020F0502020204030204" pitchFamily="34" charset="0"/>
+                        <a:ea typeface="Calibri" panose="020F0502020204030204" pitchFamily="34" charset="0"/>
+                        <a:cs typeface="Times New Roman" panose="02020603050405020304" pitchFamily="18" charset="0"/>
+                      </a:endParaRPr>
+                    </a:p>
+                  </a:txBody>
+                  <a:tcPr marL="119746" marR="89809" marT="59873" marB="59873" anchor="ctr"/>
+                </a:tc>
+                <a:tc>
+                  <a:txBody>
+                    <a:bodyPr/>
+                    <a:lstStyle/>
+                    <a:p>
+                      <a:pPr algn="ctr">
+                        <a:lnSpc>
+                          <a:spcPct val="106000"/>
+                        </a:lnSpc>
+                        <a:spcAft>
+                          <a:spcPts val="0"/>
+                        </a:spcAft>
+                      </a:pPr>
+                      <a:r>
+                        <a:rPr lang="fr-FR" sz="1000">
+                          <a:effectLst/>
+                        </a:rPr>
+                        <a:t>5</a:t>
+                      </a:r>
+                      <a:endParaRPr lang="fr-FR" sz="1000">
+                        <a:solidFill>
+                          <a:schemeClr val="tx1">
+                            <a:lumMod val="75000"/>
+                            <a:lumOff val="25000"/>
+                          </a:schemeClr>
+                        </a:solidFill>
+                        <a:effectLst/>
+                        <a:latin typeface="Calibri" panose="020F0502020204030204" pitchFamily="34" charset="0"/>
+                        <a:ea typeface="Calibri" panose="020F0502020204030204" pitchFamily="34" charset="0"/>
+                        <a:cs typeface="Times New Roman" panose="02020603050405020304" pitchFamily="18" charset="0"/>
+                      </a:endParaRPr>
+                    </a:p>
+                  </a:txBody>
+                  <a:tcPr marL="119746" marR="89809" marT="59873" marB="59873" anchor="ctr"/>
+                </a:tc>
+                <a:tc>
+                  <a:txBody>
+                    <a:bodyPr/>
+                    <a:lstStyle/>
+                    <a:p>
+                      <a:pPr algn="ctr">
+                        <a:lnSpc>
+                          <a:spcPct val="106000"/>
+                        </a:lnSpc>
+                        <a:spcAft>
+                          <a:spcPts val="0"/>
+                        </a:spcAft>
+                      </a:pPr>
+                      <a:r>
+                        <a:rPr lang="fr-FR" sz="1000">
+                          <a:effectLst/>
+                        </a:rPr>
+                        <a:t>Contact de maintenance</a:t>
+                      </a:r>
+                      <a:endParaRPr lang="fr-FR" sz="1000">
+                        <a:solidFill>
+                          <a:schemeClr val="tx1">
+                            <a:lumMod val="75000"/>
+                            <a:lumOff val="25000"/>
+                          </a:schemeClr>
+                        </a:solidFill>
+                        <a:effectLst/>
+                        <a:latin typeface="Calibri" panose="020F0502020204030204" pitchFamily="34" charset="0"/>
+                        <a:ea typeface="Calibri" panose="020F0502020204030204" pitchFamily="34" charset="0"/>
+                        <a:cs typeface="Times New Roman" panose="02020603050405020304" pitchFamily="18" charset="0"/>
+                      </a:endParaRPr>
+                    </a:p>
+                  </a:txBody>
+                  <a:tcPr marL="119746" marR="89809" marT="59873" marB="59873" anchor="ctr"/>
+                </a:tc>
+                <a:extLst>
+                  <a:ext uri="{0D108BD9-81ED-4DB2-BD59-A6C34878D82A}">
+                    <a16:rowId xmlns:a16="http://schemas.microsoft.com/office/drawing/2014/main" val="3963368640"/>
+                  </a:ext>
+                </a:extLst>
+              </a:tr>
+              <a:tr h="304133">
+                <a:tc>
+                  <a:txBody>
+                    <a:bodyPr/>
+                    <a:lstStyle/>
+                    <a:p>
+                      <a:pPr algn="ctr">
+                        <a:lnSpc>
+                          <a:spcPct val="106000"/>
+                        </a:lnSpc>
+                        <a:spcAft>
+                          <a:spcPts val="0"/>
+                        </a:spcAft>
+                      </a:pPr>
+                      <a:r>
+                        <a:rPr lang="fr-FR" sz="1000">
+                          <a:effectLst/>
+                        </a:rPr>
+                        <a:t>Les nœuds peuvent recevoir des compensations lors de leurs fonctionnement</a:t>
+                      </a:r>
+                      <a:endParaRPr lang="fr-FR" sz="1000" b="1">
+                        <a:solidFill>
+                          <a:schemeClr val="tx1">
+                            <a:lumMod val="75000"/>
+                            <a:lumOff val="25000"/>
+                          </a:schemeClr>
+                        </a:solidFill>
+                        <a:effectLst/>
+                        <a:latin typeface="Calibri" panose="020F0502020204030204" pitchFamily="34" charset="0"/>
+                        <a:ea typeface="Calibri" panose="020F0502020204030204" pitchFamily="34" charset="0"/>
+                        <a:cs typeface="Times New Roman" panose="02020603050405020304" pitchFamily="18" charset="0"/>
+                      </a:endParaRPr>
+                    </a:p>
+                  </a:txBody>
+                  <a:tcPr marL="119746" marR="89809" marT="59873" marB="59873" anchor="ctr"/>
+                </a:tc>
+                <a:tc>
+                  <a:txBody>
+                    <a:bodyPr/>
+                    <a:lstStyle/>
+                    <a:p>
+                      <a:pPr algn="ctr">
+                        <a:lnSpc>
+                          <a:spcPct val="106000"/>
+                        </a:lnSpc>
+                        <a:spcAft>
+                          <a:spcPts val="0"/>
+                        </a:spcAft>
+                      </a:pPr>
+                      <a:r>
+                        <a:rPr lang="fr-FR" sz="1000">
+                          <a:effectLst/>
+                        </a:rPr>
+                        <a:t>9</a:t>
+                      </a:r>
+                      <a:endParaRPr lang="fr-FR" sz="1000">
+                        <a:solidFill>
+                          <a:schemeClr val="tx1">
+                            <a:lumMod val="75000"/>
+                            <a:lumOff val="25000"/>
+                          </a:schemeClr>
+                        </a:solidFill>
+                        <a:effectLst/>
+                        <a:latin typeface="Calibri" panose="020F0502020204030204" pitchFamily="34" charset="0"/>
+                        <a:ea typeface="Calibri" panose="020F0502020204030204" pitchFamily="34" charset="0"/>
+                        <a:cs typeface="Times New Roman" panose="02020603050405020304" pitchFamily="18" charset="0"/>
+                      </a:endParaRPr>
+                    </a:p>
+                  </a:txBody>
+                  <a:tcPr marL="119746" marR="89809" marT="59873" marB="59873" anchor="ctr"/>
+                </a:tc>
+                <a:tc>
+                  <a:txBody>
+                    <a:bodyPr/>
+                    <a:lstStyle/>
+                    <a:p>
+                      <a:pPr algn="ctr">
+                        <a:lnSpc>
+                          <a:spcPct val="106000"/>
+                        </a:lnSpc>
+                        <a:spcAft>
+                          <a:spcPts val="0"/>
+                        </a:spcAft>
+                      </a:pPr>
+                      <a:r>
+                        <a:rPr lang="fr-FR" sz="1000">
+                          <a:effectLst/>
+                        </a:rPr>
+                        <a:t>21 jours</a:t>
+                      </a:r>
+                      <a:endParaRPr lang="fr-FR" sz="1000">
+                        <a:solidFill>
+                          <a:schemeClr val="tx1">
+                            <a:lumMod val="75000"/>
+                            <a:lumOff val="25000"/>
+                          </a:schemeClr>
+                        </a:solidFill>
+                        <a:effectLst/>
+                        <a:latin typeface="Calibri" panose="020F0502020204030204" pitchFamily="34" charset="0"/>
+                        <a:ea typeface="Calibri" panose="020F0502020204030204" pitchFamily="34" charset="0"/>
+                        <a:cs typeface="Times New Roman" panose="02020603050405020304" pitchFamily="18" charset="0"/>
+                      </a:endParaRPr>
+                    </a:p>
+                  </a:txBody>
+                  <a:tcPr marL="119746" marR="89809" marT="59873" marB="59873" anchor="ctr"/>
+                </a:tc>
+                <a:extLst>
+                  <a:ext uri="{0D108BD9-81ED-4DB2-BD59-A6C34878D82A}">
+                    <a16:rowId xmlns:a16="http://schemas.microsoft.com/office/drawing/2014/main" val="1706900765"/>
+                  </a:ext>
+                </a:extLst>
+              </a:tr>
+              <a:tr h="304133">
+                <a:tc>
+                  <a:txBody>
+                    <a:bodyPr/>
+                    <a:lstStyle/>
+                    <a:p>
+                      <a:pPr algn="ctr">
+                        <a:lnSpc>
+                          <a:spcPct val="106000"/>
+                        </a:lnSpc>
+                        <a:spcAft>
+                          <a:spcPts val="0"/>
+                        </a:spcAft>
+                      </a:pPr>
+                      <a:r>
+                        <a:rPr lang="fr-FR" sz="1000">
+                          <a:effectLst/>
+                        </a:rPr>
+                        <a:t>Un utilisateur peut créer son compte sur la plateforme avec google ou Facebook</a:t>
+                      </a:r>
+                      <a:endParaRPr lang="fr-FR" sz="1000" b="1">
+                        <a:solidFill>
+                          <a:schemeClr val="tx1">
+                            <a:lumMod val="75000"/>
+                            <a:lumOff val="25000"/>
+                          </a:schemeClr>
+                        </a:solidFill>
+                        <a:effectLst/>
+                        <a:latin typeface="Calibri" panose="020F0502020204030204" pitchFamily="34" charset="0"/>
+                        <a:ea typeface="Calibri" panose="020F0502020204030204" pitchFamily="34" charset="0"/>
+                        <a:cs typeface="Times New Roman" panose="02020603050405020304" pitchFamily="18" charset="0"/>
+                      </a:endParaRPr>
+                    </a:p>
+                  </a:txBody>
+                  <a:tcPr marL="119746" marR="89809" marT="59873" marB="59873" anchor="ctr"/>
+                </a:tc>
+                <a:tc>
+                  <a:txBody>
+                    <a:bodyPr/>
+                    <a:lstStyle/>
+                    <a:p>
+                      <a:pPr algn="ctr">
+                        <a:lnSpc>
+                          <a:spcPct val="106000"/>
+                        </a:lnSpc>
+                        <a:spcAft>
+                          <a:spcPts val="0"/>
+                        </a:spcAft>
+                      </a:pPr>
+                      <a:r>
+                        <a:rPr lang="fr-FR" sz="1000">
+                          <a:effectLst/>
+                        </a:rPr>
+                        <a:t>3</a:t>
+                      </a:r>
+                      <a:endParaRPr lang="fr-FR" sz="1000">
+                        <a:solidFill>
+                          <a:schemeClr val="tx1">
+                            <a:lumMod val="75000"/>
+                            <a:lumOff val="25000"/>
+                          </a:schemeClr>
+                        </a:solidFill>
+                        <a:effectLst/>
+                        <a:latin typeface="Calibri" panose="020F0502020204030204" pitchFamily="34" charset="0"/>
+                        <a:ea typeface="Calibri" panose="020F0502020204030204" pitchFamily="34" charset="0"/>
+                        <a:cs typeface="Times New Roman" panose="02020603050405020304" pitchFamily="18" charset="0"/>
+                      </a:endParaRPr>
+                    </a:p>
+                  </a:txBody>
+                  <a:tcPr marL="119746" marR="89809" marT="59873" marB="59873" anchor="ctr"/>
+                </a:tc>
+                <a:tc>
+                  <a:txBody>
+                    <a:bodyPr/>
+                    <a:lstStyle/>
+                    <a:p>
+                      <a:pPr algn="ctr">
+                        <a:lnSpc>
+                          <a:spcPct val="106000"/>
+                        </a:lnSpc>
+                        <a:spcAft>
+                          <a:spcPts val="0"/>
+                        </a:spcAft>
+                      </a:pPr>
+                      <a:r>
+                        <a:rPr lang="fr-FR" sz="1000">
+                          <a:effectLst/>
+                        </a:rPr>
+                        <a:t>7 jours</a:t>
+                      </a:r>
+                      <a:endParaRPr lang="fr-FR" sz="1000">
+                        <a:solidFill>
+                          <a:schemeClr val="tx1">
+                            <a:lumMod val="75000"/>
+                            <a:lumOff val="25000"/>
+                          </a:schemeClr>
+                        </a:solidFill>
+                        <a:effectLst/>
+                        <a:latin typeface="Calibri" panose="020F0502020204030204" pitchFamily="34" charset="0"/>
+                        <a:ea typeface="Calibri" panose="020F0502020204030204" pitchFamily="34" charset="0"/>
+                        <a:cs typeface="Times New Roman" panose="02020603050405020304" pitchFamily="18" charset="0"/>
+                      </a:endParaRPr>
+                    </a:p>
+                  </a:txBody>
+                  <a:tcPr marL="119746" marR="89809" marT="59873" marB="59873" anchor="ctr"/>
+                </a:tc>
+                <a:extLst>
+                  <a:ext uri="{0D108BD9-81ED-4DB2-BD59-A6C34878D82A}">
+                    <a16:rowId xmlns:a16="http://schemas.microsoft.com/office/drawing/2014/main" val="1638670042"/>
+                  </a:ext>
+                </a:extLst>
+              </a:tr>
+            </a:tbl>
+          </a:graphicData>
+        </a:graphic>
+      </p:graphicFrame>
     </p:spTree>
     <p:extLst>
       <p:ext uri="{BB962C8B-B14F-4D97-AF65-F5344CB8AC3E}">
@@ -7835,7 +9924,7 @@
           <a:effectLst/>
           <a:extLst>
             <a:ext uri="{91240B29-F687-4f45-9708-019B960494DF}">
-              <a14:hiddenLine xmlns="" xmlns:a16="http://schemas.microsoft.com/office/drawing/2014/main" xmlns:p14="http://schemas.microsoft.com/office/powerpoint/2010/main" xmlns:a14="http://schemas.microsoft.com/office/drawing/2010/main" w="9525">
+              <a14:hiddenLine xmlns:a14="http://schemas.microsoft.com/office/drawing/2010/main" xmlns:p14="http://schemas.microsoft.com/office/powerpoint/2010/main" xmlns:a16="http://schemas.microsoft.com/office/drawing/2014/main" xmlns="" w="9525">
                 <a:solidFill>
                   <a:srgbClr val="000000"/>
                 </a:solidFill>
@@ -8196,7 +10285,66 @@
           </a:bodyPr>
           <a:lstStyle/>
           <a:p>
-            <a:endParaRPr lang="en-US" dirty="0"/>
+            <a:r>
+              <a:rPr lang="en-US" dirty="0" err="1"/>
+              <a:t>Aucune</a:t>
+            </a:r>
+            <a:r>
+              <a:rPr lang="en-US" dirty="0"/>
+              <a:t> </a:t>
+            </a:r>
+            <a:r>
+              <a:rPr lang="en-US" dirty="0" err="1"/>
+              <a:t>difficultés</a:t>
+            </a:r>
+            <a:r>
+              <a:rPr lang="en-US" dirty="0"/>
+              <a:t>  </a:t>
+            </a:r>
+          </a:p>
+          <a:p>
+            <a:r>
+              <a:rPr lang="en-US" dirty="0"/>
+              <a:t>Le sprint à </a:t>
+            </a:r>
+            <a:r>
+              <a:rPr lang="en-US" dirty="0" err="1"/>
+              <a:t>été</a:t>
+            </a:r>
+            <a:r>
+              <a:rPr lang="en-US" dirty="0"/>
+              <a:t> bien </a:t>
+            </a:r>
+            <a:r>
+              <a:rPr lang="en-US" dirty="0" err="1"/>
+              <a:t>planifié</a:t>
+            </a:r>
+            <a:r>
+              <a:rPr lang="en-US" dirty="0"/>
+              <a:t> </a:t>
+            </a:r>
+          </a:p>
+          <a:p>
+            <a:r>
+              <a:rPr lang="en-US" dirty="0"/>
+              <a:t>Les taches du sprint on </a:t>
+            </a:r>
+            <a:r>
+              <a:rPr lang="en-US" dirty="0" err="1"/>
+              <a:t>été</a:t>
+            </a:r>
+            <a:r>
+              <a:rPr lang="en-US" dirty="0"/>
+              <a:t> </a:t>
+            </a:r>
+            <a:r>
+              <a:rPr lang="en-US" dirty="0" err="1"/>
+              <a:t>réalisé</a:t>
+            </a:r>
+            <a:r>
+              <a:rPr lang="en-US" dirty="0"/>
+              <a:t> dans les temps</a:t>
+            </a:r>
           </a:p>
         </p:txBody>
       </p:sp>
